--- a/SnakeGame解説.pptx
+++ b/SnakeGame解説.pptx
@@ -7692,7 +7692,12 @@
             <p:ph type="body" idx="1"/>
           </p:nvPr>
         </p:nvSpPr>
-        <p:spPr/>
+        <p:spPr>
+          <a:xfrm>
+            <a:off x="518808" y="1129270"/>
+            <a:ext cx="7886700" cy="3263400"/>
+          </a:xfrm>
+        </p:spPr>
         <p:txBody>
           <a:bodyPr>
             <a:normAutofit/>
@@ -7952,7 +7957,7 @@
               <a:rPr kumimoji="1" lang="ja-JP" altLang="en-US" dirty="0">
                 <a:latin typeface="+mn-lt"/>
               </a:rPr>
-              <a:t>なるべく簡単なコードで書けるようにルールを単純化する</a:t>
+              <a:t>なるべく簡単なコードで書けるようにルールを単純化します</a:t>
             </a:r>
             <a:endParaRPr kumimoji="1" lang="en-US" altLang="ja-JP" dirty="0">
               <a:latin typeface="+mn-lt"/>
@@ -7978,7 +7983,7 @@
               <a:rPr kumimoji="1" lang="ja-JP" altLang="en-US" dirty="0">
                 <a:latin typeface="+mn-lt"/>
               </a:rPr>
-              <a:t>のセルとして考える</a:t>
+              <a:t>のセルとして考えます</a:t>
             </a:r>
             <a:endParaRPr kumimoji="1" lang="en-US" altLang="ja-JP" dirty="0">
               <a:latin typeface="+mn-lt"/>
@@ -8104,6 +8109,15 @@
               <a:buNone/>
             </a:pPr>
             <a:r>
+              <a:rPr lang="ja-JP" altLang="en-US" dirty="0">
+                <a:solidFill>
+                  <a:srgbClr val="333333"/>
+                </a:solidFill>
+                <a:latin typeface="Open Sans" panose="020B0604020202020204" pitchFamily="34" charset="0"/>
+              </a:rPr>
+              <a:t>まずメインループのある</a:t>
+            </a:r>
+            <a:r>
               <a:rPr lang="en-US" altLang="ja-JP" dirty="0">
                 <a:solidFill>
                   <a:srgbClr val="333333"/>
@@ -8119,7 +8133,7 @@
                 </a:solidFill>
                 <a:latin typeface="Open Sans" panose="020B0604020202020204" pitchFamily="34" charset="0"/>
               </a:rPr>
-              <a:t>関数</a:t>
+              <a:t>関数から見て下さい</a:t>
             </a:r>
             <a:endParaRPr lang="en-US" altLang="ja-JP" dirty="0">
               <a:solidFill>
@@ -8132,6 +8146,16 @@
             <a:pPr marL="139700" indent="0" algn="l">
               <a:buNone/>
             </a:pPr>
+            <a:r>
+              <a:rPr lang="ja-JP" altLang="en-US" b="0" i="0" dirty="0">
+                <a:solidFill>
+                  <a:srgbClr val="333333"/>
+                </a:solidFill>
+                <a:effectLst/>
+                <a:latin typeface="Open Sans" panose="020B0604020202020204" pitchFamily="34" charset="0"/>
+              </a:rPr>
+              <a:t>他の関数も全てここから呼ばれます</a:t>
+            </a:r>
             <a:endParaRPr lang="en-US" altLang="ja-JP" b="0" i="0" dirty="0">
               <a:solidFill>
                 <a:srgbClr val="333333"/>
@@ -8702,15 +8726,7 @@
           <a:p>
             <a:r>
               <a:rPr kumimoji="1" lang="ja-JP" altLang="en-US" dirty="0"/>
-              <a:t>自分を食べたか（</a:t>
-            </a:r>
-            <a:r>
-              <a:rPr kumimoji="1" lang="en-US" altLang="ja-JP" dirty="0" err="1"/>
-              <a:t>GameOver</a:t>
-            </a:r>
-            <a:r>
-              <a:rPr kumimoji="1" lang="ja-JP" altLang="en-US" dirty="0"/>
-              <a:t>）判定</a:t>
+              <a:t>自分を食べたか（ゲームオーバー）判定</a:t>
             </a:r>
             <a:endParaRPr kumimoji="1" lang="en-US" altLang="ja-JP" dirty="0"/>
           </a:p>
@@ -8807,8 +8823,8 @@
         </p:nvSpPr>
         <p:spPr>
           <a:xfrm>
-            <a:off x="3670571" y="4320570"/>
-            <a:ext cx="1426723" cy="307777"/>
+            <a:off x="3670568" y="4342543"/>
+            <a:ext cx="1686127" cy="307777"/>
           </a:xfrm>
           <a:prstGeom prst="rect">
             <a:avLst/>
@@ -8822,10 +8838,44 @@
           <a:lstStyle/>
           <a:p>
             <a:r>
-              <a:rPr kumimoji="1" lang="en-US" altLang="ja-JP" dirty="0" err="1"/>
-              <a:t>GameOver</a:t>
+              <a:rPr kumimoji="1" lang="ja-JP" altLang="en-US" dirty="0"/>
+              <a:t>ゲームオーバー</a:t>
             </a:r>
-            <a:endParaRPr kumimoji="1" lang="ja-JP" altLang="en-US" dirty="0"/>
+          </a:p>
+        </p:txBody>
+      </p:sp>
+      <p:sp>
+        <p:nvSpPr>
+          <p:cNvPr id="9" name="テキスト ボックス 8">
+            <a:extLst>
+              <a:ext uri="{FF2B5EF4-FFF2-40B4-BE49-F238E27FC236}">
+                <a16:creationId xmlns:a16="http://schemas.microsoft.com/office/drawing/2014/main" id="{0AD02E66-E412-C1A2-C8AE-D5B853978041}"/>
+              </a:ext>
+            </a:extLst>
+          </p:cNvPr>
+          <p:cNvSpPr txBox="1"/>
+          <p:nvPr/>
+        </p:nvSpPr>
+        <p:spPr>
+          <a:xfrm>
+            <a:off x="3884578" y="2247641"/>
+            <a:ext cx="3320377" cy="307777"/>
+          </a:xfrm>
+          <a:prstGeom prst="rect">
+            <a:avLst/>
+          </a:prstGeom>
+          <a:noFill/>
+        </p:spPr>
+        <p:txBody>
+          <a:bodyPr wrap="square" rtlCol="0">
+            <a:spAutoFit/>
+          </a:bodyPr>
+          <a:lstStyle/>
+          <a:p>
+            <a:r>
+              <a:rPr kumimoji="1" lang="ja-JP" altLang="en-US" dirty="0"/>
+              <a:t>初期画面作成や変数初期化等</a:t>
+            </a:r>
           </a:p>
         </p:txBody>
       </p:sp>
@@ -8882,7 +8932,15 @@
           <a:p>
             <a:r>
               <a:rPr kumimoji="1" lang="ja-JP" altLang="en-US" dirty="0"/>
-              <a:t>マップデータ（クラス）</a:t>
+              <a:t>マップデータ（</a:t>
+            </a:r>
+            <a:r>
+              <a:rPr kumimoji="1" lang="en-US" altLang="ja-JP" dirty="0" err="1"/>
+              <a:t>gameMap</a:t>
+            </a:r>
+            <a:r>
+              <a:rPr kumimoji="1" lang="ja-JP" altLang="en-US" dirty="0"/>
+              <a:t>クラス）</a:t>
             </a:r>
           </a:p>
         </p:txBody>
@@ -8923,7 +8981,7 @@
             </a:r>
             <a:r>
               <a:rPr kumimoji="1" lang="ja-JP" altLang="en-US" dirty="0"/>
-              <a:t>のセルとしたので、マップデータも同様になる</a:t>
+              <a:t>のセルとしたので、マップデータも同様になります</a:t>
             </a:r>
             <a:endParaRPr kumimoji="1" lang="en-US" altLang="ja-JP" dirty="0"/>
           </a:p>
@@ -8933,7 +8991,7 @@
             </a:pPr>
             <a:r>
               <a:rPr kumimoji="1" lang="ja-JP" altLang="en-US" dirty="0"/>
-              <a:t>マップデータ自体に通り道や壁描画指示を埋め込む</a:t>
+              <a:t>マップデータ自体に通り道や壁描画指示を埋め込み、描画処理もクラス内で行えるようにします</a:t>
             </a:r>
             <a:endParaRPr kumimoji="1" lang="en-US" altLang="ja-JP" dirty="0"/>
           </a:p>
@@ -8943,7 +9001,7 @@
             </a:pPr>
             <a:r>
               <a:rPr kumimoji="1" lang="ja-JP" altLang="en-US" dirty="0"/>
-              <a:t>この方法は色々とメリットがあり、マップの変更等が簡単にできるようになったり、自分の位置や餌の位置計算が楽になる</a:t>
+              <a:t>この方法は色々とメリットがあり、マップの変更等が簡単にできるようになったり、自分の位置や餌の位置計算が楽になります</a:t>
             </a:r>
             <a:endParaRPr kumimoji="1" lang="en-US" altLang="ja-JP" dirty="0"/>
           </a:p>
@@ -8953,7 +9011,7 @@
             </a:pPr>
             <a:r>
               <a:rPr kumimoji="1" lang="ja-JP" altLang="en-US" dirty="0"/>
-              <a:t>マップデータを改造して違うマップも作成してみよう</a:t>
+              <a:t>マップデータを編集して違うマップも作成してみましょう</a:t>
             </a:r>
             <a:endParaRPr kumimoji="1" lang="en-US" altLang="ja-JP" dirty="0"/>
           </a:p>
@@ -9058,7 +9116,7 @@
               <a:rPr kumimoji="1" lang="ja-JP" altLang="en-US" dirty="0">
                 <a:latin typeface="+mn-lt"/>
               </a:rPr>
-              <a:t>迷路を常時移動する様なゲームだと、壁などがある為キー入力のタイミングがシビアになる。</a:t>
+              <a:t>迷路を常時移動する様なゲームだと、壁などがある為キー入力のタイミングがシビアになります</a:t>
             </a:r>
             <a:endParaRPr kumimoji="1" lang="en-US" altLang="ja-JP" dirty="0">
               <a:latin typeface="+mn-lt"/>
@@ -9072,7 +9130,7 @@
               <a:rPr kumimoji="1" lang="ja-JP" altLang="en-US" dirty="0">
                 <a:latin typeface="+mn-lt"/>
               </a:rPr>
-              <a:t>「キーボードの先行入力」という考え方を導入するとタイミング問題が緩和されて操作しやすくなる。</a:t>
+              <a:t>「キーボードの先行入力」という考え方を導入するとタイミング問題が緩和されて操作しやすくなります</a:t>
             </a:r>
             <a:endParaRPr kumimoji="1" lang="en-US" altLang="ja-JP" dirty="0">
               <a:latin typeface="+mn-lt"/>
@@ -9094,7 +9152,7 @@
               <a:rPr kumimoji="1" lang="ja-JP" altLang="en-US" dirty="0">
                 <a:latin typeface="+mn-lt"/>
               </a:rPr>
-              <a:t>キーボード先行入力とは、キーボードの入力を記憶しておくことにより、出来るタイミングで入力値を反映する方法の事。</a:t>
+              <a:t>キーボード先行入力とは、キーボードの入力を記憶しておくことにより、出来るタイミングで入力値を反映する方法の事</a:t>
             </a:r>
             <a:endParaRPr kumimoji="1" lang="en-US" altLang="ja-JP" dirty="0">
               <a:latin typeface="+mn-lt"/>
@@ -9108,7 +9166,7 @@
               <a:rPr kumimoji="1" lang="ja-JP" altLang="en-US" dirty="0">
                 <a:latin typeface="+mn-lt"/>
               </a:rPr>
-              <a:t>このゲームの場合、壁で移動出来ない時のキー入力を記憶しておき、移動出来るタイミングで反映させています。</a:t>
+              <a:t>このゲームの場合、壁で移動出来ない時のキー入力を記憶しておき、移動出来るタイミングで反映させています</a:t>
             </a:r>
             <a:endParaRPr kumimoji="1" lang="en-US" altLang="ja-JP" dirty="0">
               <a:latin typeface="+mn-lt"/>
@@ -9183,7 +9241,684 @@
           <a:bodyPr/>
           <a:lstStyle/>
           <a:p>
-            <a:endParaRPr kumimoji="1" lang="ja-JP" altLang="en-US" dirty="0"/>
+            <a:r>
+              <a:rPr kumimoji="1" lang="ja-JP" altLang="en-US" dirty="0"/>
+              <a:t>餌位置の演算方法（</a:t>
+            </a:r>
+            <a:r>
+              <a:rPr kumimoji="1" lang="en-US" altLang="ja-JP" dirty="0" err="1"/>
+              <a:t>makeFood</a:t>
+            </a:r>
+            <a:r>
+              <a:rPr kumimoji="1" lang="ja-JP" altLang="en-US" dirty="0"/>
+              <a:t>関数）</a:t>
+            </a:r>
+          </a:p>
+        </p:txBody>
+      </p:sp>
+      <p:sp>
+        <p:nvSpPr>
+          <p:cNvPr id="3" name="テキスト プレースホルダー 2">
+            <a:extLst>
+              <a:ext uri="{FF2B5EF4-FFF2-40B4-BE49-F238E27FC236}">
+                <a16:creationId xmlns:a16="http://schemas.microsoft.com/office/drawing/2014/main" id="{047A61C8-14B4-1445-EC76-4892DCFE771D}"/>
+              </a:ext>
+            </a:extLst>
+          </p:cNvPr>
+          <p:cNvSpPr>
+            <a:spLocks noGrp="1"/>
+          </p:cNvSpPr>
+          <p:nvPr/>
+        </p:nvSpPr>
+        <p:spPr>
+          <a:xfrm>
+            <a:off x="628650" y="1268044"/>
+            <a:ext cx="7886700" cy="3263400"/>
+          </a:xfrm>
+          <a:prstGeom prst="rect">
+            <a:avLst/>
+          </a:prstGeom>
+          <a:noFill/>
+          <a:ln>
+            <a:noFill/>
+          </a:ln>
+        </p:spPr>
+        <p:txBody>
+          <a:bodyPr spcFirstLastPara="1" wrap="square" lIns="68575" tIns="34275" rIns="68575" bIns="34275" anchor="t" anchorCtr="0">
+            <a:normAutofit/>
+          </a:bodyPr>
+          <a:lstStyle>
+            <a:defPPr marR="0" lvl="0" algn="l" rtl="0">
+              <a:lnSpc>
+                <a:spcPct val="100000"/>
+              </a:lnSpc>
+              <a:spcBef>
+                <a:spcPts val="0"/>
+              </a:spcBef>
+              <a:spcAft>
+                <a:spcPts val="0"/>
+              </a:spcAft>
+            </a:defPPr>
+            <a:lvl1pPr marL="457200" marR="0" lvl="0" indent="-317500" algn="l" rtl="0">
+              <a:lnSpc>
+                <a:spcPct val="90000"/>
+              </a:lnSpc>
+              <a:spcBef>
+                <a:spcPts val="800"/>
+              </a:spcBef>
+              <a:spcAft>
+                <a:spcPts val="0"/>
+              </a:spcAft>
+              <a:buClr>
+                <a:schemeClr val="dk1"/>
+              </a:buClr>
+              <a:buSzPts val="1400"/>
+              <a:buFont typeface="Arial"/>
+              <a:buChar char="•"/>
+              <a:defRPr sz="1800" b="0" i="0" u="none" strike="noStrike" cap="none">
+                <a:solidFill>
+                  <a:schemeClr val="dk2"/>
+                </a:solidFill>
+                <a:latin typeface="Arial"/>
+                <a:ea typeface="Arial"/>
+                <a:cs typeface="Arial"/>
+                <a:sym typeface="Arial"/>
+              </a:defRPr>
+            </a:lvl1pPr>
+            <a:lvl2pPr marL="914400" marR="0" lvl="1" indent="-317500" algn="l" rtl="0">
+              <a:lnSpc>
+                <a:spcPct val="90000"/>
+              </a:lnSpc>
+              <a:spcBef>
+                <a:spcPts val="400"/>
+              </a:spcBef>
+              <a:spcAft>
+                <a:spcPts val="0"/>
+              </a:spcAft>
+              <a:buClr>
+                <a:schemeClr val="dk1"/>
+              </a:buClr>
+              <a:buSzPts val="1400"/>
+              <a:buFont typeface="Arial"/>
+              <a:buChar char="•"/>
+              <a:defRPr sz="1400" b="0" i="0" u="none" strike="noStrike" cap="none">
+                <a:solidFill>
+                  <a:schemeClr val="dk2"/>
+                </a:solidFill>
+                <a:latin typeface="Arial"/>
+                <a:ea typeface="Arial"/>
+                <a:cs typeface="Arial"/>
+                <a:sym typeface="Arial"/>
+              </a:defRPr>
+            </a:lvl2pPr>
+            <a:lvl3pPr marL="1371600" marR="0" lvl="2" indent="-317500" algn="l" rtl="0">
+              <a:lnSpc>
+                <a:spcPct val="90000"/>
+              </a:lnSpc>
+              <a:spcBef>
+                <a:spcPts val="400"/>
+              </a:spcBef>
+              <a:spcAft>
+                <a:spcPts val="0"/>
+              </a:spcAft>
+              <a:buClr>
+                <a:schemeClr val="dk1"/>
+              </a:buClr>
+              <a:buSzPts val="1400"/>
+              <a:buFont typeface="Arial"/>
+              <a:buChar char="•"/>
+              <a:defRPr sz="1400" b="0" i="0" u="none" strike="noStrike" cap="none">
+                <a:solidFill>
+                  <a:schemeClr val="dk2"/>
+                </a:solidFill>
+                <a:latin typeface="Arial"/>
+                <a:ea typeface="Arial"/>
+                <a:cs typeface="Arial"/>
+                <a:sym typeface="Arial"/>
+              </a:defRPr>
+            </a:lvl3pPr>
+            <a:lvl4pPr marL="1828800" marR="0" lvl="3" indent="-317500" algn="l" rtl="0">
+              <a:lnSpc>
+                <a:spcPct val="90000"/>
+              </a:lnSpc>
+              <a:spcBef>
+                <a:spcPts val="400"/>
+              </a:spcBef>
+              <a:spcAft>
+                <a:spcPts val="0"/>
+              </a:spcAft>
+              <a:buClr>
+                <a:schemeClr val="dk1"/>
+              </a:buClr>
+              <a:buSzPts val="1400"/>
+              <a:buFont typeface="Arial"/>
+              <a:buChar char="•"/>
+              <a:defRPr sz="1400" b="0" i="0" u="none" strike="noStrike" cap="none">
+                <a:solidFill>
+                  <a:schemeClr val="dk2"/>
+                </a:solidFill>
+                <a:latin typeface="Arial"/>
+                <a:ea typeface="Arial"/>
+                <a:cs typeface="Arial"/>
+                <a:sym typeface="Arial"/>
+              </a:defRPr>
+            </a:lvl4pPr>
+            <a:lvl5pPr marL="2286000" marR="0" lvl="4" indent="-317500" algn="l" rtl="0">
+              <a:lnSpc>
+                <a:spcPct val="90000"/>
+              </a:lnSpc>
+              <a:spcBef>
+                <a:spcPts val="400"/>
+              </a:spcBef>
+              <a:spcAft>
+                <a:spcPts val="0"/>
+              </a:spcAft>
+              <a:buClr>
+                <a:schemeClr val="dk1"/>
+              </a:buClr>
+              <a:buSzPts val="1400"/>
+              <a:buFont typeface="Arial"/>
+              <a:buChar char="•"/>
+              <a:defRPr sz="1400" b="0" i="0" u="none" strike="noStrike" cap="none">
+                <a:solidFill>
+                  <a:schemeClr val="dk2"/>
+                </a:solidFill>
+                <a:latin typeface="Arial"/>
+                <a:ea typeface="Arial"/>
+                <a:cs typeface="Arial"/>
+                <a:sym typeface="Arial"/>
+              </a:defRPr>
+            </a:lvl5pPr>
+            <a:lvl6pPr marL="2743200" marR="0" lvl="5" indent="-317500" algn="l" rtl="0">
+              <a:lnSpc>
+                <a:spcPct val="90000"/>
+              </a:lnSpc>
+              <a:spcBef>
+                <a:spcPts val="400"/>
+              </a:spcBef>
+              <a:spcAft>
+                <a:spcPts val="0"/>
+              </a:spcAft>
+              <a:buClr>
+                <a:schemeClr val="dk1"/>
+              </a:buClr>
+              <a:buSzPts val="1400"/>
+              <a:buFont typeface="Arial"/>
+              <a:buChar char="•"/>
+              <a:defRPr sz="1400" b="0" i="0" u="none" strike="noStrike" cap="none">
+                <a:solidFill>
+                  <a:schemeClr val="dk2"/>
+                </a:solidFill>
+                <a:latin typeface="Arial"/>
+                <a:ea typeface="Arial"/>
+                <a:cs typeface="Arial"/>
+                <a:sym typeface="Arial"/>
+              </a:defRPr>
+            </a:lvl6pPr>
+            <a:lvl7pPr marL="3200400" marR="0" lvl="6" indent="-317500" algn="l" rtl="0">
+              <a:lnSpc>
+                <a:spcPct val="90000"/>
+              </a:lnSpc>
+              <a:spcBef>
+                <a:spcPts val="400"/>
+              </a:spcBef>
+              <a:spcAft>
+                <a:spcPts val="0"/>
+              </a:spcAft>
+              <a:buClr>
+                <a:schemeClr val="dk1"/>
+              </a:buClr>
+              <a:buSzPts val="1400"/>
+              <a:buFont typeface="Arial"/>
+              <a:buChar char="•"/>
+              <a:defRPr sz="1400" b="0" i="0" u="none" strike="noStrike" cap="none">
+                <a:solidFill>
+                  <a:schemeClr val="dk2"/>
+                </a:solidFill>
+                <a:latin typeface="Arial"/>
+                <a:ea typeface="Arial"/>
+                <a:cs typeface="Arial"/>
+                <a:sym typeface="Arial"/>
+              </a:defRPr>
+            </a:lvl7pPr>
+            <a:lvl8pPr marL="3657600" marR="0" lvl="7" indent="-317500" algn="l" rtl="0">
+              <a:lnSpc>
+                <a:spcPct val="90000"/>
+              </a:lnSpc>
+              <a:spcBef>
+                <a:spcPts val="400"/>
+              </a:spcBef>
+              <a:spcAft>
+                <a:spcPts val="0"/>
+              </a:spcAft>
+              <a:buClr>
+                <a:schemeClr val="dk1"/>
+              </a:buClr>
+              <a:buSzPts val="1400"/>
+              <a:buFont typeface="Arial"/>
+              <a:buChar char="•"/>
+              <a:defRPr sz="1400" b="0" i="0" u="none" strike="noStrike" cap="none">
+                <a:solidFill>
+                  <a:schemeClr val="dk2"/>
+                </a:solidFill>
+                <a:latin typeface="Arial"/>
+                <a:ea typeface="Arial"/>
+                <a:cs typeface="Arial"/>
+                <a:sym typeface="Arial"/>
+              </a:defRPr>
+            </a:lvl8pPr>
+            <a:lvl9pPr marL="4114800" marR="0" lvl="8" indent="-317500" algn="l" rtl="0">
+              <a:lnSpc>
+                <a:spcPct val="90000"/>
+              </a:lnSpc>
+              <a:spcBef>
+                <a:spcPts val="400"/>
+              </a:spcBef>
+              <a:spcAft>
+                <a:spcPts val="0"/>
+              </a:spcAft>
+              <a:buClr>
+                <a:schemeClr val="dk1"/>
+              </a:buClr>
+              <a:buSzPts val="1400"/>
+              <a:buFont typeface="Arial"/>
+              <a:buChar char="•"/>
+              <a:defRPr sz="1400" b="0" i="0" u="none" strike="noStrike" cap="none">
+                <a:solidFill>
+                  <a:schemeClr val="dk2"/>
+                </a:solidFill>
+                <a:latin typeface="Arial"/>
+                <a:ea typeface="Arial"/>
+                <a:cs typeface="Arial"/>
+                <a:sym typeface="Arial"/>
+              </a:defRPr>
+            </a:lvl9pPr>
+          </a:lstStyle>
+          <a:p>
+            <a:pPr marL="139700" indent="0">
+              <a:buNone/>
+            </a:pPr>
+            <a:endParaRPr kumimoji="1" lang="en-US" altLang="ja-JP" dirty="0">
+              <a:latin typeface="+mn-lt"/>
+            </a:endParaRPr>
+          </a:p>
+          <a:p>
+            <a:pPr marL="139700" indent="0">
+              <a:buNone/>
+            </a:pPr>
+            <a:endParaRPr kumimoji="1" lang="en-US" altLang="ja-JP" dirty="0">
+              <a:latin typeface="+mn-lt"/>
+            </a:endParaRPr>
+          </a:p>
+          <a:p>
+            <a:pPr marL="139700" indent="0">
+              <a:buNone/>
+            </a:pPr>
+            <a:endParaRPr kumimoji="1" lang="en-US" altLang="ja-JP" dirty="0">
+              <a:latin typeface="+mn-lt"/>
+            </a:endParaRPr>
+          </a:p>
+        </p:txBody>
+      </p:sp>
+      <p:sp>
+        <p:nvSpPr>
+          <p:cNvPr id="4" name="テキスト プレースホルダー 2">
+            <a:extLst>
+              <a:ext uri="{FF2B5EF4-FFF2-40B4-BE49-F238E27FC236}">
+                <a16:creationId xmlns:a16="http://schemas.microsoft.com/office/drawing/2014/main" id="{047A61C8-14B4-1445-EC76-4892DCFE771D}"/>
+              </a:ext>
+            </a:extLst>
+          </p:cNvPr>
+          <p:cNvSpPr>
+            <a:spLocks noGrp="1"/>
+          </p:cNvSpPr>
+          <p:nvPr/>
+        </p:nvSpPr>
+        <p:spPr>
+          <a:xfrm>
+            <a:off x="628650" y="1502494"/>
+            <a:ext cx="7886700" cy="3263400"/>
+          </a:xfrm>
+          <a:prstGeom prst="rect">
+            <a:avLst/>
+          </a:prstGeom>
+          <a:noFill/>
+          <a:ln>
+            <a:noFill/>
+          </a:ln>
+        </p:spPr>
+        <p:txBody>
+          <a:bodyPr spcFirstLastPara="1" wrap="square" lIns="68575" tIns="34275" rIns="68575" bIns="34275" anchor="t" anchorCtr="0">
+            <a:normAutofit/>
+          </a:bodyPr>
+          <a:lstStyle>
+            <a:defPPr marR="0" lvl="0" algn="l" rtl="0">
+              <a:lnSpc>
+                <a:spcPct val="100000"/>
+              </a:lnSpc>
+              <a:spcBef>
+                <a:spcPts val="0"/>
+              </a:spcBef>
+              <a:spcAft>
+                <a:spcPts val="0"/>
+              </a:spcAft>
+            </a:defPPr>
+            <a:lvl1pPr marL="457200" marR="0" lvl="0" indent="-317500" algn="l" rtl="0">
+              <a:lnSpc>
+                <a:spcPct val="90000"/>
+              </a:lnSpc>
+              <a:spcBef>
+                <a:spcPts val="800"/>
+              </a:spcBef>
+              <a:spcAft>
+                <a:spcPts val="0"/>
+              </a:spcAft>
+              <a:buClr>
+                <a:schemeClr val="dk1"/>
+              </a:buClr>
+              <a:buSzPts val="1400"/>
+              <a:buFont typeface="Arial"/>
+              <a:buChar char="•"/>
+              <a:defRPr sz="1800" b="0" i="0" u="none" strike="noStrike" cap="none">
+                <a:solidFill>
+                  <a:schemeClr val="dk2"/>
+                </a:solidFill>
+                <a:latin typeface="Arial"/>
+                <a:ea typeface="Arial"/>
+                <a:cs typeface="Arial"/>
+                <a:sym typeface="Arial"/>
+              </a:defRPr>
+            </a:lvl1pPr>
+            <a:lvl2pPr marL="914400" marR="0" lvl="1" indent="-317500" algn="l" rtl="0">
+              <a:lnSpc>
+                <a:spcPct val="90000"/>
+              </a:lnSpc>
+              <a:spcBef>
+                <a:spcPts val="400"/>
+              </a:spcBef>
+              <a:spcAft>
+                <a:spcPts val="0"/>
+              </a:spcAft>
+              <a:buClr>
+                <a:schemeClr val="dk1"/>
+              </a:buClr>
+              <a:buSzPts val="1400"/>
+              <a:buFont typeface="Arial"/>
+              <a:buChar char="•"/>
+              <a:defRPr sz="1400" b="0" i="0" u="none" strike="noStrike" cap="none">
+                <a:solidFill>
+                  <a:schemeClr val="dk2"/>
+                </a:solidFill>
+                <a:latin typeface="Arial"/>
+                <a:ea typeface="Arial"/>
+                <a:cs typeface="Arial"/>
+                <a:sym typeface="Arial"/>
+              </a:defRPr>
+            </a:lvl2pPr>
+            <a:lvl3pPr marL="1371600" marR="0" lvl="2" indent="-317500" algn="l" rtl="0">
+              <a:lnSpc>
+                <a:spcPct val="90000"/>
+              </a:lnSpc>
+              <a:spcBef>
+                <a:spcPts val="400"/>
+              </a:spcBef>
+              <a:spcAft>
+                <a:spcPts val="0"/>
+              </a:spcAft>
+              <a:buClr>
+                <a:schemeClr val="dk1"/>
+              </a:buClr>
+              <a:buSzPts val="1400"/>
+              <a:buFont typeface="Arial"/>
+              <a:buChar char="•"/>
+              <a:defRPr sz="1400" b="0" i="0" u="none" strike="noStrike" cap="none">
+                <a:solidFill>
+                  <a:schemeClr val="dk2"/>
+                </a:solidFill>
+                <a:latin typeface="Arial"/>
+                <a:ea typeface="Arial"/>
+                <a:cs typeface="Arial"/>
+                <a:sym typeface="Arial"/>
+              </a:defRPr>
+            </a:lvl3pPr>
+            <a:lvl4pPr marL="1828800" marR="0" lvl="3" indent="-317500" algn="l" rtl="0">
+              <a:lnSpc>
+                <a:spcPct val="90000"/>
+              </a:lnSpc>
+              <a:spcBef>
+                <a:spcPts val="400"/>
+              </a:spcBef>
+              <a:spcAft>
+                <a:spcPts val="0"/>
+              </a:spcAft>
+              <a:buClr>
+                <a:schemeClr val="dk1"/>
+              </a:buClr>
+              <a:buSzPts val="1400"/>
+              <a:buFont typeface="Arial"/>
+              <a:buChar char="•"/>
+              <a:defRPr sz="1400" b="0" i="0" u="none" strike="noStrike" cap="none">
+                <a:solidFill>
+                  <a:schemeClr val="dk2"/>
+                </a:solidFill>
+                <a:latin typeface="Arial"/>
+                <a:ea typeface="Arial"/>
+                <a:cs typeface="Arial"/>
+                <a:sym typeface="Arial"/>
+              </a:defRPr>
+            </a:lvl4pPr>
+            <a:lvl5pPr marL="2286000" marR="0" lvl="4" indent="-317500" algn="l" rtl="0">
+              <a:lnSpc>
+                <a:spcPct val="90000"/>
+              </a:lnSpc>
+              <a:spcBef>
+                <a:spcPts val="400"/>
+              </a:spcBef>
+              <a:spcAft>
+                <a:spcPts val="0"/>
+              </a:spcAft>
+              <a:buClr>
+                <a:schemeClr val="dk1"/>
+              </a:buClr>
+              <a:buSzPts val="1400"/>
+              <a:buFont typeface="Arial"/>
+              <a:buChar char="•"/>
+              <a:defRPr sz="1400" b="0" i="0" u="none" strike="noStrike" cap="none">
+                <a:solidFill>
+                  <a:schemeClr val="dk2"/>
+                </a:solidFill>
+                <a:latin typeface="Arial"/>
+                <a:ea typeface="Arial"/>
+                <a:cs typeface="Arial"/>
+                <a:sym typeface="Arial"/>
+              </a:defRPr>
+            </a:lvl5pPr>
+            <a:lvl6pPr marL="2743200" marR="0" lvl="5" indent="-317500" algn="l" rtl="0">
+              <a:lnSpc>
+                <a:spcPct val="90000"/>
+              </a:lnSpc>
+              <a:spcBef>
+                <a:spcPts val="400"/>
+              </a:spcBef>
+              <a:spcAft>
+                <a:spcPts val="0"/>
+              </a:spcAft>
+              <a:buClr>
+                <a:schemeClr val="dk1"/>
+              </a:buClr>
+              <a:buSzPts val="1400"/>
+              <a:buFont typeface="Arial"/>
+              <a:buChar char="•"/>
+              <a:defRPr sz="1400" b="0" i="0" u="none" strike="noStrike" cap="none">
+                <a:solidFill>
+                  <a:schemeClr val="dk2"/>
+                </a:solidFill>
+                <a:latin typeface="Arial"/>
+                <a:ea typeface="Arial"/>
+                <a:cs typeface="Arial"/>
+                <a:sym typeface="Arial"/>
+              </a:defRPr>
+            </a:lvl6pPr>
+            <a:lvl7pPr marL="3200400" marR="0" lvl="6" indent="-317500" algn="l" rtl="0">
+              <a:lnSpc>
+                <a:spcPct val="90000"/>
+              </a:lnSpc>
+              <a:spcBef>
+                <a:spcPts val="400"/>
+              </a:spcBef>
+              <a:spcAft>
+                <a:spcPts val="0"/>
+              </a:spcAft>
+              <a:buClr>
+                <a:schemeClr val="dk1"/>
+              </a:buClr>
+              <a:buSzPts val="1400"/>
+              <a:buFont typeface="Arial"/>
+              <a:buChar char="•"/>
+              <a:defRPr sz="1400" b="0" i="0" u="none" strike="noStrike" cap="none">
+                <a:solidFill>
+                  <a:schemeClr val="dk2"/>
+                </a:solidFill>
+                <a:latin typeface="Arial"/>
+                <a:ea typeface="Arial"/>
+                <a:cs typeface="Arial"/>
+                <a:sym typeface="Arial"/>
+              </a:defRPr>
+            </a:lvl7pPr>
+            <a:lvl8pPr marL="3657600" marR="0" lvl="7" indent="-317500" algn="l" rtl="0">
+              <a:lnSpc>
+                <a:spcPct val="90000"/>
+              </a:lnSpc>
+              <a:spcBef>
+                <a:spcPts val="400"/>
+              </a:spcBef>
+              <a:spcAft>
+                <a:spcPts val="0"/>
+              </a:spcAft>
+              <a:buClr>
+                <a:schemeClr val="dk1"/>
+              </a:buClr>
+              <a:buSzPts val="1400"/>
+              <a:buFont typeface="Arial"/>
+              <a:buChar char="•"/>
+              <a:defRPr sz="1400" b="0" i="0" u="none" strike="noStrike" cap="none">
+                <a:solidFill>
+                  <a:schemeClr val="dk2"/>
+                </a:solidFill>
+                <a:latin typeface="Arial"/>
+                <a:ea typeface="Arial"/>
+                <a:cs typeface="Arial"/>
+                <a:sym typeface="Arial"/>
+              </a:defRPr>
+            </a:lvl8pPr>
+            <a:lvl9pPr marL="4114800" marR="0" lvl="8" indent="-317500" algn="l" rtl="0">
+              <a:lnSpc>
+                <a:spcPct val="90000"/>
+              </a:lnSpc>
+              <a:spcBef>
+                <a:spcPts val="400"/>
+              </a:spcBef>
+              <a:spcAft>
+                <a:spcPts val="0"/>
+              </a:spcAft>
+              <a:buClr>
+                <a:schemeClr val="dk1"/>
+              </a:buClr>
+              <a:buSzPts val="1400"/>
+              <a:buFont typeface="Arial"/>
+              <a:buChar char="•"/>
+              <a:defRPr sz="1400" b="0" i="0" u="none" strike="noStrike" cap="none">
+                <a:solidFill>
+                  <a:schemeClr val="dk2"/>
+                </a:solidFill>
+                <a:latin typeface="Arial"/>
+                <a:ea typeface="Arial"/>
+                <a:cs typeface="Arial"/>
+                <a:sym typeface="Arial"/>
+              </a:defRPr>
+            </a:lvl9pPr>
+          </a:lstStyle>
+          <a:p>
+            <a:pPr marL="139700" indent="0">
+              <a:buNone/>
+            </a:pPr>
+            <a:r>
+              <a:rPr kumimoji="1" lang="ja-JP" altLang="en-US" dirty="0">
+                <a:latin typeface="+mn-lt"/>
+              </a:rPr>
+              <a:t>餌の位置は壁や自分がいる位置には置けないので解決方法を考えます</a:t>
+            </a:r>
+            <a:endParaRPr kumimoji="1" lang="en-US" altLang="ja-JP" dirty="0">
+              <a:latin typeface="+mn-lt"/>
+            </a:endParaRPr>
+          </a:p>
+          <a:p>
+            <a:pPr marL="139700" indent="0">
+              <a:buNone/>
+            </a:pPr>
+            <a:r>
+              <a:rPr kumimoji="1" lang="ja-JP" altLang="en-US" dirty="0">
+                <a:latin typeface="+mn-lt"/>
+              </a:rPr>
+              <a:t>マップデータ中に通り道（</a:t>
+            </a:r>
+            <a:r>
+              <a:rPr kumimoji="1" lang="en-US" altLang="ja-JP" dirty="0">
+                <a:latin typeface="+mn-lt"/>
+              </a:rPr>
+              <a:t>data=0</a:t>
+            </a:r>
+            <a:r>
+              <a:rPr kumimoji="1" lang="ja-JP" altLang="en-US" dirty="0">
+                <a:latin typeface="+mn-lt"/>
+              </a:rPr>
+              <a:t>）が分かるので、自分を除いた通り道のみを抽出し、</a:t>
+            </a:r>
+            <a:r>
+              <a:rPr kumimoji="1" lang="en-US" altLang="ja-JP" dirty="0" err="1">
+                <a:latin typeface="+mn-lt"/>
+              </a:rPr>
+              <a:t>Ramdom</a:t>
+            </a:r>
+            <a:r>
+              <a:rPr kumimoji="1" lang="ja-JP" altLang="en-US" dirty="0">
+                <a:latin typeface="+mn-lt"/>
+              </a:rPr>
+              <a:t>関数を用いて餌位置を計算します</a:t>
+            </a:r>
+            <a:endParaRPr kumimoji="1" lang="en-US" altLang="ja-JP" dirty="0">
+              <a:latin typeface="+mn-lt"/>
+            </a:endParaRPr>
+          </a:p>
+          <a:p>
+            <a:pPr marL="139700" indent="0">
+              <a:buNone/>
+            </a:pPr>
+            <a:r>
+              <a:rPr kumimoji="1" lang="ja-JP" altLang="en-US" dirty="0">
+                <a:latin typeface="+mn-lt"/>
+              </a:rPr>
+              <a:t>この方法だとマップデータを自由に編集しても動作します</a:t>
+            </a:r>
+            <a:endParaRPr kumimoji="1" lang="en-US" altLang="ja-JP" dirty="0">
+              <a:latin typeface="+mn-lt"/>
+            </a:endParaRPr>
+          </a:p>
+          <a:p>
+            <a:pPr marL="139700" indent="0">
+              <a:buNone/>
+            </a:pPr>
+            <a:endParaRPr kumimoji="1" lang="en-US" altLang="ja-JP" dirty="0">
+              <a:latin typeface="+mn-lt"/>
+            </a:endParaRPr>
+          </a:p>
+          <a:p>
+            <a:pPr marL="139700" indent="0">
+              <a:buNone/>
+            </a:pPr>
+            <a:endParaRPr kumimoji="1" lang="en-US" altLang="ja-JP" dirty="0">
+              <a:latin typeface="+mn-lt"/>
+            </a:endParaRPr>
           </a:p>
         </p:txBody>
       </p:sp>

--- a/SnakeGame解説.pptx
+++ b/SnakeGame解説.pptx
@@ -5,7 +5,7 @@
     <p:sldMasterId id="2147483661" r:id="rId1"/>
   </p:sldMasterIdLst>
   <p:notesMasterIdLst>
-    <p:notesMasterId r:id="rId10"/>
+    <p:notesMasterId r:id="rId12"/>
   </p:notesMasterIdLst>
   <p:sldIdLst>
     <p:sldId id="256" r:id="rId2"/>
@@ -15,22 +15,24 @@
     <p:sldId id="262" r:id="rId6"/>
     <p:sldId id="263" r:id="rId7"/>
     <p:sldId id="260" r:id="rId8"/>
-    <p:sldId id="264" r:id="rId9"/>
+    <p:sldId id="266" r:id="rId9"/>
+    <p:sldId id="265" r:id="rId10"/>
+    <p:sldId id="264" r:id="rId11"/>
   </p:sldIdLst>
   <p:sldSz cx="9144000" cy="5143500" type="screen16x9"/>
   <p:notesSz cx="6858000" cy="9144000"/>
   <p:embeddedFontLst>
     <p:embeddedFont>
       <p:font typeface="Gill Sans" panose="020B0600070205080204" charset="0"/>
-      <p:regular r:id="rId11"/>
-      <p:bold r:id="rId12"/>
+      <p:regular r:id="rId13"/>
+      <p:bold r:id="rId14"/>
     </p:embeddedFont>
     <p:embeddedFont>
       <p:font typeface="Open Sans" panose="020B0606030504020204" pitchFamily="34" charset="0"/>
-      <p:regular r:id="rId13"/>
-      <p:bold r:id="rId14"/>
-      <p:italic r:id="rId15"/>
-      <p:boldItalic r:id="rId16"/>
+      <p:regular r:id="rId15"/>
+      <p:bold r:id="rId16"/>
+      <p:italic r:id="rId17"/>
+      <p:boldItalic r:id="rId18"/>
     </p:embeddedFont>
   </p:embeddedFontLst>
   <p:defaultTextStyle>
@@ -7512,6 +7514,738 @@
 </p:sld>
 </file>
 
+<file path=ppt/slides/slide10.xml><?xml version="1.0" encoding="utf-8"?>
+<p:sld xmlns:a="http://schemas.openxmlformats.org/drawingml/2006/main" xmlns:r="http://schemas.openxmlformats.org/officeDocument/2006/relationships" xmlns:p="http://schemas.openxmlformats.org/presentationml/2006/main">
+  <p:cSld>
+    <p:spTree>
+      <p:nvGrpSpPr>
+        <p:cNvPr id="1" name=""/>
+        <p:cNvGrpSpPr/>
+        <p:nvPr/>
+      </p:nvGrpSpPr>
+      <p:grpSpPr>
+        <a:xfrm>
+          <a:off x="0" y="0"/>
+          <a:ext cx="0" cy="0"/>
+          <a:chOff x="0" y="0"/>
+          <a:chExt cx="0" cy="0"/>
+        </a:xfrm>
+      </p:grpSpPr>
+      <p:sp>
+        <p:nvSpPr>
+          <p:cNvPr id="2" name="タイトル 1">
+            <a:extLst>
+              <a:ext uri="{FF2B5EF4-FFF2-40B4-BE49-F238E27FC236}">
+                <a16:creationId xmlns:a16="http://schemas.microsoft.com/office/drawing/2014/main" id="{87530C13-7087-F497-7F36-16699F1ED6BD}"/>
+              </a:ext>
+            </a:extLst>
+          </p:cNvPr>
+          <p:cNvSpPr>
+            <a:spLocks noGrp="1"/>
+          </p:cNvSpPr>
+          <p:nvPr>
+            <p:ph type="title"/>
+          </p:nvPr>
+        </p:nvSpPr>
+        <p:spPr/>
+        <p:txBody>
+          <a:bodyPr/>
+          <a:lstStyle/>
+          <a:p>
+            <a:r>
+              <a:rPr kumimoji="1" lang="ja-JP" altLang="en-US" dirty="0"/>
+              <a:t>餌位置の演算方法（</a:t>
+            </a:r>
+            <a:r>
+              <a:rPr kumimoji="1" lang="en-US" altLang="ja-JP" dirty="0" err="1"/>
+              <a:t>makeFood</a:t>
+            </a:r>
+            <a:r>
+              <a:rPr kumimoji="1" lang="ja-JP" altLang="en-US" dirty="0"/>
+              <a:t>関数）</a:t>
+            </a:r>
+          </a:p>
+        </p:txBody>
+      </p:sp>
+      <p:sp>
+        <p:nvSpPr>
+          <p:cNvPr id="3" name="テキスト プレースホルダー 2">
+            <a:extLst>
+              <a:ext uri="{FF2B5EF4-FFF2-40B4-BE49-F238E27FC236}">
+                <a16:creationId xmlns:a16="http://schemas.microsoft.com/office/drawing/2014/main" id="{047A61C8-14B4-1445-EC76-4892DCFE771D}"/>
+              </a:ext>
+            </a:extLst>
+          </p:cNvPr>
+          <p:cNvSpPr>
+            <a:spLocks noGrp="1"/>
+          </p:cNvSpPr>
+          <p:nvPr/>
+        </p:nvSpPr>
+        <p:spPr>
+          <a:xfrm>
+            <a:off x="628650" y="1268044"/>
+            <a:ext cx="7886700" cy="3263400"/>
+          </a:xfrm>
+          <a:prstGeom prst="rect">
+            <a:avLst/>
+          </a:prstGeom>
+          <a:noFill/>
+          <a:ln>
+            <a:noFill/>
+          </a:ln>
+        </p:spPr>
+        <p:txBody>
+          <a:bodyPr spcFirstLastPara="1" wrap="square" lIns="68575" tIns="34275" rIns="68575" bIns="34275" anchor="t" anchorCtr="0">
+            <a:normAutofit/>
+          </a:bodyPr>
+          <a:lstStyle>
+            <a:defPPr marR="0" lvl="0" algn="l" rtl="0">
+              <a:lnSpc>
+                <a:spcPct val="100000"/>
+              </a:lnSpc>
+              <a:spcBef>
+                <a:spcPts val="0"/>
+              </a:spcBef>
+              <a:spcAft>
+                <a:spcPts val="0"/>
+              </a:spcAft>
+            </a:defPPr>
+            <a:lvl1pPr marL="457200" marR="0" lvl="0" indent="-317500" algn="l" rtl="0">
+              <a:lnSpc>
+                <a:spcPct val="90000"/>
+              </a:lnSpc>
+              <a:spcBef>
+                <a:spcPts val="800"/>
+              </a:spcBef>
+              <a:spcAft>
+                <a:spcPts val="0"/>
+              </a:spcAft>
+              <a:buClr>
+                <a:schemeClr val="dk1"/>
+              </a:buClr>
+              <a:buSzPts val="1400"/>
+              <a:buFont typeface="Arial"/>
+              <a:buChar char="•"/>
+              <a:defRPr sz="1800" b="0" i="0" u="none" strike="noStrike" cap="none">
+                <a:solidFill>
+                  <a:schemeClr val="dk2"/>
+                </a:solidFill>
+                <a:latin typeface="Arial"/>
+                <a:ea typeface="Arial"/>
+                <a:cs typeface="Arial"/>
+                <a:sym typeface="Arial"/>
+              </a:defRPr>
+            </a:lvl1pPr>
+            <a:lvl2pPr marL="914400" marR="0" lvl="1" indent="-317500" algn="l" rtl="0">
+              <a:lnSpc>
+                <a:spcPct val="90000"/>
+              </a:lnSpc>
+              <a:spcBef>
+                <a:spcPts val="400"/>
+              </a:spcBef>
+              <a:spcAft>
+                <a:spcPts val="0"/>
+              </a:spcAft>
+              <a:buClr>
+                <a:schemeClr val="dk1"/>
+              </a:buClr>
+              <a:buSzPts val="1400"/>
+              <a:buFont typeface="Arial"/>
+              <a:buChar char="•"/>
+              <a:defRPr sz="1400" b="0" i="0" u="none" strike="noStrike" cap="none">
+                <a:solidFill>
+                  <a:schemeClr val="dk2"/>
+                </a:solidFill>
+                <a:latin typeface="Arial"/>
+                <a:ea typeface="Arial"/>
+                <a:cs typeface="Arial"/>
+                <a:sym typeface="Arial"/>
+              </a:defRPr>
+            </a:lvl2pPr>
+            <a:lvl3pPr marL="1371600" marR="0" lvl="2" indent="-317500" algn="l" rtl="0">
+              <a:lnSpc>
+                <a:spcPct val="90000"/>
+              </a:lnSpc>
+              <a:spcBef>
+                <a:spcPts val="400"/>
+              </a:spcBef>
+              <a:spcAft>
+                <a:spcPts val="0"/>
+              </a:spcAft>
+              <a:buClr>
+                <a:schemeClr val="dk1"/>
+              </a:buClr>
+              <a:buSzPts val="1400"/>
+              <a:buFont typeface="Arial"/>
+              <a:buChar char="•"/>
+              <a:defRPr sz="1400" b="0" i="0" u="none" strike="noStrike" cap="none">
+                <a:solidFill>
+                  <a:schemeClr val="dk2"/>
+                </a:solidFill>
+                <a:latin typeface="Arial"/>
+                <a:ea typeface="Arial"/>
+                <a:cs typeface="Arial"/>
+                <a:sym typeface="Arial"/>
+              </a:defRPr>
+            </a:lvl3pPr>
+            <a:lvl4pPr marL="1828800" marR="0" lvl="3" indent="-317500" algn="l" rtl="0">
+              <a:lnSpc>
+                <a:spcPct val="90000"/>
+              </a:lnSpc>
+              <a:spcBef>
+                <a:spcPts val="400"/>
+              </a:spcBef>
+              <a:spcAft>
+                <a:spcPts val="0"/>
+              </a:spcAft>
+              <a:buClr>
+                <a:schemeClr val="dk1"/>
+              </a:buClr>
+              <a:buSzPts val="1400"/>
+              <a:buFont typeface="Arial"/>
+              <a:buChar char="•"/>
+              <a:defRPr sz="1400" b="0" i="0" u="none" strike="noStrike" cap="none">
+                <a:solidFill>
+                  <a:schemeClr val="dk2"/>
+                </a:solidFill>
+                <a:latin typeface="Arial"/>
+                <a:ea typeface="Arial"/>
+                <a:cs typeface="Arial"/>
+                <a:sym typeface="Arial"/>
+              </a:defRPr>
+            </a:lvl4pPr>
+            <a:lvl5pPr marL="2286000" marR="0" lvl="4" indent="-317500" algn="l" rtl="0">
+              <a:lnSpc>
+                <a:spcPct val="90000"/>
+              </a:lnSpc>
+              <a:spcBef>
+                <a:spcPts val="400"/>
+              </a:spcBef>
+              <a:spcAft>
+                <a:spcPts val="0"/>
+              </a:spcAft>
+              <a:buClr>
+                <a:schemeClr val="dk1"/>
+              </a:buClr>
+              <a:buSzPts val="1400"/>
+              <a:buFont typeface="Arial"/>
+              <a:buChar char="•"/>
+              <a:defRPr sz="1400" b="0" i="0" u="none" strike="noStrike" cap="none">
+                <a:solidFill>
+                  <a:schemeClr val="dk2"/>
+                </a:solidFill>
+                <a:latin typeface="Arial"/>
+                <a:ea typeface="Arial"/>
+                <a:cs typeface="Arial"/>
+                <a:sym typeface="Arial"/>
+              </a:defRPr>
+            </a:lvl5pPr>
+            <a:lvl6pPr marL="2743200" marR="0" lvl="5" indent="-317500" algn="l" rtl="0">
+              <a:lnSpc>
+                <a:spcPct val="90000"/>
+              </a:lnSpc>
+              <a:spcBef>
+                <a:spcPts val="400"/>
+              </a:spcBef>
+              <a:spcAft>
+                <a:spcPts val="0"/>
+              </a:spcAft>
+              <a:buClr>
+                <a:schemeClr val="dk1"/>
+              </a:buClr>
+              <a:buSzPts val="1400"/>
+              <a:buFont typeface="Arial"/>
+              <a:buChar char="•"/>
+              <a:defRPr sz="1400" b="0" i="0" u="none" strike="noStrike" cap="none">
+                <a:solidFill>
+                  <a:schemeClr val="dk2"/>
+                </a:solidFill>
+                <a:latin typeface="Arial"/>
+                <a:ea typeface="Arial"/>
+                <a:cs typeface="Arial"/>
+                <a:sym typeface="Arial"/>
+              </a:defRPr>
+            </a:lvl6pPr>
+            <a:lvl7pPr marL="3200400" marR="0" lvl="6" indent="-317500" algn="l" rtl="0">
+              <a:lnSpc>
+                <a:spcPct val="90000"/>
+              </a:lnSpc>
+              <a:spcBef>
+                <a:spcPts val="400"/>
+              </a:spcBef>
+              <a:spcAft>
+                <a:spcPts val="0"/>
+              </a:spcAft>
+              <a:buClr>
+                <a:schemeClr val="dk1"/>
+              </a:buClr>
+              <a:buSzPts val="1400"/>
+              <a:buFont typeface="Arial"/>
+              <a:buChar char="•"/>
+              <a:defRPr sz="1400" b="0" i="0" u="none" strike="noStrike" cap="none">
+                <a:solidFill>
+                  <a:schemeClr val="dk2"/>
+                </a:solidFill>
+                <a:latin typeface="Arial"/>
+                <a:ea typeface="Arial"/>
+                <a:cs typeface="Arial"/>
+                <a:sym typeface="Arial"/>
+              </a:defRPr>
+            </a:lvl7pPr>
+            <a:lvl8pPr marL="3657600" marR="0" lvl="7" indent="-317500" algn="l" rtl="0">
+              <a:lnSpc>
+                <a:spcPct val="90000"/>
+              </a:lnSpc>
+              <a:spcBef>
+                <a:spcPts val="400"/>
+              </a:spcBef>
+              <a:spcAft>
+                <a:spcPts val="0"/>
+              </a:spcAft>
+              <a:buClr>
+                <a:schemeClr val="dk1"/>
+              </a:buClr>
+              <a:buSzPts val="1400"/>
+              <a:buFont typeface="Arial"/>
+              <a:buChar char="•"/>
+              <a:defRPr sz="1400" b="0" i="0" u="none" strike="noStrike" cap="none">
+                <a:solidFill>
+                  <a:schemeClr val="dk2"/>
+                </a:solidFill>
+                <a:latin typeface="Arial"/>
+                <a:ea typeface="Arial"/>
+                <a:cs typeface="Arial"/>
+                <a:sym typeface="Arial"/>
+              </a:defRPr>
+            </a:lvl8pPr>
+            <a:lvl9pPr marL="4114800" marR="0" lvl="8" indent="-317500" algn="l" rtl="0">
+              <a:lnSpc>
+                <a:spcPct val="90000"/>
+              </a:lnSpc>
+              <a:spcBef>
+                <a:spcPts val="400"/>
+              </a:spcBef>
+              <a:spcAft>
+                <a:spcPts val="0"/>
+              </a:spcAft>
+              <a:buClr>
+                <a:schemeClr val="dk1"/>
+              </a:buClr>
+              <a:buSzPts val="1400"/>
+              <a:buFont typeface="Arial"/>
+              <a:buChar char="•"/>
+              <a:defRPr sz="1400" b="0" i="0" u="none" strike="noStrike" cap="none">
+                <a:solidFill>
+                  <a:schemeClr val="dk2"/>
+                </a:solidFill>
+                <a:latin typeface="Arial"/>
+                <a:ea typeface="Arial"/>
+                <a:cs typeface="Arial"/>
+                <a:sym typeface="Arial"/>
+              </a:defRPr>
+            </a:lvl9pPr>
+          </a:lstStyle>
+          <a:p>
+            <a:pPr marL="139700" indent="0">
+              <a:buNone/>
+            </a:pPr>
+            <a:endParaRPr kumimoji="1" lang="en-US" altLang="ja-JP" dirty="0">
+              <a:latin typeface="+mn-lt"/>
+            </a:endParaRPr>
+          </a:p>
+          <a:p>
+            <a:pPr marL="139700" indent="0">
+              <a:buNone/>
+            </a:pPr>
+            <a:endParaRPr kumimoji="1" lang="en-US" altLang="ja-JP" dirty="0">
+              <a:latin typeface="+mn-lt"/>
+            </a:endParaRPr>
+          </a:p>
+          <a:p>
+            <a:pPr marL="139700" indent="0">
+              <a:buNone/>
+            </a:pPr>
+            <a:endParaRPr kumimoji="1" lang="en-US" altLang="ja-JP" dirty="0">
+              <a:latin typeface="+mn-lt"/>
+            </a:endParaRPr>
+          </a:p>
+        </p:txBody>
+      </p:sp>
+      <p:sp>
+        <p:nvSpPr>
+          <p:cNvPr id="4" name="テキスト プレースホルダー 2">
+            <a:extLst>
+              <a:ext uri="{FF2B5EF4-FFF2-40B4-BE49-F238E27FC236}">
+                <a16:creationId xmlns:a16="http://schemas.microsoft.com/office/drawing/2014/main" id="{047A61C8-14B4-1445-EC76-4892DCFE771D}"/>
+              </a:ext>
+            </a:extLst>
+          </p:cNvPr>
+          <p:cNvSpPr>
+            <a:spLocks noGrp="1"/>
+          </p:cNvSpPr>
+          <p:nvPr/>
+        </p:nvSpPr>
+        <p:spPr>
+          <a:xfrm>
+            <a:off x="628650" y="1502494"/>
+            <a:ext cx="7886700" cy="3263400"/>
+          </a:xfrm>
+          <a:prstGeom prst="rect">
+            <a:avLst/>
+          </a:prstGeom>
+          <a:noFill/>
+          <a:ln>
+            <a:noFill/>
+          </a:ln>
+        </p:spPr>
+        <p:txBody>
+          <a:bodyPr spcFirstLastPara="1" wrap="square" lIns="68575" tIns="34275" rIns="68575" bIns="34275" anchor="t" anchorCtr="0">
+            <a:normAutofit/>
+          </a:bodyPr>
+          <a:lstStyle>
+            <a:defPPr marR="0" lvl="0" algn="l" rtl="0">
+              <a:lnSpc>
+                <a:spcPct val="100000"/>
+              </a:lnSpc>
+              <a:spcBef>
+                <a:spcPts val="0"/>
+              </a:spcBef>
+              <a:spcAft>
+                <a:spcPts val="0"/>
+              </a:spcAft>
+            </a:defPPr>
+            <a:lvl1pPr marL="457200" marR="0" lvl="0" indent="-317500" algn="l" rtl="0">
+              <a:lnSpc>
+                <a:spcPct val="90000"/>
+              </a:lnSpc>
+              <a:spcBef>
+                <a:spcPts val="800"/>
+              </a:spcBef>
+              <a:spcAft>
+                <a:spcPts val="0"/>
+              </a:spcAft>
+              <a:buClr>
+                <a:schemeClr val="dk1"/>
+              </a:buClr>
+              <a:buSzPts val="1400"/>
+              <a:buFont typeface="Arial"/>
+              <a:buChar char="•"/>
+              <a:defRPr sz="1800" b="0" i="0" u="none" strike="noStrike" cap="none">
+                <a:solidFill>
+                  <a:schemeClr val="dk2"/>
+                </a:solidFill>
+                <a:latin typeface="Arial"/>
+                <a:ea typeface="Arial"/>
+                <a:cs typeface="Arial"/>
+                <a:sym typeface="Arial"/>
+              </a:defRPr>
+            </a:lvl1pPr>
+            <a:lvl2pPr marL="914400" marR="0" lvl="1" indent="-317500" algn="l" rtl="0">
+              <a:lnSpc>
+                <a:spcPct val="90000"/>
+              </a:lnSpc>
+              <a:spcBef>
+                <a:spcPts val="400"/>
+              </a:spcBef>
+              <a:spcAft>
+                <a:spcPts val="0"/>
+              </a:spcAft>
+              <a:buClr>
+                <a:schemeClr val="dk1"/>
+              </a:buClr>
+              <a:buSzPts val="1400"/>
+              <a:buFont typeface="Arial"/>
+              <a:buChar char="•"/>
+              <a:defRPr sz="1400" b="0" i="0" u="none" strike="noStrike" cap="none">
+                <a:solidFill>
+                  <a:schemeClr val="dk2"/>
+                </a:solidFill>
+                <a:latin typeface="Arial"/>
+                <a:ea typeface="Arial"/>
+                <a:cs typeface="Arial"/>
+                <a:sym typeface="Arial"/>
+              </a:defRPr>
+            </a:lvl2pPr>
+            <a:lvl3pPr marL="1371600" marR="0" lvl="2" indent="-317500" algn="l" rtl="0">
+              <a:lnSpc>
+                <a:spcPct val="90000"/>
+              </a:lnSpc>
+              <a:spcBef>
+                <a:spcPts val="400"/>
+              </a:spcBef>
+              <a:spcAft>
+                <a:spcPts val="0"/>
+              </a:spcAft>
+              <a:buClr>
+                <a:schemeClr val="dk1"/>
+              </a:buClr>
+              <a:buSzPts val="1400"/>
+              <a:buFont typeface="Arial"/>
+              <a:buChar char="•"/>
+              <a:defRPr sz="1400" b="0" i="0" u="none" strike="noStrike" cap="none">
+                <a:solidFill>
+                  <a:schemeClr val="dk2"/>
+                </a:solidFill>
+                <a:latin typeface="Arial"/>
+                <a:ea typeface="Arial"/>
+                <a:cs typeface="Arial"/>
+                <a:sym typeface="Arial"/>
+              </a:defRPr>
+            </a:lvl3pPr>
+            <a:lvl4pPr marL="1828800" marR="0" lvl="3" indent="-317500" algn="l" rtl="0">
+              <a:lnSpc>
+                <a:spcPct val="90000"/>
+              </a:lnSpc>
+              <a:spcBef>
+                <a:spcPts val="400"/>
+              </a:spcBef>
+              <a:spcAft>
+                <a:spcPts val="0"/>
+              </a:spcAft>
+              <a:buClr>
+                <a:schemeClr val="dk1"/>
+              </a:buClr>
+              <a:buSzPts val="1400"/>
+              <a:buFont typeface="Arial"/>
+              <a:buChar char="•"/>
+              <a:defRPr sz="1400" b="0" i="0" u="none" strike="noStrike" cap="none">
+                <a:solidFill>
+                  <a:schemeClr val="dk2"/>
+                </a:solidFill>
+                <a:latin typeface="Arial"/>
+                <a:ea typeface="Arial"/>
+                <a:cs typeface="Arial"/>
+                <a:sym typeface="Arial"/>
+              </a:defRPr>
+            </a:lvl4pPr>
+            <a:lvl5pPr marL="2286000" marR="0" lvl="4" indent="-317500" algn="l" rtl="0">
+              <a:lnSpc>
+                <a:spcPct val="90000"/>
+              </a:lnSpc>
+              <a:spcBef>
+                <a:spcPts val="400"/>
+              </a:spcBef>
+              <a:spcAft>
+                <a:spcPts val="0"/>
+              </a:spcAft>
+              <a:buClr>
+                <a:schemeClr val="dk1"/>
+              </a:buClr>
+              <a:buSzPts val="1400"/>
+              <a:buFont typeface="Arial"/>
+              <a:buChar char="•"/>
+              <a:defRPr sz="1400" b="0" i="0" u="none" strike="noStrike" cap="none">
+                <a:solidFill>
+                  <a:schemeClr val="dk2"/>
+                </a:solidFill>
+                <a:latin typeface="Arial"/>
+                <a:ea typeface="Arial"/>
+                <a:cs typeface="Arial"/>
+                <a:sym typeface="Arial"/>
+              </a:defRPr>
+            </a:lvl5pPr>
+            <a:lvl6pPr marL="2743200" marR="0" lvl="5" indent="-317500" algn="l" rtl="0">
+              <a:lnSpc>
+                <a:spcPct val="90000"/>
+              </a:lnSpc>
+              <a:spcBef>
+                <a:spcPts val="400"/>
+              </a:spcBef>
+              <a:spcAft>
+                <a:spcPts val="0"/>
+              </a:spcAft>
+              <a:buClr>
+                <a:schemeClr val="dk1"/>
+              </a:buClr>
+              <a:buSzPts val="1400"/>
+              <a:buFont typeface="Arial"/>
+              <a:buChar char="•"/>
+              <a:defRPr sz="1400" b="0" i="0" u="none" strike="noStrike" cap="none">
+                <a:solidFill>
+                  <a:schemeClr val="dk2"/>
+                </a:solidFill>
+                <a:latin typeface="Arial"/>
+                <a:ea typeface="Arial"/>
+                <a:cs typeface="Arial"/>
+                <a:sym typeface="Arial"/>
+              </a:defRPr>
+            </a:lvl6pPr>
+            <a:lvl7pPr marL="3200400" marR="0" lvl="6" indent="-317500" algn="l" rtl="0">
+              <a:lnSpc>
+                <a:spcPct val="90000"/>
+              </a:lnSpc>
+              <a:spcBef>
+                <a:spcPts val="400"/>
+              </a:spcBef>
+              <a:spcAft>
+                <a:spcPts val="0"/>
+              </a:spcAft>
+              <a:buClr>
+                <a:schemeClr val="dk1"/>
+              </a:buClr>
+              <a:buSzPts val="1400"/>
+              <a:buFont typeface="Arial"/>
+              <a:buChar char="•"/>
+              <a:defRPr sz="1400" b="0" i="0" u="none" strike="noStrike" cap="none">
+                <a:solidFill>
+                  <a:schemeClr val="dk2"/>
+                </a:solidFill>
+                <a:latin typeface="Arial"/>
+                <a:ea typeface="Arial"/>
+                <a:cs typeface="Arial"/>
+                <a:sym typeface="Arial"/>
+              </a:defRPr>
+            </a:lvl7pPr>
+            <a:lvl8pPr marL="3657600" marR="0" lvl="7" indent="-317500" algn="l" rtl="0">
+              <a:lnSpc>
+                <a:spcPct val="90000"/>
+              </a:lnSpc>
+              <a:spcBef>
+                <a:spcPts val="400"/>
+              </a:spcBef>
+              <a:spcAft>
+                <a:spcPts val="0"/>
+              </a:spcAft>
+              <a:buClr>
+                <a:schemeClr val="dk1"/>
+              </a:buClr>
+              <a:buSzPts val="1400"/>
+              <a:buFont typeface="Arial"/>
+              <a:buChar char="•"/>
+              <a:defRPr sz="1400" b="0" i="0" u="none" strike="noStrike" cap="none">
+                <a:solidFill>
+                  <a:schemeClr val="dk2"/>
+                </a:solidFill>
+                <a:latin typeface="Arial"/>
+                <a:ea typeface="Arial"/>
+                <a:cs typeface="Arial"/>
+                <a:sym typeface="Arial"/>
+              </a:defRPr>
+            </a:lvl8pPr>
+            <a:lvl9pPr marL="4114800" marR="0" lvl="8" indent="-317500" algn="l" rtl="0">
+              <a:lnSpc>
+                <a:spcPct val="90000"/>
+              </a:lnSpc>
+              <a:spcBef>
+                <a:spcPts val="400"/>
+              </a:spcBef>
+              <a:spcAft>
+                <a:spcPts val="0"/>
+              </a:spcAft>
+              <a:buClr>
+                <a:schemeClr val="dk1"/>
+              </a:buClr>
+              <a:buSzPts val="1400"/>
+              <a:buFont typeface="Arial"/>
+              <a:buChar char="•"/>
+              <a:defRPr sz="1400" b="0" i="0" u="none" strike="noStrike" cap="none">
+                <a:solidFill>
+                  <a:schemeClr val="dk2"/>
+                </a:solidFill>
+                <a:latin typeface="Arial"/>
+                <a:ea typeface="Arial"/>
+                <a:cs typeface="Arial"/>
+                <a:sym typeface="Arial"/>
+              </a:defRPr>
+            </a:lvl9pPr>
+          </a:lstStyle>
+          <a:p>
+            <a:pPr marL="139700" indent="0">
+              <a:buNone/>
+            </a:pPr>
+            <a:r>
+              <a:rPr kumimoji="1" lang="ja-JP" altLang="en-US" dirty="0">
+                <a:latin typeface="+mn-lt"/>
+              </a:rPr>
+              <a:t>餌の位置は壁や自分がいる位置には置けないので解決方法を考えます</a:t>
+            </a:r>
+            <a:endParaRPr kumimoji="1" lang="en-US" altLang="ja-JP" dirty="0">
+              <a:latin typeface="+mn-lt"/>
+            </a:endParaRPr>
+          </a:p>
+          <a:p>
+            <a:pPr marL="139700" indent="0">
+              <a:buNone/>
+            </a:pPr>
+            <a:r>
+              <a:rPr kumimoji="1" lang="ja-JP" altLang="en-US" dirty="0">
+                <a:latin typeface="+mn-lt"/>
+              </a:rPr>
+              <a:t>マップデータ中に通り道（</a:t>
+            </a:r>
+            <a:r>
+              <a:rPr kumimoji="1" lang="en-US" altLang="ja-JP" dirty="0">
+                <a:latin typeface="+mn-lt"/>
+              </a:rPr>
+              <a:t>data=0</a:t>
+            </a:r>
+            <a:r>
+              <a:rPr kumimoji="1" lang="ja-JP" altLang="en-US" dirty="0">
+                <a:latin typeface="+mn-lt"/>
+              </a:rPr>
+              <a:t>）が分かるので、自分を除いた通り道のみを抽出し、</a:t>
+            </a:r>
+            <a:r>
+              <a:rPr kumimoji="1" lang="en-US" altLang="ja-JP" dirty="0" err="1">
+                <a:latin typeface="+mn-lt"/>
+              </a:rPr>
+              <a:t>Ramdom</a:t>
+            </a:r>
+            <a:r>
+              <a:rPr kumimoji="1" lang="ja-JP" altLang="en-US" dirty="0">
+                <a:latin typeface="+mn-lt"/>
+              </a:rPr>
+              <a:t>関数を用いて餌位置を計算します</a:t>
+            </a:r>
+            <a:endParaRPr kumimoji="1" lang="en-US" altLang="ja-JP" dirty="0">
+              <a:latin typeface="+mn-lt"/>
+            </a:endParaRPr>
+          </a:p>
+          <a:p>
+            <a:pPr marL="139700" indent="0">
+              <a:buNone/>
+            </a:pPr>
+            <a:r>
+              <a:rPr kumimoji="1" lang="ja-JP" altLang="en-US" dirty="0">
+                <a:latin typeface="+mn-lt"/>
+              </a:rPr>
+              <a:t>この方法だとマップデータを自由に編集しても動作します</a:t>
+            </a:r>
+            <a:endParaRPr kumimoji="1" lang="en-US" altLang="ja-JP" dirty="0">
+              <a:latin typeface="+mn-lt"/>
+            </a:endParaRPr>
+          </a:p>
+          <a:p>
+            <a:pPr marL="139700" indent="0">
+              <a:buNone/>
+            </a:pPr>
+            <a:endParaRPr kumimoji="1" lang="en-US" altLang="ja-JP" dirty="0">
+              <a:latin typeface="+mn-lt"/>
+            </a:endParaRPr>
+          </a:p>
+          <a:p>
+            <a:pPr marL="139700" indent="0">
+              <a:buNone/>
+            </a:pPr>
+            <a:endParaRPr kumimoji="1" lang="en-US" altLang="ja-JP" dirty="0">
+              <a:latin typeface="+mn-lt"/>
+            </a:endParaRPr>
+          </a:p>
+        </p:txBody>
+      </p:sp>
+    </p:spTree>
+    <p:extLst>
+      <p:ext uri="{BB962C8B-B14F-4D97-AF65-F5344CB8AC3E}">
+        <p14:creationId xmlns:p14="http://schemas.microsoft.com/office/powerpoint/2010/main" val="2847052971"/>
+      </p:ext>
+    </p:extLst>
+  </p:cSld>
+  <p:clrMapOvr>
+    <a:masterClrMapping/>
+  </p:clrMapOvr>
+</p:sld>
+</file>
+
 <file path=ppt/slides/slide2.xml><?xml version="1.0" encoding="utf-8"?>
 <p:sld xmlns:a="http://schemas.openxmlformats.org/drawingml/2006/main" xmlns:r="http://schemas.openxmlformats.org/officeDocument/2006/relationships" xmlns:p="http://schemas.openxmlformats.org/presentationml/2006/main">
   <p:cSld>
@@ -7700,7 +8434,7 @@
         </p:spPr>
         <p:txBody>
           <a:bodyPr>
-            <a:normAutofit/>
+            <a:normAutofit lnSpcReduction="10000"/>
           </a:bodyPr>
           <a:lstStyle/>
           <a:p>
@@ -7747,7 +8481,7 @@
                 <a:latin typeface="Arial" panose="020B0604020202020204" pitchFamily="34" charset="0"/>
                 <a:cs typeface="Arial" panose="020B0604020202020204" pitchFamily="34" charset="0"/>
               </a:rPr>
-              <a:t>を使ったサンプルゲーム。</a:t>
+              <a:t>を使ったサンプルゲーム</a:t>
             </a:r>
             <a:endParaRPr kumimoji="1" lang="en-US" altLang="ja-JP" sz="2400" dirty="0">
               <a:latin typeface="Arial" panose="020B0604020202020204" pitchFamily="34" charset="0"/>
@@ -7805,6 +8539,38 @@
                 <a:cs typeface="Arial" panose="020B0604020202020204" pitchFamily="34" charset="0"/>
               </a:rPr>
               <a:t>・上下左右キーで進行方向が決められる</a:t>
+            </a:r>
+            <a:endParaRPr kumimoji="1" lang="en-US" altLang="ja-JP" dirty="0">
+              <a:latin typeface="Arial" panose="020B0604020202020204" pitchFamily="34" charset="0"/>
+              <a:cs typeface="Arial" panose="020B0604020202020204" pitchFamily="34" charset="0"/>
+            </a:endParaRPr>
+          </a:p>
+          <a:p>
+            <a:pPr marL="139700" indent="0">
+              <a:buNone/>
+            </a:pPr>
+            <a:r>
+              <a:rPr kumimoji="1" lang="ja-JP" altLang="en-US" dirty="0">
+                <a:latin typeface="Arial" panose="020B0604020202020204" pitchFamily="34" charset="0"/>
+                <a:cs typeface="Arial" panose="020B0604020202020204" pitchFamily="34" charset="0"/>
+              </a:rPr>
+              <a:t>・キーボードの先行入力をサポートしているので</a:t>
+            </a:r>
+            <a:endParaRPr kumimoji="1" lang="en-US" altLang="ja-JP" dirty="0">
+              <a:latin typeface="Arial" panose="020B0604020202020204" pitchFamily="34" charset="0"/>
+              <a:cs typeface="Arial" panose="020B0604020202020204" pitchFamily="34" charset="0"/>
+            </a:endParaRPr>
+          </a:p>
+          <a:p>
+            <a:pPr marL="139700" indent="0">
+              <a:buNone/>
+            </a:pPr>
+            <a:r>
+              <a:rPr kumimoji="1" lang="ja-JP" altLang="en-US" dirty="0">
+                <a:latin typeface="Arial" panose="020B0604020202020204" pitchFamily="34" charset="0"/>
+                <a:cs typeface="Arial" panose="020B0604020202020204" pitchFamily="34" charset="0"/>
+              </a:rPr>
+              <a:t>　</a:t>
             </a:r>
             <a:endParaRPr kumimoji="1" lang="en-US" altLang="ja-JP" dirty="0">
               <a:latin typeface="Arial" panose="020B0604020202020204" pitchFamily="34" charset="0"/>
@@ -7851,7 +8617,7 @@
         </p:blipFill>
         <p:spPr>
           <a:xfrm>
-            <a:off x="6958797" y="3208443"/>
+            <a:off x="6958797" y="3125392"/>
             <a:ext cx="1666395" cy="1744264"/>
           </a:xfrm>
           <a:prstGeom prst="rect">
@@ -8115,7 +8881,7 @@
                 </a:solidFill>
                 <a:latin typeface="Open Sans" panose="020B0604020202020204" pitchFamily="34" charset="0"/>
               </a:rPr>
-              <a:t>まずメインループのある</a:t>
+              <a:t>まず最初に呼ばれる</a:t>
             </a:r>
             <a:r>
               <a:rPr lang="en-US" altLang="ja-JP" dirty="0">
@@ -8154,7 +8920,7 @@
                 <a:effectLst/>
                 <a:latin typeface="Open Sans" panose="020B0604020202020204" pitchFamily="34" charset="0"/>
               </a:rPr>
-              <a:t>他の関数も全てここから呼ばれます</a:t>
+              <a:t>ゲーム実行のメインループがあり、他の関数も全てここから呼ばれます</a:t>
             </a:r>
             <a:endParaRPr lang="en-US" altLang="ja-JP" b="0" i="0" dirty="0">
               <a:solidFill>
@@ -8649,7 +9415,7 @@
           <a:p>
             <a:r>
               <a:rPr kumimoji="1" lang="ja-JP" altLang="en-US" dirty="0"/>
-              <a:t>キーボード入力</a:t>
+              <a:t>移動方向キーボード入力</a:t>
             </a:r>
           </a:p>
         </p:txBody>
@@ -8859,7 +9625,7 @@
         <p:spPr>
           <a:xfrm>
             <a:off x="3884578" y="2247641"/>
-            <a:ext cx="3320377" cy="307777"/>
+            <a:ext cx="4630772" cy="307777"/>
           </a:xfrm>
           <a:prstGeom prst="rect">
             <a:avLst/>
@@ -8874,7 +9640,27 @@
           <a:p>
             <a:r>
               <a:rPr kumimoji="1" lang="ja-JP" altLang="en-US" dirty="0"/>
-              <a:t>初期画面作成や変数初期化等</a:t>
+              <a:t>初期化、マップ</a:t>
+            </a:r>
+            <a:r>
+              <a:rPr kumimoji="1" lang="en-US" altLang="ja-JP" dirty="0"/>
+              <a:t>(</a:t>
+            </a:r>
+            <a:r>
+              <a:rPr kumimoji="1" lang="en-US" altLang="ja-JP" dirty="0" err="1"/>
+              <a:t>gameMap</a:t>
+            </a:r>
+            <a:r>
+              <a:rPr kumimoji="1" lang="ja-JP" altLang="en-US" dirty="0"/>
+              <a:t>クラス</a:t>
+            </a:r>
+            <a:r>
+              <a:rPr kumimoji="1" lang="en-US" altLang="ja-JP" dirty="0"/>
+              <a:t>)</a:t>
+            </a:r>
+            <a:r>
+              <a:rPr kumimoji="1" lang="ja-JP" altLang="en-US" dirty="0"/>
+              <a:t>生成や初期画面作成</a:t>
             </a:r>
           </a:p>
         </p:txBody>
@@ -9076,7 +9862,7 @@
           <a:p>
             <a:r>
               <a:rPr kumimoji="1" lang="ja-JP" altLang="en-US" dirty="0"/>
-              <a:t>キー入力の考え方</a:t>
+              <a:t>移動処理・キー入力の考え方</a:t>
             </a:r>
           </a:p>
         </p:txBody>
@@ -9116,7 +9902,7 @@
               <a:rPr kumimoji="1" lang="ja-JP" altLang="en-US" dirty="0">
                 <a:latin typeface="+mn-lt"/>
               </a:rPr>
-              <a:t>迷路を常時移動する様なゲームだと、壁などがある為キー入力のタイミングがシビアになります</a:t>
+              <a:t>迷路を常時移動する様なゲームだと壁などがある為、移動方向とキー入力情報の両方保持が必要になります</a:t>
             </a:r>
             <a:endParaRPr kumimoji="1" lang="en-US" altLang="ja-JP" dirty="0">
               <a:latin typeface="+mn-lt"/>
@@ -9130,16 +9916,8 @@
               <a:rPr kumimoji="1" lang="ja-JP" altLang="en-US" dirty="0">
                 <a:latin typeface="+mn-lt"/>
               </a:rPr>
-              <a:t>「キーボードの先行入力」という考え方を導入するとタイミング問題が緩和されて操作しやすくなります</a:t>
+              <a:t>また「キーボードの先行入力」という考え方を導入するとタイミング問題が緩和されて操作しやすくなります</a:t>
             </a:r>
-            <a:endParaRPr kumimoji="1" lang="en-US" altLang="ja-JP" dirty="0">
-              <a:latin typeface="+mn-lt"/>
-            </a:endParaRPr>
-          </a:p>
-          <a:p>
-            <a:pPr marL="139700" indent="0">
-              <a:buNone/>
-            </a:pPr>
             <a:endParaRPr kumimoji="1" lang="en-US" altLang="ja-JP" dirty="0">
               <a:latin typeface="+mn-lt"/>
             </a:endParaRPr>
@@ -9152,7 +9930,7 @@
               <a:rPr kumimoji="1" lang="ja-JP" altLang="en-US" dirty="0">
                 <a:latin typeface="+mn-lt"/>
               </a:rPr>
-              <a:t>キーボード先行入力とは、キーボードの入力を記憶しておくことにより、出来るタイミングで入力値を反映する方法の事</a:t>
+              <a:t>＞キーボード先行入力とは、キーボードの入力を記憶しておくことにより、　</a:t>
             </a:r>
             <a:endParaRPr kumimoji="1" lang="en-US" altLang="ja-JP" dirty="0">
               <a:latin typeface="+mn-lt"/>
@@ -9166,7 +9944,29 @@
               <a:rPr kumimoji="1" lang="ja-JP" altLang="en-US" dirty="0">
                 <a:latin typeface="+mn-lt"/>
               </a:rPr>
-              <a:t>このゲームの場合、壁で移動出来ない時のキー入力を記憶しておき、移動出来るタイミングで反映させています</a:t>
+              <a:t>　出来るタイミングで入力値を反映する方法の事</a:t>
+            </a:r>
+            <a:endParaRPr kumimoji="1" lang="en-US" altLang="ja-JP" dirty="0">
+              <a:latin typeface="+mn-lt"/>
+            </a:endParaRPr>
+          </a:p>
+          <a:p>
+            <a:pPr marL="139700" indent="0">
+              <a:buNone/>
+            </a:pPr>
+            <a:endParaRPr kumimoji="1" lang="en-US" altLang="ja-JP" dirty="0">
+              <a:latin typeface="+mn-lt"/>
+            </a:endParaRPr>
+          </a:p>
+          <a:p>
+            <a:pPr marL="139700" indent="0">
+              <a:buNone/>
+            </a:pPr>
+            <a:r>
+              <a:rPr kumimoji="1" lang="ja-JP" altLang="en-US" dirty="0">
+                <a:latin typeface="+mn-lt"/>
+              </a:rPr>
+              <a:t>このゲームの場合、壁で移動出来ない時のキー入力も記憶しておき、移動出来るタイミングで移動方向へ反映させています</a:t>
             </a:r>
             <a:endParaRPr kumimoji="1" lang="en-US" altLang="ja-JP" dirty="0">
               <a:latin typeface="+mn-lt"/>
@@ -9225,7 +10025,7 @@
           <p:cNvPr id="2" name="タイトル 1">
             <a:extLst>
               <a:ext uri="{FF2B5EF4-FFF2-40B4-BE49-F238E27FC236}">
-                <a16:creationId xmlns:a16="http://schemas.microsoft.com/office/drawing/2014/main" id="{87530C13-7087-F497-7F36-16699F1ED6BD}"/>
+                <a16:creationId xmlns:a16="http://schemas.microsoft.com/office/drawing/2014/main" id="{0AC7FD53-2E4E-10C5-6F80-6B65C9E634A2}"/>
               </a:ext>
             </a:extLst>
           </p:cNvPr>
@@ -9243,7 +10043,240 @@
           <a:p>
             <a:r>
               <a:rPr kumimoji="1" lang="ja-JP" altLang="en-US" dirty="0"/>
-              <a:t>餌位置の演算方法（</a:t>
+              <a:t>移動処理</a:t>
+            </a:r>
+          </a:p>
+        </p:txBody>
+      </p:sp>
+      <p:sp>
+        <p:nvSpPr>
+          <p:cNvPr id="3" name="テキスト プレースホルダー 2">
+            <a:extLst>
+              <a:ext uri="{FF2B5EF4-FFF2-40B4-BE49-F238E27FC236}">
+                <a16:creationId xmlns:a16="http://schemas.microsoft.com/office/drawing/2014/main" id="{552E2E7C-F04A-7CA8-1290-643E4D5574AE}"/>
+              </a:ext>
+            </a:extLst>
+          </p:cNvPr>
+          <p:cNvSpPr>
+            <a:spLocks noGrp="1"/>
+          </p:cNvSpPr>
+          <p:nvPr>
+            <p:ph type="body" idx="1"/>
+          </p:nvPr>
+        </p:nvSpPr>
+        <p:spPr/>
+        <p:txBody>
+          <a:bodyPr/>
+          <a:lstStyle/>
+          <a:p>
+            <a:pPr marL="139700" indent="0">
+              <a:buNone/>
+            </a:pPr>
+            <a:r>
+              <a:rPr kumimoji="1" lang="ja-JP" altLang="en-US" dirty="0"/>
+              <a:t>キー入力（</a:t>
+            </a:r>
+            <a:r>
+              <a:rPr kumimoji="1" lang="en-US" altLang="ja-JP" dirty="0" err="1"/>
+              <a:t>getKey</a:t>
+            </a:r>
+            <a:r>
+              <a:rPr kumimoji="1" lang="ja-JP" altLang="en-US" dirty="0"/>
+              <a:t>関数）にて次の移動先が道（</a:t>
+            </a:r>
+            <a:r>
+              <a:rPr kumimoji="1" lang="en-US" altLang="ja-JP" dirty="0"/>
+              <a:t>data=0</a:t>
+            </a:r>
+            <a:r>
+              <a:rPr kumimoji="1" lang="ja-JP" altLang="en-US" dirty="0"/>
+              <a:t>）である場合は</a:t>
+            </a:r>
+            <a:endParaRPr kumimoji="1" lang="en-US" altLang="ja-JP" dirty="0"/>
+          </a:p>
+          <a:p>
+            <a:pPr marL="139700" indent="0">
+              <a:buNone/>
+            </a:pPr>
+            <a:r>
+              <a:rPr kumimoji="1" lang="ja-JP" altLang="en-US" dirty="0"/>
+              <a:t>先行入力として移動方向を更新します</a:t>
+            </a:r>
+            <a:endParaRPr kumimoji="1" lang="en-US" altLang="ja-JP" dirty="0"/>
+          </a:p>
+          <a:p>
+            <a:pPr marL="139700" indent="0">
+              <a:buNone/>
+            </a:pPr>
+            <a:r>
+              <a:rPr kumimoji="1" lang="ja-JP" altLang="en-US" dirty="0"/>
+              <a:t>次に移動方向先が上記同様に道（</a:t>
+            </a:r>
+            <a:r>
+              <a:rPr kumimoji="1" lang="en-US" altLang="ja-JP" dirty="0"/>
+              <a:t>data=0</a:t>
+            </a:r>
+            <a:r>
+              <a:rPr kumimoji="1" lang="ja-JP" altLang="en-US" dirty="0"/>
+              <a:t>）の場合は自分位置を更新します</a:t>
+            </a:r>
+            <a:endParaRPr kumimoji="1" lang="en-US" altLang="ja-JP" dirty="0"/>
+          </a:p>
+          <a:p>
+            <a:pPr marL="139700" indent="0">
+              <a:buNone/>
+            </a:pPr>
+            <a:r>
+              <a:rPr kumimoji="1" lang="en-US" altLang="ja-JP" dirty="0"/>
+              <a:t>2</a:t>
+            </a:r>
+            <a:r>
+              <a:rPr kumimoji="1" lang="ja-JP" altLang="en-US" dirty="0"/>
+              <a:t>段階にするのは一方向に常時移動させる為です</a:t>
+            </a:r>
+            <a:endParaRPr kumimoji="1" lang="en-US" altLang="ja-JP" dirty="0"/>
+          </a:p>
+          <a:p>
+            <a:pPr marL="139700" indent="0">
+              <a:buNone/>
+            </a:pPr>
+            <a:endParaRPr kumimoji="1" lang="ja-JP" altLang="en-US" dirty="0"/>
+          </a:p>
+        </p:txBody>
+      </p:sp>
+    </p:spTree>
+    <p:extLst>
+      <p:ext uri="{BB962C8B-B14F-4D97-AF65-F5344CB8AC3E}">
+        <p14:creationId xmlns:p14="http://schemas.microsoft.com/office/powerpoint/2010/main" val="2981568064"/>
+      </p:ext>
+    </p:extLst>
+  </p:cSld>
+  <p:clrMapOvr>
+    <a:masterClrMapping/>
+  </p:clrMapOvr>
+</p:sld>
+</file>
+
+<file path=ppt/slides/slide9.xml><?xml version="1.0" encoding="utf-8"?>
+<p:sld xmlns:a="http://schemas.openxmlformats.org/drawingml/2006/main" xmlns:r="http://schemas.openxmlformats.org/officeDocument/2006/relationships" xmlns:p="http://schemas.openxmlformats.org/presentationml/2006/main">
+  <p:cSld>
+    <p:spTree>
+      <p:nvGrpSpPr>
+        <p:cNvPr id="1" name=""/>
+        <p:cNvGrpSpPr/>
+        <p:nvPr/>
+      </p:nvGrpSpPr>
+      <p:grpSpPr>
+        <a:xfrm>
+          <a:off x="0" y="0"/>
+          <a:ext cx="0" cy="0"/>
+          <a:chOff x="0" y="0"/>
+          <a:chExt cx="0" cy="0"/>
+        </a:xfrm>
+      </p:grpSpPr>
+      <p:sp>
+        <p:nvSpPr>
+          <p:cNvPr id="2" name="タイトル 1">
+            <a:extLst>
+              <a:ext uri="{FF2B5EF4-FFF2-40B4-BE49-F238E27FC236}">
+                <a16:creationId xmlns:a16="http://schemas.microsoft.com/office/drawing/2014/main" id="{EFC382AC-216F-EA6C-4986-DF9420F09908}"/>
+              </a:ext>
+            </a:extLst>
+          </p:cNvPr>
+          <p:cNvSpPr>
+            <a:spLocks noGrp="1"/>
+          </p:cNvSpPr>
+          <p:nvPr>
+            <p:ph type="title"/>
+          </p:nvPr>
+        </p:nvSpPr>
+        <p:spPr/>
+        <p:txBody>
+          <a:bodyPr/>
+          <a:lstStyle/>
+          <a:p>
+            <a:r>
+              <a:rPr kumimoji="1" lang="ja-JP" altLang="en-US" dirty="0"/>
+              <a:t>当たり判定（</a:t>
+            </a:r>
+            <a:r>
+              <a:rPr kumimoji="1" lang="en-US" altLang="ja-JP" dirty="0"/>
+              <a:t>bingo</a:t>
+            </a:r>
+            <a:r>
+              <a:rPr kumimoji="1" lang="ja-JP" altLang="en-US" dirty="0"/>
+              <a:t>関数）</a:t>
+            </a:r>
+          </a:p>
+        </p:txBody>
+      </p:sp>
+      <p:sp>
+        <p:nvSpPr>
+          <p:cNvPr id="3" name="テキスト プレースホルダー 2">
+            <a:extLst>
+              <a:ext uri="{FF2B5EF4-FFF2-40B4-BE49-F238E27FC236}">
+                <a16:creationId xmlns:a16="http://schemas.microsoft.com/office/drawing/2014/main" id="{23289AD6-DA2F-90EC-CCE7-4DEB61BBCA74}"/>
+              </a:ext>
+            </a:extLst>
+          </p:cNvPr>
+          <p:cNvSpPr>
+            <a:spLocks noGrp="1"/>
+          </p:cNvSpPr>
+          <p:nvPr>
+            <p:ph type="body" idx="1"/>
+          </p:nvPr>
+        </p:nvSpPr>
+        <p:spPr/>
+        <p:txBody>
+          <a:bodyPr/>
+          <a:lstStyle/>
+          <a:p>
+            <a:pPr marL="139700" indent="0">
+              <a:buNone/>
+            </a:pPr>
+            <a:r>
+              <a:rPr kumimoji="1" lang="ja-JP" altLang="en-US" dirty="0"/>
+              <a:t>自分位置の状態判定を行います</a:t>
+            </a:r>
+            <a:endParaRPr kumimoji="1" lang="en-US" altLang="ja-JP" dirty="0"/>
+          </a:p>
+          <a:p>
+            <a:pPr marL="139700" indent="0">
+              <a:buNone/>
+            </a:pPr>
+            <a:r>
+              <a:rPr kumimoji="1" lang="ja-JP" altLang="en-US" dirty="0"/>
+              <a:t>・餌を食べたか？</a:t>
+            </a:r>
+            <a:endParaRPr kumimoji="1" lang="en-US" altLang="ja-JP" dirty="0"/>
+          </a:p>
+          <a:p>
+            <a:pPr marL="139700" indent="0">
+              <a:buNone/>
+            </a:pPr>
+            <a:r>
+              <a:rPr kumimoji="1" lang="ja-JP" altLang="en-US" dirty="0"/>
+              <a:t>　自分位置と餌位置が一致していれば餌を食べたことになります</a:t>
+            </a:r>
+            <a:endParaRPr kumimoji="1" lang="en-US" altLang="ja-JP" dirty="0"/>
+          </a:p>
+          <a:p>
+            <a:pPr marL="139700" indent="0">
+              <a:buNone/>
+            </a:pPr>
+            <a:r>
+              <a:rPr kumimoji="1" lang="ja-JP" altLang="en-US" dirty="0"/>
+              <a:t>　餌を食べた場合、自分自身を伸ばし（配列に追加）、</a:t>
+            </a:r>
+            <a:endParaRPr kumimoji="1" lang="en-US" altLang="ja-JP" dirty="0"/>
+          </a:p>
+          <a:p>
+            <a:pPr marL="139700" indent="0">
+              <a:buNone/>
+            </a:pPr>
+            <a:r>
+              <a:rPr kumimoji="1" lang="ja-JP" altLang="en-US" dirty="0"/>
+              <a:t>　新たな餌位置を演算（</a:t>
             </a:r>
             <a:r>
               <a:rPr kumimoji="1" lang="en-US" altLang="ja-JP" dirty="0" err="1"/>
@@ -9251,681 +10284,55 @@
             </a:r>
             <a:r>
               <a:rPr kumimoji="1" lang="ja-JP" altLang="en-US" dirty="0"/>
-              <a:t>関数）</a:t>
+              <a:t>関数）します</a:t>
             </a:r>
-          </a:p>
-        </p:txBody>
-      </p:sp>
-      <p:sp>
-        <p:nvSpPr>
-          <p:cNvPr id="3" name="テキスト プレースホルダー 2">
-            <a:extLst>
-              <a:ext uri="{FF2B5EF4-FFF2-40B4-BE49-F238E27FC236}">
-                <a16:creationId xmlns:a16="http://schemas.microsoft.com/office/drawing/2014/main" id="{047A61C8-14B4-1445-EC76-4892DCFE771D}"/>
-              </a:ext>
-            </a:extLst>
-          </p:cNvPr>
-          <p:cNvSpPr>
-            <a:spLocks noGrp="1"/>
-          </p:cNvSpPr>
-          <p:nvPr/>
-        </p:nvSpPr>
-        <p:spPr>
-          <a:xfrm>
-            <a:off x="628650" y="1268044"/>
-            <a:ext cx="7886700" cy="3263400"/>
-          </a:xfrm>
-          <a:prstGeom prst="rect">
-            <a:avLst/>
-          </a:prstGeom>
-          <a:noFill/>
-          <a:ln>
-            <a:noFill/>
-          </a:ln>
-        </p:spPr>
-        <p:txBody>
-          <a:bodyPr spcFirstLastPara="1" wrap="square" lIns="68575" tIns="34275" rIns="68575" bIns="34275" anchor="t" anchorCtr="0">
-            <a:normAutofit/>
-          </a:bodyPr>
-          <a:lstStyle>
-            <a:defPPr marR="0" lvl="0" algn="l" rtl="0">
-              <a:lnSpc>
-                <a:spcPct val="100000"/>
-              </a:lnSpc>
-              <a:spcBef>
-                <a:spcPts val="0"/>
-              </a:spcBef>
-              <a:spcAft>
-                <a:spcPts val="0"/>
-              </a:spcAft>
-            </a:defPPr>
-            <a:lvl1pPr marL="457200" marR="0" lvl="0" indent="-317500" algn="l" rtl="0">
-              <a:lnSpc>
-                <a:spcPct val="90000"/>
-              </a:lnSpc>
-              <a:spcBef>
-                <a:spcPts val="800"/>
-              </a:spcBef>
-              <a:spcAft>
-                <a:spcPts val="0"/>
-              </a:spcAft>
-              <a:buClr>
-                <a:schemeClr val="dk1"/>
-              </a:buClr>
-              <a:buSzPts val="1400"/>
-              <a:buFont typeface="Arial"/>
-              <a:buChar char="•"/>
-              <a:defRPr sz="1800" b="0" i="0" u="none" strike="noStrike" cap="none">
-                <a:solidFill>
-                  <a:schemeClr val="dk2"/>
-                </a:solidFill>
-                <a:latin typeface="Arial"/>
-                <a:ea typeface="Arial"/>
-                <a:cs typeface="Arial"/>
-                <a:sym typeface="Arial"/>
-              </a:defRPr>
-            </a:lvl1pPr>
-            <a:lvl2pPr marL="914400" marR="0" lvl="1" indent="-317500" algn="l" rtl="0">
-              <a:lnSpc>
-                <a:spcPct val="90000"/>
-              </a:lnSpc>
-              <a:spcBef>
-                <a:spcPts val="400"/>
-              </a:spcBef>
-              <a:spcAft>
-                <a:spcPts val="0"/>
-              </a:spcAft>
-              <a:buClr>
-                <a:schemeClr val="dk1"/>
-              </a:buClr>
-              <a:buSzPts val="1400"/>
-              <a:buFont typeface="Arial"/>
-              <a:buChar char="•"/>
-              <a:defRPr sz="1400" b="0" i="0" u="none" strike="noStrike" cap="none">
-                <a:solidFill>
-                  <a:schemeClr val="dk2"/>
-                </a:solidFill>
-                <a:latin typeface="Arial"/>
-                <a:ea typeface="Arial"/>
-                <a:cs typeface="Arial"/>
-                <a:sym typeface="Arial"/>
-              </a:defRPr>
-            </a:lvl2pPr>
-            <a:lvl3pPr marL="1371600" marR="0" lvl="2" indent="-317500" algn="l" rtl="0">
-              <a:lnSpc>
-                <a:spcPct val="90000"/>
-              </a:lnSpc>
-              <a:spcBef>
-                <a:spcPts val="400"/>
-              </a:spcBef>
-              <a:spcAft>
-                <a:spcPts val="0"/>
-              </a:spcAft>
-              <a:buClr>
-                <a:schemeClr val="dk1"/>
-              </a:buClr>
-              <a:buSzPts val="1400"/>
-              <a:buFont typeface="Arial"/>
-              <a:buChar char="•"/>
-              <a:defRPr sz="1400" b="0" i="0" u="none" strike="noStrike" cap="none">
-                <a:solidFill>
-                  <a:schemeClr val="dk2"/>
-                </a:solidFill>
-                <a:latin typeface="Arial"/>
-                <a:ea typeface="Arial"/>
-                <a:cs typeface="Arial"/>
-                <a:sym typeface="Arial"/>
-              </a:defRPr>
-            </a:lvl3pPr>
-            <a:lvl4pPr marL="1828800" marR="0" lvl="3" indent="-317500" algn="l" rtl="0">
-              <a:lnSpc>
-                <a:spcPct val="90000"/>
-              </a:lnSpc>
-              <a:spcBef>
-                <a:spcPts val="400"/>
-              </a:spcBef>
-              <a:spcAft>
-                <a:spcPts val="0"/>
-              </a:spcAft>
-              <a:buClr>
-                <a:schemeClr val="dk1"/>
-              </a:buClr>
-              <a:buSzPts val="1400"/>
-              <a:buFont typeface="Arial"/>
-              <a:buChar char="•"/>
-              <a:defRPr sz="1400" b="0" i="0" u="none" strike="noStrike" cap="none">
-                <a:solidFill>
-                  <a:schemeClr val="dk2"/>
-                </a:solidFill>
-                <a:latin typeface="Arial"/>
-                <a:ea typeface="Arial"/>
-                <a:cs typeface="Arial"/>
-                <a:sym typeface="Arial"/>
-              </a:defRPr>
-            </a:lvl4pPr>
-            <a:lvl5pPr marL="2286000" marR="0" lvl="4" indent="-317500" algn="l" rtl="0">
-              <a:lnSpc>
-                <a:spcPct val="90000"/>
-              </a:lnSpc>
-              <a:spcBef>
-                <a:spcPts val="400"/>
-              </a:spcBef>
-              <a:spcAft>
-                <a:spcPts val="0"/>
-              </a:spcAft>
-              <a:buClr>
-                <a:schemeClr val="dk1"/>
-              </a:buClr>
-              <a:buSzPts val="1400"/>
-              <a:buFont typeface="Arial"/>
-              <a:buChar char="•"/>
-              <a:defRPr sz="1400" b="0" i="0" u="none" strike="noStrike" cap="none">
-                <a:solidFill>
-                  <a:schemeClr val="dk2"/>
-                </a:solidFill>
-                <a:latin typeface="Arial"/>
-                <a:ea typeface="Arial"/>
-                <a:cs typeface="Arial"/>
-                <a:sym typeface="Arial"/>
-              </a:defRPr>
-            </a:lvl5pPr>
-            <a:lvl6pPr marL="2743200" marR="0" lvl="5" indent="-317500" algn="l" rtl="0">
-              <a:lnSpc>
-                <a:spcPct val="90000"/>
-              </a:lnSpc>
-              <a:spcBef>
-                <a:spcPts val="400"/>
-              </a:spcBef>
-              <a:spcAft>
-                <a:spcPts val="0"/>
-              </a:spcAft>
-              <a:buClr>
-                <a:schemeClr val="dk1"/>
-              </a:buClr>
-              <a:buSzPts val="1400"/>
-              <a:buFont typeface="Arial"/>
-              <a:buChar char="•"/>
-              <a:defRPr sz="1400" b="0" i="0" u="none" strike="noStrike" cap="none">
-                <a:solidFill>
-                  <a:schemeClr val="dk2"/>
-                </a:solidFill>
-                <a:latin typeface="Arial"/>
-                <a:ea typeface="Arial"/>
-                <a:cs typeface="Arial"/>
-                <a:sym typeface="Arial"/>
-              </a:defRPr>
-            </a:lvl6pPr>
-            <a:lvl7pPr marL="3200400" marR="0" lvl="6" indent="-317500" algn="l" rtl="0">
-              <a:lnSpc>
-                <a:spcPct val="90000"/>
-              </a:lnSpc>
-              <a:spcBef>
-                <a:spcPts val="400"/>
-              </a:spcBef>
-              <a:spcAft>
-                <a:spcPts val="0"/>
-              </a:spcAft>
-              <a:buClr>
-                <a:schemeClr val="dk1"/>
-              </a:buClr>
-              <a:buSzPts val="1400"/>
-              <a:buFont typeface="Arial"/>
-              <a:buChar char="•"/>
-              <a:defRPr sz="1400" b="0" i="0" u="none" strike="noStrike" cap="none">
-                <a:solidFill>
-                  <a:schemeClr val="dk2"/>
-                </a:solidFill>
-                <a:latin typeface="Arial"/>
-                <a:ea typeface="Arial"/>
-                <a:cs typeface="Arial"/>
-                <a:sym typeface="Arial"/>
-              </a:defRPr>
-            </a:lvl7pPr>
-            <a:lvl8pPr marL="3657600" marR="0" lvl="7" indent="-317500" algn="l" rtl="0">
-              <a:lnSpc>
-                <a:spcPct val="90000"/>
-              </a:lnSpc>
-              <a:spcBef>
-                <a:spcPts val="400"/>
-              </a:spcBef>
-              <a:spcAft>
-                <a:spcPts val="0"/>
-              </a:spcAft>
-              <a:buClr>
-                <a:schemeClr val="dk1"/>
-              </a:buClr>
-              <a:buSzPts val="1400"/>
-              <a:buFont typeface="Arial"/>
-              <a:buChar char="•"/>
-              <a:defRPr sz="1400" b="0" i="0" u="none" strike="noStrike" cap="none">
-                <a:solidFill>
-                  <a:schemeClr val="dk2"/>
-                </a:solidFill>
-                <a:latin typeface="Arial"/>
-                <a:ea typeface="Arial"/>
-                <a:cs typeface="Arial"/>
-                <a:sym typeface="Arial"/>
-              </a:defRPr>
-            </a:lvl8pPr>
-            <a:lvl9pPr marL="4114800" marR="0" lvl="8" indent="-317500" algn="l" rtl="0">
-              <a:lnSpc>
-                <a:spcPct val="90000"/>
-              </a:lnSpc>
-              <a:spcBef>
-                <a:spcPts val="400"/>
-              </a:spcBef>
-              <a:spcAft>
-                <a:spcPts val="0"/>
-              </a:spcAft>
-              <a:buClr>
-                <a:schemeClr val="dk1"/>
-              </a:buClr>
-              <a:buSzPts val="1400"/>
-              <a:buFont typeface="Arial"/>
-              <a:buChar char="•"/>
-              <a:defRPr sz="1400" b="0" i="0" u="none" strike="noStrike" cap="none">
-                <a:solidFill>
-                  <a:schemeClr val="dk2"/>
-                </a:solidFill>
-                <a:latin typeface="Arial"/>
-                <a:ea typeface="Arial"/>
-                <a:cs typeface="Arial"/>
-                <a:sym typeface="Arial"/>
-              </a:defRPr>
-            </a:lvl9pPr>
-          </a:lstStyle>
-          <a:p>
-            <a:pPr marL="139700" indent="0">
-              <a:buNone/>
-            </a:pPr>
-            <a:endParaRPr kumimoji="1" lang="en-US" altLang="ja-JP" dirty="0">
-              <a:latin typeface="+mn-lt"/>
-            </a:endParaRPr>
-          </a:p>
-          <a:p>
-            <a:pPr marL="139700" indent="0">
-              <a:buNone/>
-            </a:pPr>
-            <a:endParaRPr kumimoji="1" lang="en-US" altLang="ja-JP" dirty="0">
-              <a:latin typeface="+mn-lt"/>
-            </a:endParaRPr>
-          </a:p>
-          <a:p>
-            <a:pPr marL="139700" indent="0">
-              <a:buNone/>
-            </a:pPr>
-            <a:endParaRPr kumimoji="1" lang="en-US" altLang="ja-JP" dirty="0">
-              <a:latin typeface="+mn-lt"/>
-            </a:endParaRPr>
-          </a:p>
-        </p:txBody>
-      </p:sp>
-      <p:sp>
-        <p:nvSpPr>
-          <p:cNvPr id="4" name="テキスト プレースホルダー 2">
-            <a:extLst>
-              <a:ext uri="{FF2B5EF4-FFF2-40B4-BE49-F238E27FC236}">
-                <a16:creationId xmlns:a16="http://schemas.microsoft.com/office/drawing/2014/main" id="{047A61C8-14B4-1445-EC76-4892DCFE771D}"/>
-              </a:ext>
-            </a:extLst>
-          </p:cNvPr>
-          <p:cNvSpPr>
-            <a:spLocks noGrp="1"/>
-          </p:cNvSpPr>
-          <p:nvPr/>
-        </p:nvSpPr>
-        <p:spPr>
-          <a:xfrm>
-            <a:off x="628650" y="1502494"/>
-            <a:ext cx="7886700" cy="3263400"/>
-          </a:xfrm>
-          <a:prstGeom prst="rect">
-            <a:avLst/>
-          </a:prstGeom>
-          <a:noFill/>
-          <a:ln>
-            <a:noFill/>
-          </a:ln>
-        </p:spPr>
-        <p:txBody>
-          <a:bodyPr spcFirstLastPara="1" wrap="square" lIns="68575" tIns="34275" rIns="68575" bIns="34275" anchor="t" anchorCtr="0">
-            <a:normAutofit/>
-          </a:bodyPr>
-          <a:lstStyle>
-            <a:defPPr marR="0" lvl="0" algn="l" rtl="0">
-              <a:lnSpc>
-                <a:spcPct val="100000"/>
-              </a:lnSpc>
-              <a:spcBef>
-                <a:spcPts val="0"/>
-              </a:spcBef>
-              <a:spcAft>
-                <a:spcPts val="0"/>
-              </a:spcAft>
-            </a:defPPr>
-            <a:lvl1pPr marL="457200" marR="0" lvl="0" indent="-317500" algn="l" rtl="0">
-              <a:lnSpc>
-                <a:spcPct val="90000"/>
-              </a:lnSpc>
-              <a:spcBef>
-                <a:spcPts val="800"/>
-              </a:spcBef>
-              <a:spcAft>
-                <a:spcPts val="0"/>
-              </a:spcAft>
-              <a:buClr>
-                <a:schemeClr val="dk1"/>
-              </a:buClr>
-              <a:buSzPts val="1400"/>
-              <a:buFont typeface="Arial"/>
-              <a:buChar char="•"/>
-              <a:defRPr sz="1800" b="0" i="0" u="none" strike="noStrike" cap="none">
-                <a:solidFill>
-                  <a:schemeClr val="dk2"/>
-                </a:solidFill>
-                <a:latin typeface="Arial"/>
-                <a:ea typeface="Arial"/>
-                <a:cs typeface="Arial"/>
-                <a:sym typeface="Arial"/>
-              </a:defRPr>
-            </a:lvl1pPr>
-            <a:lvl2pPr marL="914400" marR="0" lvl="1" indent="-317500" algn="l" rtl="0">
-              <a:lnSpc>
-                <a:spcPct val="90000"/>
-              </a:lnSpc>
-              <a:spcBef>
-                <a:spcPts val="400"/>
-              </a:spcBef>
-              <a:spcAft>
-                <a:spcPts val="0"/>
-              </a:spcAft>
-              <a:buClr>
-                <a:schemeClr val="dk1"/>
-              </a:buClr>
-              <a:buSzPts val="1400"/>
-              <a:buFont typeface="Arial"/>
-              <a:buChar char="•"/>
-              <a:defRPr sz="1400" b="0" i="0" u="none" strike="noStrike" cap="none">
-                <a:solidFill>
-                  <a:schemeClr val="dk2"/>
-                </a:solidFill>
-                <a:latin typeface="Arial"/>
-                <a:ea typeface="Arial"/>
-                <a:cs typeface="Arial"/>
-                <a:sym typeface="Arial"/>
-              </a:defRPr>
-            </a:lvl2pPr>
-            <a:lvl3pPr marL="1371600" marR="0" lvl="2" indent="-317500" algn="l" rtl="0">
-              <a:lnSpc>
-                <a:spcPct val="90000"/>
-              </a:lnSpc>
-              <a:spcBef>
-                <a:spcPts val="400"/>
-              </a:spcBef>
-              <a:spcAft>
-                <a:spcPts val="0"/>
-              </a:spcAft>
-              <a:buClr>
-                <a:schemeClr val="dk1"/>
-              </a:buClr>
-              <a:buSzPts val="1400"/>
-              <a:buFont typeface="Arial"/>
-              <a:buChar char="•"/>
-              <a:defRPr sz="1400" b="0" i="0" u="none" strike="noStrike" cap="none">
-                <a:solidFill>
-                  <a:schemeClr val="dk2"/>
-                </a:solidFill>
-                <a:latin typeface="Arial"/>
-                <a:ea typeface="Arial"/>
-                <a:cs typeface="Arial"/>
-                <a:sym typeface="Arial"/>
-              </a:defRPr>
-            </a:lvl3pPr>
-            <a:lvl4pPr marL="1828800" marR="0" lvl="3" indent="-317500" algn="l" rtl="0">
-              <a:lnSpc>
-                <a:spcPct val="90000"/>
-              </a:lnSpc>
-              <a:spcBef>
-                <a:spcPts val="400"/>
-              </a:spcBef>
-              <a:spcAft>
-                <a:spcPts val="0"/>
-              </a:spcAft>
-              <a:buClr>
-                <a:schemeClr val="dk1"/>
-              </a:buClr>
-              <a:buSzPts val="1400"/>
-              <a:buFont typeface="Arial"/>
-              <a:buChar char="•"/>
-              <a:defRPr sz="1400" b="0" i="0" u="none" strike="noStrike" cap="none">
-                <a:solidFill>
-                  <a:schemeClr val="dk2"/>
-                </a:solidFill>
-                <a:latin typeface="Arial"/>
-                <a:ea typeface="Arial"/>
-                <a:cs typeface="Arial"/>
-                <a:sym typeface="Arial"/>
-              </a:defRPr>
-            </a:lvl4pPr>
-            <a:lvl5pPr marL="2286000" marR="0" lvl="4" indent="-317500" algn="l" rtl="0">
-              <a:lnSpc>
-                <a:spcPct val="90000"/>
-              </a:lnSpc>
-              <a:spcBef>
-                <a:spcPts val="400"/>
-              </a:spcBef>
-              <a:spcAft>
-                <a:spcPts val="0"/>
-              </a:spcAft>
-              <a:buClr>
-                <a:schemeClr val="dk1"/>
-              </a:buClr>
-              <a:buSzPts val="1400"/>
-              <a:buFont typeface="Arial"/>
-              <a:buChar char="•"/>
-              <a:defRPr sz="1400" b="0" i="0" u="none" strike="noStrike" cap="none">
-                <a:solidFill>
-                  <a:schemeClr val="dk2"/>
-                </a:solidFill>
-                <a:latin typeface="Arial"/>
-                <a:ea typeface="Arial"/>
-                <a:cs typeface="Arial"/>
-                <a:sym typeface="Arial"/>
-              </a:defRPr>
-            </a:lvl5pPr>
-            <a:lvl6pPr marL="2743200" marR="0" lvl="5" indent="-317500" algn="l" rtl="0">
-              <a:lnSpc>
-                <a:spcPct val="90000"/>
-              </a:lnSpc>
-              <a:spcBef>
-                <a:spcPts val="400"/>
-              </a:spcBef>
-              <a:spcAft>
-                <a:spcPts val="0"/>
-              </a:spcAft>
-              <a:buClr>
-                <a:schemeClr val="dk1"/>
-              </a:buClr>
-              <a:buSzPts val="1400"/>
-              <a:buFont typeface="Arial"/>
-              <a:buChar char="•"/>
-              <a:defRPr sz="1400" b="0" i="0" u="none" strike="noStrike" cap="none">
-                <a:solidFill>
-                  <a:schemeClr val="dk2"/>
-                </a:solidFill>
-                <a:latin typeface="Arial"/>
-                <a:ea typeface="Arial"/>
-                <a:cs typeface="Arial"/>
-                <a:sym typeface="Arial"/>
-              </a:defRPr>
-            </a:lvl6pPr>
-            <a:lvl7pPr marL="3200400" marR="0" lvl="6" indent="-317500" algn="l" rtl="0">
-              <a:lnSpc>
-                <a:spcPct val="90000"/>
-              </a:lnSpc>
-              <a:spcBef>
-                <a:spcPts val="400"/>
-              </a:spcBef>
-              <a:spcAft>
-                <a:spcPts val="0"/>
-              </a:spcAft>
-              <a:buClr>
-                <a:schemeClr val="dk1"/>
-              </a:buClr>
-              <a:buSzPts val="1400"/>
-              <a:buFont typeface="Arial"/>
-              <a:buChar char="•"/>
-              <a:defRPr sz="1400" b="0" i="0" u="none" strike="noStrike" cap="none">
-                <a:solidFill>
-                  <a:schemeClr val="dk2"/>
-                </a:solidFill>
-                <a:latin typeface="Arial"/>
-                <a:ea typeface="Arial"/>
-                <a:cs typeface="Arial"/>
-                <a:sym typeface="Arial"/>
-              </a:defRPr>
-            </a:lvl7pPr>
-            <a:lvl8pPr marL="3657600" marR="0" lvl="7" indent="-317500" algn="l" rtl="0">
-              <a:lnSpc>
-                <a:spcPct val="90000"/>
-              </a:lnSpc>
-              <a:spcBef>
-                <a:spcPts val="400"/>
-              </a:spcBef>
-              <a:spcAft>
-                <a:spcPts val="0"/>
-              </a:spcAft>
-              <a:buClr>
-                <a:schemeClr val="dk1"/>
-              </a:buClr>
-              <a:buSzPts val="1400"/>
-              <a:buFont typeface="Arial"/>
-              <a:buChar char="•"/>
-              <a:defRPr sz="1400" b="0" i="0" u="none" strike="noStrike" cap="none">
-                <a:solidFill>
-                  <a:schemeClr val="dk2"/>
-                </a:solidFill>
-                <a:latin typeface="Arial"/>
-                <a:ea typeface="Arial"/>
-                <a:cs typeface="Arial"/>
-                <a:sym typeface="Arial"/>
-              </a:defRPr>
-            </a:lvl8pPr>
-            <a:lvl9pPr marL="4114800" marR="0" lvl="8" indent="-317500" algn="l" rtl="0">
-              <a:lnSpc>
-                <a:spcPct val="90000"/>
-              </a:lnSpc>
-              <a:spcBef>
-                <a:spcPts val="400"/>
-              </a:spcBef>
-              <a:spcAft>
-                <a:spcPts val="0"/>
-              </a:spcAft>
-              <a:buClr>
-                <a:schemeClr val="dk1"/>
-              </a:buClr>
-              <a:buSzPts val="1400"/>
-              <a:buFont typeface="Arial"/>
-              <a:buChar char="•"/>
-              <a:defRPr sz="1400" b="0" i="0" u="none" strike="noStrike" cap="none">
-                <a:solidFill>
-                  <a:schemeClr val="dk2"/>
-                </a:solidFill>
-                <a:latin typeface="Arial"/>
-                <a:ea typeface="Arial"/>
-                <a:cs typeface="Arial"/>
-                <a:sym typeface="Arial"/>
-              </a:defRPr>
-            </a:lvl9pPr>
-          </a:lstStyle>
+            <a:endParaRPr kumimoji="1" lang="en-US" altLang="ja-JP" dirty="0"/>
+          </a:p>
           <a:p>
             <a:pPr marL="139700" indent="0">
               <a:buNone/>
             </a:pPr>
             <a:r>
-              <a:rPr kumimoji="1" lang="ja-JP" altLang="en-US" dirty="0">
-                <a:latin typeface="+mn-lt"/>
-              </a:rPr>
-              <a:t>餌の位置は壁や自分がいる位置には置けないので解決方法を考えます</a:t>
+              <a:rPr kumimoji="1" lang="ja-JP" altLang="en-US" dirty="0"/>
+              <a:t>・自分を食べたか？</a:t>
             </a:r>
-            <a:endParaRPr kumimoji="1" lang="en-US" altLang="ja-JP" dirty="0">
-              <a:latin typeface="+mn-lt"/>
-            </a:endParaRPr>
+            <a:endParaRPr kumimoji="1" lang="en-US" altLang="ja-JP" dirty="0"/>
           </a:p>
           <a:p>
             <a:pPr marL="139700" indent="0">
               <a:buNone/>
             </a:pPr>
             <a:r>
-              <a:rPr kumimoji="1" lang="ja-JP" altLang="en-US" dirty="0">
-                <a:latin typeface="+mn-lt"/>
-              </a:rPr>
-              <a:t>マップデータ中に通り道（</a:t>
+              <a:rPr kumimoji="1" lang="ja-JP" altLang="en-US" dirty="0"/>
+              <a:t>　自分位置が自分自身（尻尾含む）の座標を含む場合は自分を食べた</a:t>
             </a:r>
-            <a:r>
-              <a:rPr kumimoji="1" lang="en-US" altLang="ja-JP" dirty="0">
-                <a:latin typeface="+mn-lt"/>
-              </a:rPr>
-              <a:t>data=0</a:t>
-            </a:r>
-            <a:r>
-              <a:rPr kumimoji="1" lang="ja-JP" altLang="en-US" dirty="0">
-                <a:latin typeface="+mn-lt"/>
-              </a:rPr>
-              <a:t>）が分かるので、自分を除いた通り道のみを抽出し、</a:t>
-            </a:r>
-            <a:r>
-              <a:rPr kumimoji="1" lang="en-US" altLang="ja-JP" dirty="0" err="1">
-                <a:latin typeface="+mn-lt"/>
-              </a:rPr>
-              <a:t>Ramdom</a:t>
-            </a:r>
-            <a:r>
-              <a:rPr kumimoji="1" lang="ja-JP" altLang="en-US" dirty="0">
-                <a:latin typeface="+mn-lt"/>
-              </a:rPr>
-              <a:t>関数を用いて餌位置を計算します</a:t>
-            </a:r>
-            <a:endParaRPr kumimoji="1" lang="en-US" altLang="ja-JP" dirty="0">
-              <a:latin typeface="+mn-lt"/>
-            </a:endParaRPr>
+            <a:endParaRPr kumimoji="1" lang="en-US" altLang="ja-JP" dirty="0"/>
           </a:p>
           <a:p>
             <a:pPr marL="139700" indent="0">
               <a:buNone/>
             </a:pPr>
             <a:r>
-              <a:rPr kumimoji="1" lang="ja-JP" altLang="en-US" dirty="0">
-                <a:latin typeface="+mn-lt"/>
-              </a:rPr>
-              <a:t>この方法だとマップデータを自由に編集しても動作します</a:t>
+              <a:rPr kumimoji="1" lang="ja-JP" altLang="en-US" dirty="0"/>
+              <a:t>　ことになります</a:t>
             </a:r>
-            <a:endParaRPr kumimoji="1" lang="en-US" altLang="ja-JP" dirty="0">
-              <a:latin typeface="+mn-lt"/>
-            </a:endParaRPr>
+            <a:endParaRPr kumimoji="1" lang="en-US" altLang="ja-JP" dirty="0"/>
           </a:p>
           <a:p>
             <a:pPr marL="139700" indent="0">
               <a:buNone/>
             </a:pPr>
-            <a:endParaRPr kumimoji="1" lang="en-US" altLang="ja-JP" dirty="0">
-              <a:latin typeface="+mn-lt"/>
-            </a:endParaRPr>
-          </a:p>
-          <a:p>
-            <a:pPr marL="139700" indent="0">
-              <a:buNone/>
-            </a:pPr>
-            <a:endParaRPr kumimoji="1" lang="en-US" altLang="ja-JP" dirty="0">
-              <a:latin typeface="+mn-lt"/>
-            </a:endParaRPr>
+            <a:r>
+              <a:rPr kumimoji="1" lang="ja-JP" altLang="en-US" dirty="0"/>
+              <a:t>　この場合はゲームオーバーとなります</a:t>
+            </a:r>
           </a:p>
         </p:txBody>
       </p:sp>
     </p:spTree>
     <p:extLst>
       <p:ext uri="{BB962C8B-B14F-4D97-AF65-F5344CB8AC3E}">
-        <p14:creationId xmlns:p14="http://schemas.microsoft.com/office/powerpoint/2010/main" val="2847052971"/>
+        <p14:creationId xmlns:p14="http://schemas.microsoft.com/office/powerpoint/2010/main" val="931505700"/>
       </p:ext>
     </p:extLst>
   </p:cSld>

--- a/SnakeGame解説.pptx
+++ b/SnakeGame解説.pptx
@@ -5,34 +5,40 @@
     <p:sldMasterId id="2147483661" r:id="rId1"/>
   </p:sldMasterIdLst>
   <p:notesMasterIdLst>
-    <p:notesMasterId r:id="rId12"/>
+    <p:notesMasterId r:id="rId11"/>
   </p:notesMasterIdLst>
   <p:sldIdLst>
     <p:sldId id="256" r:id="rId2"/>
-    <p:sldId id="258" r:id="rId3"/>
-    <p:sldId id="259" r:id="rId4"/>
-    <p:sldId id="261" r:id="rId5"/>
-    <p:sldId id="262" r:id="rId6"/>
-    <p:sldId id="263" r:id="rId7"/>
-    <p:sldId id="260" r:id="rId8"/>
-    <p:sldId id="266" r:id="rId9"/>
-    <p:sldId id="265" r:id="rId10"/>
-    <p:sldId id="264" r:id="rId11"/>
+    <p:sldId id="259" r:id="rId3"/>
+    <p:sldId id="261" r:id="rId4"/>
+    <p:sldId id="262" r:id="rId5"/>
+    <p:sldId id="263" r:id="rId6"/>
+    <p:sldId id="260" r:id="rId7"/>
+    <p:sldId id="266" r:id="rId8"/>
+    <p:sldId id="265" r:id="rId9"/>
+    <p:sldId id="264" r:id="rId10"/>
   </p:sldIdLst>
   <p:sldSz cx="9144000" cy="5143500" type="screen16x9"/>
   <p:notesSz cx="6858000" cy="9144000"/>
   <p:embeddedFontLst>
     <p:embeddedFont>
+      <p:font typeface="Consolas" panose="020B0609020204030204" pitchFamily="49" charset="0"/>
+      <p:regular r:id="rId12"/>
+      <p:bold r:id="rId13"/>
+      <p:italic r:id="rId14"/>
+      <p:boldItalic r:id="rId15"/>
+    </p:embeddedFont>
+    <p:embeddedFont>
       <p:font typeface="Gill Sans" panose="020B0600070205080204" charset="0"/>
-      <p:regular r:id="rId13"/>
-      <p:bold r:id="rId14"/>
+      <p:regular r:id="rId16"/>
+      <p:bold r:id="rId17"/>
     </p:embeddedFont>
     <p:embeddedFont>
       <p:font typeface="Open Sans" panose="020B0606030504020204" pitchFamily="34" charset="0"/>
-      <p:regular r:id="rId15"/>
-      <p:bold r:id="rId16"/>
-      <p:italic r:id="rId17"/>
-      <p:boldItalic r:id="rId18"/>
+      <p:regular r:id="rId18"/>
+      <p:bold r:id="rId19"/>
+      <p:italic r:id="rId20"/>
+      <p:boldItalic r:id="rId21"/>
     </p:embeddedFont>
   </p:embeddedFontLst>
   <p:defaultTextStyle>
@@ -7514,738 +7520,6 @@
 </p:sld>
 </file>
 
-<file path=ppt/slides/slide10.xml><?xml version="1.0" encoding="utf-8"?>
-<p:sld xmlns:a="http://schemas.openxmlformats.org/drawingml/2006/main" xmlns:r="http://schemas.openxmlformats.org/officeDocument/2006/relationships" xmlns:p="http://schemas.openxmlformats.org/presentationml/2006/main">
-  <p:cSld>
-    <p:spTree>
-      <p:nvGrpSpPr>
-        <p:cNvPr id="1" name=""/>
-        <p:cNvGrpSpPr/>
-        <p:nvPr/>
-      </p:nvGrpSpPr>
-      <p:grpSpPr>
-        <a:xfrm>
-          <a:off x="0" y="0"/>
-          <a:ext cx="0" cy="0"/>
-          <a:chOff x="0" y="0"/>
-          <a:chExt cx="0" cy="0"/>
-        </a:xfrm>
-      </p:grpSpPr>
-      <p:sp>
-        <p:nvSpPr>
-          <p:cNvPr id="2" name="タイトル 1">
-            <a:extLst>
-              <a:ext uri="{FF2B5EF4-FFF2-40B4-BE49-F238E27FC236}">
-                <a16:creationId xmlns:a16="http://schemas.microsoft.com/office/drawing/2014/main" id="{87530C13-7087-F497-7F36-16699F1ED6BD}"/>
-              </a:ext>
-            </a:extLst>
-          </p:cNvPr>
-          <p:cNvSpPr>
-            <a:spLocks noGrp="1"/>
-          </p:cNvSpPr>
-          <p:nvPr>
-            <p:ph type="title"/>
-          </p:nvPr>
-        </p:nvSpPr>
-        <p:spPr/>
-        <p:txBody>
-          <a:bodyPr/>
-          <a:lstStyle/>
-          <a:p>
-            <a:r>
-              <a:rPr kumimoji="1" lang="ja-JP" altLang="en-US" dirty="0"/>
-              <a:t>餌位置の演算方法（</a:t>
-            </a:r>
-            <a:r>
-              <a:rPr kumimoji="1" lang="en-US" altLang="ja-JP" dirty="0" err="1"/>
-              <a:t>makeFood</a:t>
-            </a:r>
-            <a:r>
-              <a:rPr kumimoji="1" lang="ja-JP" altLang="en-US" dirty="0"/>
-              <a:t>関数）</a:t>
-            </a:r>
-          </a:p>
-        </p:txBody>
-      </p:sp>
-      <p:sp>
-        <p:nvSpPr>
-          <p:cNvPr id="3" name="テキスト プレースホルダー 2">
-            <a:extLst>
-              <a:ext uri="{FF2B5EF4-FFF2-40B4-BE49-F238E27FC236}">
-                <a16:creationId xmlns:a16="http://schemas.microsoft.com/office/drawing/2014/main" id="{047A61C8-14B4-1445-EC76-4892DCFE771D}"/>
-              </a:ext>
-            </a:extLst>
-          </p:cNvPr>
-          <p:cNvSpPr>
-            <a:spLocks noGrp="1"/>
-          </p:cNvSpPr>
-          <p:nvPr/>
-        </p:nvSpPr>
-        <p:spPr>
-          <a:xfrm>
-            <a:off x="628650" y="1268044"/>
-            <a:ext cx="7886700" cy="3263400"/>
-          </a:xfrm>
-          <a:prstGeom prst="rect">
-            <a:avLst/>
-          </a:prstGeom>
-          <a:noFill/>
-          <a:ln>
-            <a:noFill/>
-          </a:ln>
-        </p:spPr>
-        <p:txBody>
-          <a:bodyPr spcFirstLastPara="1" wrap="square" lIns="68575" tIns="34275" rIns="68575" bIns="34275" anchor="t" anchorCtr="0">
-            <a:normAutofit/>
-          </a:bodyPr>
-          <a:lstStyle>
-            <a:defPPr marR="0" lvl="0" algn="l" rtl="0">
-              <a:lnSpc>
-                <a:spcPct val="100000"/>
-              </a:lnSpc>
-              <a:spcBef>
-                <a:spcPts val="0"/>
-              </a:spcBef>
-              <a:spcAft>
-                <a:spcPts val="0"/>
-              </a:spcAft>
-            </a:defPPr>
-            <a:lvl1pPr marL="457200" marR="0" lvl="0" indent="-317500" algn="l" rtl="0">
-              <a:lnSpc>
-                <a:spcPct val="90000"/>
-              </a:lnSpc>
-              <a:spcBef>
-                <a:spcPts val="800"/>
-              </a:spcBef>
-              <a:spcAft>
-                <a:spcPts val="0"/>
-              </a:spcAft>
-              <a:buClr>
-                <a:schemeClr val="dk1"/>
-              </a:buClr>
-              <a:buSzPts val="1400"/>
-              <a:buFont typeface="Arial"/>
-              <a:buChar char="•"/>
-              <a:defRPr sz="1800" b="0" i="0" u="none" strike="noStrike" cap="none">
-                <a:solidFill>
-                  <a:schemeClr val="dk2"/>
-                </a:solidFill>
-                <a:latin typeface="Arial"/>
-                <a:ea typeface="Arial"/>
-                <a:cs typeface="Arial"/>
-                <a:sym typeface="Arial"/>
-              </a:defRPr>
-            </a:lvl1pPr>
-            <a:lvl2pPr marL="914400" marR="0" lvl="1" indent="-317500" algn="l" rtl="0">
-              <a:lnSpc>
-                <a:spcPct val="90000"/>
-              </a:lnSpc>
-              <a:spcBef>
-                <a:spcPts val="400"/>
-              </a:spcBef>
-              <a:spcAft>
-                <a:spcPts val="0"/>
-              </a:spcAft>
-              <a:buClr>
-                <a:schemeClr val="dk1"/>
-              </a:buClr>
-              <a:buSzPts val="1400"/>
-              <a:buFont typeface="Arial"/>
-              <a:buChar char="•"/>
-              <a:defRPr sz="1400" b="0" i="0" u="none" strike="noStrike" cap="none">
-                <a:solidFill>
-                  <a:schemeClr val="dk2"/>
-                </a:solidFill>
-                <a:latin typeface="Arial"/>
-                <a:ea typeface="Arial"/>
-                <a:cs typeface="Arial"/>
-                <a:sym typeface="Arial"/>
-              </a:defRPr>
-            </a:lvl2pPr>
-            <a:lvl3pPr marL="1371600" marR="0" lvl="2" indent="-317500" algn="l" rtl="0">
-              <a:lnSpc>
-                <a:spcPct val="90000"/>
-              </a:lnSpc>
-              <a:spcBef>
-                <a:spcPts val="400"/>
-              </a:spcBef>
-              <a:spcAft>
-                <a:spcPts val="0"/>
-              </a:spcAft>
-              <a:buClr>
-                <a:schemeClr val="dk1"/>
-              </a:buClr>
-              <a:buSzPts val="1400"/>
-              <a:buFont typeface="Arial"/>
-              <a:buChar char="•"/>
-              <a:defRPr sz="1400" b="0" i="0" u="none" strike="noStrike" cap="none">
-                <a:solidFill>
-                  <a:schemeClr val="dk2"/>
-                </a:solidFill>
-                <a:latin typeface="Arial"/>
-                <a:ea typeface="Arial"/>
-                <a:cs typeface="Arial"/>
-                <a:sym typeface="Arial"/>
-              </a:defRPr>
-            </a:lvl3pPr>
-            <a:lvl4pPr marL="1828800" marR="0" lvl="3" indent="-317500" algn="l" rtl="0">
-              <a:lnSpc>
-                <a:spcPct val="90000"/>
-              </a:lnSpc>
-              <a:spcBef>
-                <a:spcPts val="400"/>
-              </a:spcBef>
-              <a:spcAft>
-                <a:spcPts val="0"/>
-              </a:spcAft>
-              <a:buClr>
-                <a:schemeClr val="dk1"/>
-              </a:buClr>
-              <a:buSzPts val="1400"/>
-              <a:buFont typeface="Arial"/>
-              <a:buChar char="•"/>
-              <a:defRPr sz="1400" b="0" i="0" u="none" strike="noStrike" cap="none">
-                <a:solidFill>
-                  <a:schemeClr val="dk2"/>
-                </a:solidFill>
-                <a:latin typeface="Arial"/>
-                <a:ea typeface="Arial"/>
-                <a:cs typeface="Arial"/>
-                <a:sym typeface="Arial"/>
-              </a:defRPr>
-            </a:lvl4pPr>
-            <a:lvl5pPr marL="2286000" marR="0" lvl="4" indent="-317500" algn="l" rtl="0">
-              <a:lnSpc>
-                <a:spcPct val="90000"/>
-              </a:lnSpc>
-              <a:spcBef>
-                <a:spcPts val="400"/>
-              </a:spcBef>
-              <a:spcAft>
-                <a:spcPts val="0"/>
-              </a:spcAft>
-              <a:buClr>
-                <a:schemeClr val="dk1"/>
-              </a:buClr>
-              <a:buSzPts val="1400"/>
-              <a:buFont typeface="Arial"/>
-              <a:buChar char="•"/>
-              <a:defRPr sz="1400" b="0" i="0" u="none" strike="noStrike" cap="none">
-                <a:solidFill>
-                  <a:schemeClr val="dk2"/>
-                </a:solidFill>
-                <a:latin typeface="Arial"/>
-                <a:ea typeface="Arial"/>
-                <a:cs typeface="Arial"/>
-                <a:sym typeface="Arial"/>
-              </a:defRPr>
-            </a:lvl5pPr>
-            <a:lvl6pPr marL="2743200" marR="0" lvl="5" indent="-317500" algn="l" rtl="0">
-              <a:lnSpc>
-                <a:spcPct val="90000"/>
-              </a:lnSpc>
-              <a:spcBef>
-                <a:spcPts val="400"/>
-              </a:spcBef>
-              <a:spcAft>
-                <a:spcPts val="0"/>
-              </a:spcAft>
-              <a:buClr>
-                <a:schemeClr val="dk1"/>
-              </a:buClr>
-              <a:buSzPts val="1400"/>
-              <a:buFont typeface="Arial"/>
-              <a:buChar char="•"/>
-              <a:defRPr sz="1400" b="0" i="0" u="none" strike="noStrike" cap="none">
-                <a:solidFill>
-                  <a:schemeClr val="dk2"/>
-                </a:solidFill>
-                <a:latin typeface="Arial"/>
-                <a:ea typeface="Arial"/>
-                <a:cs typeface="Arial"/>
-                <a:sym typeface="Arial"/>
-              </a:defRPr>
-            </a:lvl6pPr>
-            <a:lvl7pPr marL="3200400" marR="0" lvl="6" indent="-317500" algn="l" rtl="0">
-              <a:lnSpc>
-                <a:spcPct val="90000"/>
-              </a:lnSpc>
-              <a:spcBef>
-                <a:spcPts val="400"/>
-              </a:spcBef>
-              <a:spcAft>
-                <a:spcPts val="0"/>
-              </a:spcAft>
-              <a:buClr>
-                <a:schemeClr val="dk1"/>
-              </a:buClr>
-              <a:buSzPts val="1400"/>
-              <a:buFont typeface="Arial"/>
-              <a:buChar char="•"/>
-              <a:defRPr sz="1400" b="0" i="0" u="none" strike="noStrike" cap="none">
-                <a:solidFill>
-                  <a:schemeClr val="dk2"/>
-                </a:solidFill>
-                <a:latin typeface="Arial"/>
-                <a:ea typeface="Arial"/>
-                <a:cs typeface="Arial"/>
-                <a:sym typeface="Arial"/>
-              </a:defRPr>
-            </a:lvl7pPr>
-            <a:lvl8pPr marL="3657600" marR="0" lvl="7" indent="-317500" algn="l" rtl="0">
-              <a:lnSpc>
-                <a:spcPct val="90000"/>
-              </a:lnSpc>
-              <a:spcBef>
-                <a:spcPts val="400"/>
-              </a:spcBef>
-              <a:spcAft>
-                <a:spcPts val="0"/>
-              </a:spcAft>
-              <a:buClr>
-                <a:schemeClr val="dk1"/>
-              </a:buClr>
-              <a:buSzPts val="1400"/>
-              <a:buFont typeface="Arial"/>
-              <a:buChar char="•"/>
-              <a:defRPr sz="1400" b="0" i="0" u="none" strike="noStrike" cap="none">
-                <a:solidFill>
-                  <a:schemeClr val="dk2"/>
-                </a:solidFill>
-                <a:latin typeface="Arial"/>
-                <a:ea typeface="Arial"/>
-                <a:cs typeface="Arial"/>
-                <a:sym typeface="Arial"/>
-              </a:defRPr>
-            </a:lvl8pPr>
-            <a:lvl9pPr marL="4114800" marR="0" lvl="8" indent="-317500" algn="l" rtl="0">
-              <a:lnSpc>
-                <a:spcPct val="90000"/>
-              </a:lnSpc>
-              <a:spcBef>
-                <a:spcPts val="400"/>
-              </a:spcBef>
-              <a:spcAft>
-                <a:spcPts val="0"/>
-              </a:spcAft>
-              <a:buClr>
-                <a:schemeClr val="dk1"/>
-              </a:buClr>
-              <a:buSzPts val="1400"/>
-              <a:buFont typeface="Arial"/>
-              <a:buChar char="•"/>
-              <a:defRPr sz="1400" b="0" i="0" u="none" strike="noStrike" cap="none">
-                <a:solidFill>
-                  <a:schemeClr val="dk2"/>
-                </a:solidFill>
-                <a:latin typeface="Arial"/>
-                <a:ea typeface="Arial"/>
-                <a:cs typeface="Arial"/>
-                <a:sym typeface="Arial"/>
-              </a:defRPr>
-            </a:lvl9pPr>
-          </a:lstStyle>
-          <a:p>
-            <a:pPr marL="139700" indent="0">
-              <a:buNone/>
-            </a:pPr>
-            <a:endParaRPr kumimoji="1" lang="en-US" altLang="ja-JP" dirty="0">
-              <a:latin typeface="+mn-lt"/>
-            </a:endParaRPr>
-          </a:p>
-          <a:p>
-            <a:pPr marL="139700" indent="0">
-              <a:buNone/>
-            </a:pPr>
-            <a:endParaRPr kumimoji="1" lang="en-US" altLang="ja-JP" dirty="0">
-              <a:latin typeface="+mn-lt"/>
-            </a:endParaRPr>
-          </a:p>
-          <a:p>
-            <a:pPr marL="139700" indent="0">
-              <a:buNone/>
-            </a:pPr>
-            <a:endParaRPr kumimoji="1" lang="en-US" altLang="ja-JP" dirty="0">
-              <a:latin typeface="+mn-lt"/>
-            </a:endParaRPr>
-          </a:p>
-        </p:txBody>
-      </p:sp>
-      <p:sp>
-        <p:nvSpPr>
-          <p:cNvPr id="4" name="テキスト プレースホルダー 2">
-            <a:extLst>
-              <a:ext uri="{FF2B5EF4-FFF2-40B4-BE49-F238E27FC236}">
-                <a16:creationId xmlns:a16="http://schemas.microsoft.com/office/drawing/2014/main" id="{047A61C8-14B4-1445-EC76-4892DCFE771D}"/>
-              </a:ext>
-            </a:extLst>
-          </p:cNvPr>
-          <p:cNvSpPr>
-            <a:spLocks noGrp="1"/>
-          </p:cNvSpPr>
-          <p:nvPr/>
-        </p:nvSpPr>
-        <p:spPr>
-          <a:xfrm>
-            <a:off x="628650" y="1502494"/>
-            <a:ext cx="7886700" cy="3263400"/>
-          </a:xfrm>
-          <a:prstGeom prst="rect">
-            <a:avLst/>
-          </a:prstGeom>
-          <a:noFill/>
-          <a:ln>
-            <a:noFill/>
-          </a:ln>
-        </p:spPr>
-        <p:txBody>
-          <a:bodyPr spcFirstLastPara="1" wrap="square" lIns="68575" tIns="34275" rIns="68575" bIns="34275" anchor="t" anchorCtr="0">
-            <a:normAutofit/>
-          </a:bodyPr>
-          <a:lstStyle>
-            <a:defPPr marR="0" lvl="0" algn="l" rtl="0">
-              <a:lnSpc>
-                <a:spcPct val="100000"/>
-              </a:lnSpc>
-              <a:spcBef>
-                <a:spcPts val="0"/>
-              </a:spcBef>
-              <a:spcAft>
-                <a:spcPts val="0"/>
-              </a:spcAft>
-            </a:defPPr>
-            <a:lvl1pPr marL="457200" marR="0" lvl="0" indent="-317500" algn="l" rtl="0">
-              <a:lnSpc>
-                <a:spcPct val="90000"/>
-              </a:lnSpc>
-              <a:spcBef>
-                <a:spcPts val="800"/>
-              </a:spcBef>
-              <a:spcAft>
-                <a:spcPts val="0"/>
-              </a:spcAft>
-              <a:buClr>
-                <a:schemeClr val="dk1"/>
-              </a:buClr>
-              <a:buSzPts val="1400"/>
-              <a:buFont typeface="Arial"/>
-              <a:buChar char="•"/>
-              <a:defRPr sz="1800" b="0" i="0" u="none" strike="noStrike" cap="none">
-                <a:solidFill>
-                  <a:schemeClr val="dk2"/>
-                </a:solidFill>
-                <a:latin typeface="Arial"/>
-                <a:ea typeface="Arial"/>
-                <a:cs typeface="Arial"/>
-                <a:sym typeface="Arial"/>
-              </a:defRPr>
-            </a:lvl1pPr>
-            <a:lvl2pPr marL="914400" marR="0" lvl="1" indent="-317500" algn="l" rtl="0">
-              <a:lnSpc>
-                <a:spcPct val="90000"/>
-              </a:lnSpc>
-              <a:spcBef>
-                <a:spcPts val="400"/>
-              </a:spcBef>
-              <a:spcAft>
-                <a:spcPts val="0"/>
-              </a:spcAft>
-              <a:buClr>
-                <a:schemeClr val="dk1"/>
-              </a:buClr>
-              <a:buSzPts val="1400"/>
-              <a:buFont typeface="Arial"/>
-              <a:buChar char="•"/>
-              <a:defRPr sz="1400" b="0" i="0" u="none" strike="noStrike" cap="none">
-                <a:solidFill>
-                  <a:schemeClr val="dk2"/>
-                </a:solidFill>
-                <a:latin typeface="Arial"/>
-                <a:ea typeface="Arial"/>
-                <a:cs typeface="Arial"/>
-                <a:sym typeface="Arial"/>
-              </a:defRPr>
-            </a:lvl2pPr>
-            <a:lvl3pPr marL="1371600" marR="0" lvl="2" indent="-317500" algn="l" rtl="0">
-              <a:lnSpc>
-                <a:spcPct val="90000"/>
-              </a:lnSpc>
-              <a:spcBef>
-                <a:spcPts val="400"/>
-              </a:spcBef>
-              <a:spcAft>
-                <a:spcPts val="0"/>
-              </a:spcAft>
-              <a:buClr>
-                <a:schemeClr val="dk1"/>
-              </a:buClr>
-              <a:buSzPts val="1400"/>
-              <a:buFont typeface="Arial"/>
-              <a:buChar char="•"/>
-              <a:defRPr sz="1400" b="0" i="0" u="none" strike="noStrike" cap="none">
-                <a:solidFill>
-                  <a:schemeClr val="dk2"/>
-                </a:solidFill>
-                <a:latin typeface="Arial"/>
-                <a:ea typeface="Arial"/>
-                <a:cs typeface="Arial"/>
-                <a:sym typeface="Arial"/>
-              </a:defRPr>
-            </a:lvl3pPr>
-            <a:lvl4pPr marL="1828800" marR="0" lvl="3" indent="-317500" algn="l" rtl="0">
-              <a:lnSpc>
-                <a:spcPct val="90000"/>
-              </a:lnSpc>
-              <a:spcBef>
-                <a:spcPts val="400"/>
-              </a:spcBef>
-              <a:spcAft>
-                <a:spcPts val="0"/>
-              </a:spcAft>
-              <a:buClr>
-                <a:schemeClr val="dk1"/>
-              </a:buClr>
-              <a:buSzPts val="1400"/>
-              <a:buFont typeface="Arial"/>
-              <a:buChar char="•"/>
-              <a:defRPr sz="1400" b="0" i="0" u="none" strike="noStrike" cap="none">
-                <a:solidFill>
-                  <a:schemeClr val="dk2"/>
-                </a:solidFill>
-                <a:latin typeface="Arial"/>
-                <a:ea typeface="Arial"/>
-                <a:cs typeface="Arial"/>
-                <a:sym typeface="Arial"/>
-              </a:defRPr>
-            </a:lvl4pPr>
-            <a:lvl5pPr marL="2286000" marR="0" lvl="4" indent="-317500" algn="l" rtl="0">
-              <a:lnSpc>
-                <a:spcPct val="90000"/>
-              </a:lnSpc>
-              <a:spcBef>
-                <a:spcPts val="400"/>
-              </a:spcBef>
-              <a:spcAft>
-                <a:spcPts val="0"/>
-              </a:spcAft>
-              <a:buClr>
-                <a:schemeClr val="dk1"/>
-              </a:buClr>
-              <a:buSzPts val="1400"/>
-              <a:buFont typeface="Arial"/>
-              <a:buChar char="•"/>
-              <a:defRPr sz="1400" b="0" i="0" u="none" strike="noStrike" cap="none">
-                <a:solidFill>
-                  <a:schemeClr val="dk2"/>
-                </a:solidFill>
-                <a:latin typeface="Arial"/>
-                <a:ea typeface="Arial"/>
-                <a:cs typeface="Arial"/>
-                <a:sym typeface="Arial"/>
-              </a:defRPr>
-            </a:lvl5pPr>
-            <a:lvl6pPr marL="2743200" marR="0" lvl="5" indent="-317500" algn="l" rtl="0">
-              <a:lnSpc>
-                <a:spcPct val="90000"/>
-              </a:lnSpc>
-              <a:spcBef>
-                <a:spcPts val="400"/>
-              </a:spcBef>
-              <a:spcAft>
-                <a:spcPts val="0"/>
-              </a:spcAft>
-              <a:buClr>
-                <a:schemeClr val="dk1"/>
-              </a:buClr>
-              <a:buSzPts val="1400"/>
-              <a:buFont typeface="Arial"/>
-              <a:buChar char="•"/>
-              <a:defRPr sz="1400" b="0" i="0" u="none" strike="noStrike" cap="none">
-                <a:solidFill>
-                  <a:schemeClr val="dk2"/>
-                </a:solidFill>
-                <a:latin typeface="Arial"/>
-                <a:ea typeface="Arial"/>
-                <a:cs typeface="Arial"/>
-                <a:sym typeface="Arial"/>
-              </a:defRPr>
-            </a:lvl6pPr>
-            <a:lvl7pPr marL="3200400" marR="0" lvl="6" indent="-317500" algn="l" rtl="0">
-              <a:lnSpc>
-                <a:spcPct val="90000"/>
-              </a:lnSpc>
-              <a:spcBef>
-                <a:spcPts val="400"/>
-              </a:spcBef>
-              <a:spcAft>
-                <a:spcPts val="0"/>
-              </a:spcAft>
-              <a:buClr>
-                <a:schemeClr val="dk1"/>
-              </a:buClr>
-              <a:buSzPts val="1400"/>
-              <a:buFont typeface="Arial"/>
-              <a:buChar char="•"/>
-              <a:defRPr sz="1400" b="0" i="0" u="none" strike="noStrike" cap="none">
-                <a:solidFill>
-                  <a:schemeClr val="dk2"/>
-                </a:solidFill>
-                <a:latin typeface="Arial"/>
-                <a:ea typeface="Arial"/>
-                <a:cs typeface="Arial"/>
-                <a:sym typeface="Arial"/>
-              </a:defRPr>
-            </a:lvl7pPr>
-            <a:lvl8pPr marL="3657600" marR="0" lvl="7" indent="-317500" algn="l" rtl="0">
-              <a:lnSpc>
-                <a:spcPct val="90000"/>
-              </a:lnSpc>
-              <a:spcBef>
-                <a:spcPts val="400"/>
-              </a:spcBef>
-              <a:spcAft>
-                <a:spcPts val="0"/>
-              </a:spcAft>
-              <a:buClr>
-                <a:schemeClr val="dk1"/>
-              </a:buClr>
-              <a:buSzPts val="1400"/>
-              <a:buFont typeface="Arial"/>
-              <a:buChar char="•"/>
-              <a:defRPr sz="1400" b="0" i="0" u="none" strike="noStrike" cap="none">
-                <a:solidFill>
-                  <a:schemeClr val="dk2"/>
-                </a:solidFill>
-                <a:latin typeface="Arial"/>
-                <a:ea typeface="Arial"/>
-                <a:cs typeface="Arial"/>
-                <a:sym typeface="Arial"/>
-              </a:defRPr>
-            </a:lvl8pPr>
-            <a:lvl9pPr marL="4114800" marR="0" lvl="8" indent="-317500" algn="l" rtl="0">
-              <a:lnSpc>
-                <a:spcPct val="90000"/>
-              </a:lnSpc>
-              <a:spcBef>
-                <a:spcPts val="400"/>
-              </a:spcBef>
-              <a:spcAft>
-                <a:spcPts val="0"/>
-              </a:spcAft>
-              <a:buClr>
-                <a:schemeClr val="dk1"/>
-              </a:buClr>
-              <a:buSzPts val="1400"/>
-              <a:buFont typeface="Arial"/>
-              <a:buChar char="•"/>
-              <a:defRPr sz="1400" b="0" i="0" u="none" strike="noStrike" cap="none">
-                <a:solidFill>
-                  <a:schemeClr val="dk2"/>
-                </a:solidFill>
-                <a:latin typeface="Arial"/>
-                <a:ea typeface="Arial"/>
-                <a:cs typeface="Arial"/>
-                <a:sym typeface="Arial"/>
-              </a:defRPr>
-            </a:lvl9pPr>
-          </a:lstStyle>
-          <a:p>
-            <a:pPr marL="139700" indent="0">
-              <a:buNone/>
-            </a:pPr>
-            <a:r>
-              <a:rPr kumimoji="1" lang="ja-JP" altLang="en-US" dirty="0">
-                <a:latin typeface="+mn-lt"/>
-              </a:rPr>
-              <a:t>餌の位置は壁や自分がいる位置には置けないので解決方法を考えます</a:t>
-            </a:r>
-            <a:endParaRPr kumimoji="1" lang="en-US" altLang="ja-JP" dirty="0">
-              <a:latin typeface="+mn-lt"/>
-            </a:endParaRPr>
-          </a:p>
-          <a:p>
-            <a:pPr marL="139700" indent="0">
-              <a:buNone/>
-            </a:pPr>
-            <a:r>
-              <a:rPr kumimoji="1" lang="ja-JP" altLang="en-US" dirty="0">
-                <a:latin typeface="+mn-lt"/>
-              </a:rPr>
-              <a:t>マップデータ中に通り道（</a:t>
-            </a:r>
-            <a:r>
-              <a:rPr kumimoji="1" lang="en-US" altLang="ja-JP" dirty="0">
-                <a:latin typeface="+mn-lt"/>
-              </a:rPr>
-              <a:t>data=0</a:t>
-            </a:r>
-            <a:r>
-              <a:rPr kumimoji="1" lang="ja-JP" altLang="en-US" dirty="0">
-                <a:latin typeface="+mn-lt"/>
-              </a:rPr>
-              <a:t>）が分かるので、自分を除いた通り道のみを抽出し、</a:t>
-            </a:r>
-            <a:r>
-              <a:rPr kumimoji="1" lang="en-US" altLang="ja-JP" dirty="0" err="1">
-                <a:latin typeface="+mn-lt"/>
-              </a:rPr>
-              <a:t>Ramdom</a:t>
-            </a:r>
-            <a:r>
-              <a:rPr kumimoji="1" lang="ja-JP" altLang="en-US" dirty="0">
-                <a:latin typeface="+mn-lt"/>
-              </a:rPr>
-              <a:t>関数を用いて餌位置を計算します</a:t>
-            </a:r>
-            <a:endParaRPr kumimoji="1" lang="en-US" altLang="ja-JP" dirty="0">
-              <a:latin typeface="+mn-lt"/>
-            </a:endParaRPr>
-          </a:p>
-          <a:p>
-            <a:pPr marL="139700" indent="0">
-              <a:buNone/>
-            </a:pPr>
-            <a:r>
-              <a:rPr kumimoji="1" lang="ja-JP" altLang="en-US" dirty="0">
-                <a:latin typeface="+mn-lt"/>
-              </a:rPr>
-              <a:t>この方法だとマップデータを自由に編集しても動作します</a:t>
-            </a:r>
-            <a:endParaRPr kumimoji="1" lang="en-US" altLang="ja-JP" dirty="0">
-              <a:latin typeface="+mn-lt"/>
-            </a:endParaRPr>
-          </a:p>
-          <a:p>
-            <a:pPr marL="139700" indent="0">
-              <a:buNone/>
-            </a:pPr>
-            <a:endParaRPr kumimoji="1" lang="en-US" altLang="ja-JP" dirty="0">
-              <a:latin typeface="+mn-lt"/>
-            </a:endParaRPr>
-          </a:p>
-          <a:p>
-            <a:pPr marL="139700" indent="0">
-              <a:buNone/>
-            </a:pPr>
-            <a:endParaRPr kumimoji="1" lang="en-US" altLang="ja-JP" dirty="0">
-              <a:latin typeface="+mn-lt"/>
-            </a:endParaRPr>
-          </a:p>
-        </p:txBody>
-      </p:sp>
-    </p:spTree>
-    <p:extLst>
-      <p:ext uri="{BB962C8B-B14F-4D97-AF65-F5344CB8AC3E}">
-        <p14:creationId xmlns:p14="http://schemas.microsoft.com/office/powerpoint/2010/main" val="2847052971"/>
-      </p:ext>
-    </p:extLst>
-  </p:cSld>
-  <p:clrMapOvr>
-    <a:masterClrMapping/>
-  </p:clrMapOvr>
-</p:sld>
-</file>
-
 <file path=ppt/slides/slide2.xml><?xml version="1.0" encoding="utf-8"?>
 <p:sld xmlns:a="http://schemas.openxmlformats.org/drawingml/2006/main" xmlns:r="http://schemas.openxmlformats.org/officeDocument/2006/relationships" xmlns:p="http://schemas.openxmlformats.org/presentationml/2006/main">
   <p:cSld>
@@ -8268,7 +7542,7 @@
           <p:cNvPr id="2" name="タイトル 1">
             <a:extLst>
               <a:ext uri="{FF2B5EF4-FFF2-40B4-BE49-F238E27FC236}">
-                <a16:creationId xmlns:a16="http://schemas.microsoft.com/office/drawing/2014/main" id="{1BB33675-96C4-5F82-C768-A2374EE19125}"/>
+                <a16:creationId xmlns:a16="http://schemas.microsoft.com/office/drawing/2014/main" id="{1BCADC17-7FEA-56C4-1A79-8342C121E22D}"/>
               </a:ext>
             </a:extLst>
           </p:cNvPr>
@@ -8281,12 +7555,24 @@
         </p:nvSpPr>
         <p:spPr/>
         <p:txBody>
-          <a:bodyPr/>
+          <a:bodyPr>
+            <a:normAutofit/>
+          </a:bodyPr>
           <a:lstStyle/>
           <a:p>
             <a:r>
-              <a:rPr kumimoji="1" lang="ja-JP" altLang="en-US" dirty="0"/>
-              <a:t>アジェンダ</a:t>
+              <a:rPr kumimoji="1" lang="en-US" altLang="ja-JP" dirty="0" err="1">
+                <a:latin typeface="Arial" panose="020B0604020202020204" pitchFamily="34" charset="0"/>
+                <a:cs typeface="Arial" panose="020B0604020202020204" pitchFamily="34" charset="0"/>
+              </a:rPr>
+              <a:t>SnakeGame</a:t>
+            </a:r>
+            <a:r>
+              <a:rPr kumimoji="1" lang="ja-JP" altLang="en-US" dirty="0">
+                <a:latin typeface="Arial" panose="020B0604020202020204" pitchFamily="34" charset="0"/>
+                <a:cs typeface="Arial" panose="020B0604020202020204" pitchFamily="34" charset="0"/>
+              </a:rPr>
+              <a:t>内容</a:t>
             </a:r>
           </a:p>
         </p:txBody>
@@ -8296,7 +7582,7 @@
           <p:cNvPr id="3" name="テキスト プレースホルダー 2">
             <a:extLst>
               <a:ext uri="{FF2B5EF4-FFF2-40B4-BE49-F238E27FC236}">
-                <a16:creationId xmlns:a16="http://schemas.microsoft.com/office/drawing/2014/main" id="{D4DFC494-FCFA-06C2-F412-DB62FA6BCE0E}"/>
+                <a16:creationId xmlns:a16="http://schemas.microsoft.com/office/drawing/2014/main" id="{047A61C8-14B4-1445-EC76-4892DCFE771D}"/>
               </a:ext>
             </a:extLst>
           </p:cNvPr>
@@ -8307,43 +7593,177 @@
             <p:ph type="body" idx="1"/>
           </p:nvPr>
         </p:nvSpPr>
-        <p:spPr/>
+        <p:spPr>
+          <a:xfrm>
+            <a:off x="518808" y="1129270"/>
+            <a:ext cx="7886700" cy="3263400"/>
+          </a:xfrm>
+        </p:spPr>
         <p:txBody>
-          <a:bodyPr/>
+          <a:bodyPr>
+            <a:normAutofit/>
+          </a:bodyPr>
           <a:lstStyle/>
           <a:p>
-            <a:endParaRPr kumimoji="1" lang="en-US" altLang="ja-JP" sz="2400" dirty="0"/>
-          </a:p>
-          <a:p>
-            <a:endParaRPr kumimoji="1" lang="en-US" altLang="ja-JP" sz="2400" dirty="0"/>
-          </a:p>
-          <a:p>
-            <a:endParaRPr kumimoji="1" lang="en-US" altLang="ja-JP" sz="2400" dirty="0"/>
-          </a:p>
-          <a:p>
-            <a:endParaRPr kumimoji="1" lang="en-US" altLang="ja-JP" sz="2400" dirty="0"/>
-          </a:p>
-          <a:p>
             <a:pPr marL="139700" indent="0">
               <a:buNone/>
             </a:pPr>
-            <a:endParaRPr kumimoji="1" lang="en-US" altLang="ja-JP" sz="2400" dirty="0"/>
-          </a:p>
-          <a:p>
-            <a:endParaRPr kumimoji="1" lang="en-US" altLang="ja-JP" dirty="0"/>
-          </a:p>
-          <a:p>
-            <a:endParaRPr kumimoji="1" lang="en-US" altLang="ja-JP" dirty="0"/>
-          </a:p>
-          <a:p>
-            <a:endParaRPr kumimoji="1" lang="ja-JP" altLang="en-US" dirty="0"/>
+            <a:r>
+              <a:rPr kumimoji="1" lang="ja-JP" altLang="en-US" sz="2400" dirty="0">
+                <a:latin typeface="Arial" panose="020B0604020202020204" pitchFamily="34" charset="0"/>
+                <a:cs typeface="Arial" panose="020B0604020202020204" pitchFamily="34" charset="0"/>
+              </a:rPr>
+              <a:t>プログラミング言語</a:t>
+            </a:r>
+            <a:r>
+              <a:rPr kumimoji="1" lang="en-US" altLang="ja-JP" sz="2400" b="1" dirty="0">
+                <a:latin typeface="Arial" panose="020B0604020202020204" pitchFamily="34" charset="0"/>
+                <a:cs typeface="Arial" panose="020B0604020202020204" pitchFamily="34" charset="0"/>
+              </a:rPr>
+              <a:t>Python</a:t>
+            </a:r>
+            <a:r>
+              <a:rPr kumimoji="1" lang="ja-JP" altLang="en-US" sz="2400" b="1" dirty="0">
+                <a:latin typeface="Arial" panose="020B0604020202020204" pitchFamily="34" charset="0"/>
+                <a:cs typeface="Arial" panose="020B0604020202020204" pitchFamily="34" charset="0"/>
+              </a:rPr>
+              <a:t>と</a:t>
+            </a:r>
+            <a:r>
+              <a:rPr kumimoji="1" lang="ja-JP" altLang="en-US" sz="2400" dirty="0">
+                <a:latin typeface="Arial" panose="020B0604020202020204" pitchFamily="34" charset="0"/>
+                <a:cs typeface="Arial" panose="020B0604020202020204" pitchFamily="34" charset="0"/>
+              </a:rPr>
+              <a:t>ゲームライブラリ</a:t>
+            </a:r>
+            <a:r>
+              <a:rPr kumimoji="1" lang="en-US" altLang="ja-JP" sz="2400" b="1" dirty="0" err="1">
+                <a:latin typeface="Arial" panose="020B0604020202020204" pitchFamily="34" charset="0"/>
+                <a:cs typeface="Arial" panose="020B0604020202020204" pitchFamily="34" charset="0"/>
+              </a:rPr>
+              <a:t>Pygame</a:t>
+            </a:r>
+            <a:r>
+              <a:rPr kumimoji="1" lang="ja-JP" altLang="en-US" sz="2400" dirty="0">
+                <a:latin typeface="Arial" panose="020B0604020202020204" pitchFamily="34" charset="0"/>
+                <a:cs typeface="Arial" panose="020B0604020202020204" pitchFamily="34" charset="0"/>
+              </a:rPr>
+              <a:t>を使ったサンプルゲーム</a:t>
+            </a:r>
+            <a:endParaRPr kumimoji="1" lang="en-US" altLang="ja-JP" sz="2400" dirty="0">
+              <a:latin typeface="Arial" panose="020B0604020202020204" pitchFamily="34" charset="0"/>
+              <a:cs typeface="Arial" panose="020B0604020202020204" pitchFamily="34" charset="0"/>
+            </a:endParaRPr>
+          </a:p>
+          <a:p>
+            <a:pPr marL="139700" indent="0">
+              <a:buNone/>
+            </a:pPr>
+            <a:endParaRPr kumimoji="1" lang="en-US" altLang="ja-JP" dirty="0">
+              <a:latin typeface="Arial" panose="020B0604020202020204" pitchFamily="34" charset="0"/>
+              <a:cs typeface="Arial" panose="020B0604020202020204" pitchFamily="34" charset="0"/>
+            </a:endParaRPr>
+          </a:p>
+          <a:p>
+            <a:pPr marL="139700" indent="0">
+              <a:buNone/>
+            </a:pPr>
+            <a:r>
+              <a:rPr kumimoji="1" lang="ja-JP" altLang="en-US" dirty="0">
+                <a:latin typeface="Arial" panose="020B0604020202020204" pitchFamily="34" charset="0"/>
+                <a:cs typeface="Arial" panose="020B0604020202020204" pitchFamily="34" charset="0"/>
+              </a:rPr>
+              <a:t>■ゲーム内容</a:t>
+            </a:r>
+            <a:endParaRPr kumimoji="1" lang="en-US" altLang="ja-JP" dirty="0">
+              <a:latin typeface="Arial" panose="020B0604020202020204" pitchFamily="34" charset="0"/>
+              <a:cs typeface="Arial" panose="020B0604020202020204" pitchFamily="34" charset="0"/>
+            </a:endParaRPr>
+          </a:p>
+          <a:p>
+            <a:pPr marL="139700" indent="0">
+              <a:buNone/>
+            </a:pPr>
+            <a:r>
+              <a:rPr kumimoji="1" lang="ja-JP" altLang="en-US" dirty="0">
+                <a:latin typeface="Arial" panose="020B0604020202020204" pitchFamily="34" charset="0"/>
+                <a:cs typeface="Arial" panose="020B0604020202020204" pitchFamily="34" charset="0"/>
+              </a:rPr>
+              <a:t>・パックマン風の迷路で餌（赤い点）を食べると自分が伸びる</a:t>
+            </a:r>
+            <a:endParaRPr kumimoji="1" lang="en-US" altLang="ja-JP" dirty="0">
+              <a:latin typeface="Arial" panose="020B0604020202020204" pitchFamily="34" charset="0"/>
+              <a:cs typeface="Arial" panose="020B0604020202020204" pitchFamily="34" charset="0"/>
+            </a:endParaRPr>
+          </a:p>
+          <a:p>
+            <a:pPr marL="139700" indent="0">
+              <a:buNone/>
+            </a:pPr>
+            <a:r>
+              <a:rPr kumimoji="1" lang="ja-JP" altLang="en-US" dirty="0">
+                <a:latin typeface="Arial" panose="020B0604020202020204" pitchFamily="34" charset="0"/>
+                <a:cs typeface="Arial" panose="020B0604020202020204" pitchFamily="34" charset="0"/>
+              </a:rPr>
+              <a:t>・上下左右キーで進行方向が決められる</a:t>
+            </a:r>
+            <a:endParaRPr kumimoji="1" lang="en-US" altLang="ja-JP" dirty="0">
+              <a:latin typeface="Arial" panose="020B0604020202020204" pitchFamily="34" charset="0"/>
+              <a:cs typeface="Arial" panose="020B0604020202020204" pitchFamily="34" charset="0"/>
+            </a:endParaRPr>
+          </a:p>
+          <a:p>
+            <a:pPr marL="139700" indent="0">
+              <a:buNone/>
+            </a:pPr>
+            <a:r>
+              <a:rPr kumimoji="1" lang="ja-JP" altLang="en-US" dirty="0">
+                <a:latin typeface="Arial" panose="020B0604020202020204" pitchFamily="34" charset="0"/>
+                <a:cs typeface="Arial" panose="020B0604020202020204" pitchFamily="34" charset="0"/>
+              </a:rPr>
+              <a:t>・自分を食べないように上手く操作してみよう</a:t>
+            </a:r>
+            <a:endParaRPr kumimoji="1" lang="en-US" altLang="ja-JP" dirty="0">
+              <a:latin typeface="Arial" panose="020B0604020202020204" pitchFamily="34" charset="0"/>
+              <a:cs typeface="Arial" panose="020B0604020202020204" pitchFamily="34" charset="0"/>
+            </a:endParaRPr>
           </a:p>
         </p:txBody>
       </p:sp>
+      <p:pic>
+        <p:nvPicPr>
+          <p:cNvPr id="5" name="図 4">
+            <a:extLst>
+              <a:ext uri="{FF2B5EF4-FFF2-40B4-BE49-F238E27FC236}">
+                <a16:creationId xmlns:a16="http://schemas.microsoft.com/office/drawing/2014/main" id="{6DDF7038-347A-5315-4635-29C55E55931B}"/>
+              </a:ext>
+            </a:extLst>
+          </p:cNvPr>
+          <p:cNvPicPr>
+            <a:picLocks noChangeAspect="1"/>
+          </p:cNvPicPr>
+          <p:nvPr/>
+        </p:nvPicPr>
+        <p:blipFill>
+          <a:blip r:embed="rId2"/>
+          <a:stretch>
+            <a:fillRect/>
+          </a:stretch>
+        </p:blipFill>
+        <p:spPr>
+          <a:xfrm>
+            <a:off x="6958797" y="3125392"/>
+            <a:ext cx="1666395" cy="1744264"/>
+          </a:xfrm>
+          <a:prstGeom prst="rect">
+            <a:avLst/>
+          </a:prstGeom>
+        </p:spPr>
+      </p:pic>
     </p:spTree>
     <p:extLst>
       <p:ext uri="{BB962C8B-B14F-4D97-AF65-F5344CB8AC3E}">
-        <p14:creationId xmlns:p14="http://schemas.microsoft.com/office/powerpoint/2010/main" val="1366292691"/>
+        <p14:creationId xmlns:p14="http://schemas.microsoft.com/office/powerpoint/2010/main" val="2755926121"/>
       </p:ext>
     </p:extLst>
   </p:cSld>
@@ -8394,301 +7814,10 @@
           <a:lstStyle/>
           <a:p>
             <a:r>
-              <a:rPr kumimoji="1" lang="en-US" altLang="ja-JP" dirty="0" err="1">
-                <a:latin typeface="Arial" panose="020B0604020202020204" pitchFamily="34" charset="0"/>
-                <a:cs typeface="Arial" panose="020B0604020202020204" pitchFamily="34" charset="0"/>
-              </a:rPr>
-              <a:t>SnakeGame</a:t>
-            </a:r>
-            <a:r>
-              <a:rPr kumimoji="1" lang="ja-JP" altLang="en-US" dirty="0">
-                <a:latin typeface="Arial" panose="020B0604020202020204" pitchFamily="34" charset="0"/>
-                <a:cs typeface="Arial" panose="020B0604020202020204" pitchFamily="34" charset="0"/>
-              </a:rPr>
-              <a:t>内容</a:t>
-            </a:r>
-          </a:p>
-        </p:txBody>
-      </p:sp>
-      <p:sp>
-        <p:nvSpPr>
-          <p:cNvPr id="3" name="テキスト プレースホルダー 2">
-            <a:extLst>
-              <a:ext uri="{FF2B5EF4-FFF2-40B4-BE49-F238E27FC236}">
-                <a16:creationId xmlns:a16="http://schemas.microsoft.com/office/drawing/2014/main" id="{047A61C8-14B4-1445-EC76-4892DCFE771D}"/>
-              </a:ext>
-            </a:extLst>
-          </p:cNvPr>
-          <p:cNvSpPr>
-            <a:spLocks noGrp="1"/>
-          </p:cNvSpPr>
-          <p:nvPr>
-            <p:ph type="body" idx="1"/>
-          </p:nvPr>
-        </p:nvSpPr>
-        <p:spPr>
-          <a:xfrm>
-            <a:off x="518808" y="1129270"/>
-            <a:ext cx="7886700" cy="3263400"/>
-          </a:xfrm>
-        </p:spPr>
-        <p:txBody>
-          <a:bodyPr>
-            <a:normAutofit lnSpcReduction="10000"/>
-          </a:bodyPr>
-          <a:lstStyle/>
-          <a:p>
-            <a:pPr marL="139700" indent="0">
-              <a:buNone/>
-            </a:pPr>
-            <a:r>
-              <a:rPr kumimoji="1" lang="ja-JP" altLang="en-US" sz="2400" dirty="0">
-                <a:latin typeface="Arial" panose="020B0604020202020204" pitchFamily="34" charset="0"/>
-                <a:cs typeface="Arial" panose="020B0604020202020204" pitchFamily="34" charset="0"/>
-              </a:rPr>
-              <a:t>プログラミング言語</a:t>
-            </a:r>
-            <a:r>
-              <a:rPr kumimoji="1" lang="en-US" altLang="ja-JP" sz="2400" b="1" dirty="0">
-                <a:latin typeface="Arial" panose="020B0604020202020204" pitchFamily="34" charset="0"/>
-                <a:cs typeface="Arial" panose="020B0604020202020204" pitchFamily="34" charset="0"/>
-              </a:rPr>
-              <a:t>Python</a:t>
-            </a:r>
-            <a:r>
-              <a:rPr kumimoji="1" lang="ja-JP" altLang="en-US" sz="2400" b="1" dirty="0">
-                <a:latin typeface="Arial" panose="020B0604020202020204" pitchFamily="34" charset="0"/>
-                <a:cs typeface="Arial" panose="020B0604020202020204" pitchFamily="34" charset="0"/>
-              </a:rPr>
-              <a:t>と</a:t>
-            </a:r>
-            <a:r>
-              <a:rPr kumimoji="1" lang="ja-JP" altLang="en-US" sz="2400" dirty="0">
-                <a:latin typeface="Arial" panose="020B0604020202020204" pitchFamily="34" charset="0"/>
-                <a:cs typeface="Arial" panose="020B0604020202020204" pitchFamily="34" charset="0"/>
-              </a:rPr>
-              <a:t>ゲームライブラリ</a:t>
-            </a:r>
-            <a:r>
-              <a:rPr kumimoji="1" lang="en-US" altLang="ja-JP" sz="2400" b="1" dirty="0" err="1">
-                <a:latin typeface="Arial" panose="020B0604020202020204" pitchFamily="34" charset="0"/>
-                <a:cs typeface="Arial" panose="020B0604020202020204" pitchFamily="34" charset="0"/>
-              </a:rPr>
-              <a:t>Pygame</a:t>
-            </a:r>
-            <a:r>
-              <a:rPr kumimoji="1" lang="ja-JP" altLang="en-US" sz="2400" dirty="0">
-                <a:latin typeface="Arial" panose="020B0604020202020204" pitchFamily="34" charset="0"/>
-                <a:cs typeface="Arial" panose="020B0604020202020204" pitchFamily="34" charset="0"/>
-              </a:rPr>
-              <a:t>を使ったサンプルゲーム</a:t>
-            </a:r>
-            <a:endParaRPr kumimoji="1" lang="en-US" altLang="ja-JP" sz="2400" dirty="0">
-              <a:latin typeface="Arial" panose="020B0604020202020204" pitchFamily="34" charset="0"/>
-              <a:cs typeface="Arial" panose="020B0604020202020204" pitchFamily="34" charset="0"/>
-            </a:endParaRPr>
-          </a:p>
-          <a:p>
-            <a:pPr marL="139700" indent="0">
-              <a:buNone/>
-            </a:pPr>
-            <a:endParaRPr kumimoji="1" lang="en-US" altLang="ja-JP" dirty="0">
-              <a:latin typeface="Arial" panose="020B0604020202020204" pitchFamily="34" charset="0"/>
-              <a:cs typeface="Arial" panose="020B0604020202020204" pitchFamily="34" charset="0"/>
-            </a:endParaRPr>
-          </a:p>
-          <a:p>
-            <a:pPr marL="139700" indent="0">
-              <a:buNone/>
-            </a:pPr>
-            <a:r>
-              <a:rPr kumimoji="1" lang="ja-JP" altLang="en-US" dirty="0">
-                <a:latin typeface="Arial" panose="020B0604020202020204" pitchFamily="34" charset="0"/>
-                <a:cs typeface="Arial" panose="020B0604020202020204" pitchFamily="34" charset="0"/>
-              </a:rPr>
-              <a:t>■ゲーム内容</a:t>
-            </a:r>
-            <a:endParaRPr kumimoji="1" lang="en-US" altLang="ja-JP" dirty="0">
-              <a:latin typeface="Arial" panose="020B0604020202020204" pitchFamily="34" charset="0"/>
-              <a:cs typeface="Arial" panose="020B0604020202020204" pitchFamily="34" charset="0"/>
-            </a:endParaRPr>
-          </a:p>
-          <a:p>
-            <a:pPr marL="139700" indent="0">
-              <a:buNone/>
-            </a:pPr>
-            <a:r>
-              <a:rPr kumimoji="1" lang="ja-JP" altLang="en-US" dirty="0">
-                <a:latin typeface="Arial" panose="020B0604020202020204" pitchFamily="34" charset="0"/>
-                <a:cs typeface="Arial" panose="020B0604020202020204" pitchFamily="34" charset="0"/>
-              </a:rPr>
-              <a:t>・パックマン風の迷路で餌（赤い点）を食べると自分が伸びる</a:t>
-            </a:r>
-            <a:endParaRPr kumimoji="1" lang="en-US" altLang="ja-JP" dirty="0">
-              <a:latin typeface="Arial" panose="020B0604020202020204" pitchFamily="34" charset="0"/>
-              <a:cs typeface="Arial" panose="020B0604020202020204" pitchFamily="34" charset="0"/>
-            </a:endParaRPr>
-          </a:p>
-          <a:p>
-            <a:pPr marL="139700" indent="0">
-              <a:buNone/>
-            </a:pPr>
-            <a:r>
-              <a:rPr kumimoji="1" lang="ja-JP" altLang="en-US" dirty="0">
-                <a:latin typeface="Arial" panose="020B0604020202020204" pitchFamily="34" charset="0"/>
-                <a:cs typeface="Arial" panose="020B0604020202020204" pitchFamily="34" charset="0"/>
-              </a:rPr>
-              <a:t>・上下左右キーで進行方向が決められる</a:t>
-            </a:r>
-            <a:endParaRPr kumimoji="1" lang="en-US" altLang="ja-JP" dirty="0">
-              <a:latin typeface="Arial" panose="020B0604020202020204" pitchFamily="34" charset="0"/>
-              <a:cs typeface="Arial" panose="020B0604020202020204" pitchFamily="34" charset="0"/>
-            </a:endParaRPr>
-          </a:p>
-          <a:p>
-            <a:pPr marL="139700" indent="0">
-              <a:buNone/>
-            </a:pPr>
-            <a:r>
-              <a:rPr kumimoji="1" lang="ja-JP" altLang="en-US" dirty="0">
-                <a:latin typeface="Arial" panose="020B0604020202020204" pitchFamily="34" charset="0"/>
-                <a:cs typeface="Arial" panose="020B0604020202020204" pitchFamily="34" charset="0"/>
-              </a:rPr>
-              <a:t>・キーボードの先行入力をサポートしているので</a:t>
-            </a:r>
-            <a:endParaRPr kumimoji="1" lang="en-US" altLang="ja-JP" dirty="0">
-              <a:latin typeface="Arial" panose="020B0604020202020204" pitchFamily="34" charset="0"/>
-              <a:cs typeface="Arial" panose="020B0604020202020204" pitchFamily="34" charset="0"/>
-            </a:endParaRPr>
-          </a:p>
-          <a:p>
-            <a:pPr marL="139700" indent="0">
-              <a:buNone/>
-            </a:pPr>
-            <a:r>
-              <a:rPr kumimoji="1" lang="ja-JP" altLang="en-US" dirty="0">
-                <a:latin typeface="Arial" panose="020B0604020202020204" pitchFamily="34" charset="0"/>
-                <a:cs typeface="Arial" panose="020B0604020202020204" pitchFamily="34" charset="0"/>
-              </a:rPr>
-              <a:t>　</a:t>
-            </a:r>
-            <a:endParaRPr kumimoji="1" lang="en-US" altLang="ja-JP" dirty="0">
-              <a:latin typeface="Arial" panose="020B0604020202020204" pitchFamily="34" charset="0"/>
-              <a:cs typeface="Arial" panose="020B0604020202020204" pitchFamily="34" charset="0"/>
-            </a:endParaRPr>
-          </a:p>
-          <a:p>
-            <a:pPr marL="139700" indent="0">
-              <a:buNone/>
-            </a:pPr>
-            <a:r>
-              <a:rPr kumimoji="1" lang="ja-JP" altLang="en-US" dirty="0">
-                <a:latin typeface="Arial" panose="020B0604020202020204" pitchFamily="34" charset="0"/>
-                <a:cs typeface="Arial" panose="020B0604020202020204" pitchFamily="34" charset="0"/>
-              </a:rPr>
-              <a:t>・自分を食べないように上手く操作してみよう</a:t>
-            </a:r>
-            <a:endParaRPr kumimoji="1" lang="en-US" altLang="ja-JP" dirty="0">
-              <a:latin typeface="Arial" panose="020B0604020202020204" pitchFamily="34" charset="0"/>
-              <a:cs typeface="Arial" panose="020B0604020202020204" pitchFamily="34" charset="0"/>
-            </a:endParaRPr>
-          </a:p>
-        </p:txBody>
-      </p:sp>
-      <p:pic>
-        <p:nvPicPr>
-          <p:cNvPr id="5" name="図 4">
-            <a:extLst>
-              <a:ext uri="{FF2B5EF4-FFF2-40B4-BE49-F238E27FC236}">
-                <a16:creationId xmlns:a16="http://schemas.microsoft.com/office/drawing/2014/main" id="{6DDF7038-347A-5315-4635-29C55E55931B}"/>
-              </a:ext>
-            </a:extLst>
-          </p:cNvPr>
-          <p:cNvPicPr>
-            <a:picLocks noChangeAspect="1"/>
-          </p:cNvPicPr>
-          <p:nvPr/>
-        </p:nvPicPr>
-        <p:blipFill>
-          <a:blip r:embed="rId2"/>
-          <a:stretch>
-            <a:fillRect/>
-          </a:stretch>
-        </p:blipFill>
-        <p:spPr>
-          <a:xfrm>
-            <a:off x="6958797" y="3125392"/>
-            <a:ext cx="1666395" cy="1744264"/>
-          </a:xfrm>
-          <a:prstGeom prst="rect">
-            <a:avLst/>
-          </a:prstGeom>
-        </p:spPr>
-      </p:pic>
-    </p:spTree>
-    <p:extLst>
-      <p:ext uri="{BB962C8B-B14F-4D97-AF65-F5344CB8AC3E}">
-        <p14:creationId xmlns:p14="http://schemas.microsoft.com/office/powerpoint/2010/main" val="2755926121"/>
-      </p:ext>
-    </p:extLst>
-  </p:cSld>
-  <p:clrMapOvr>
-    <a:masterClrMapping/>
-  </p:clrMapOvr>
-</p:sld>
-</file>
-
-<file path=ppt/slides/slide4.xml><?xml version="1.0" encoding="utf-8"?>
-<p:sld xmlns:a="http://schemas.openxmlformats.org/drawingml/2006/main" xmlns:r="http://schemas.openxmlformats.org/officeDocument/2006/relationships" xmlns:p="http://schemas.openxmlformats.org/presentationml/2006/main">
-  <p:cSld>
-    <p:spTree>
-      <p:nvGrpSpPr>
-        <p:cNvPr id="1" name=""/>
-        <p:cNvGrpSpPr/>
-        <p:nvPr/>
-      </p:nvGrpSpPr>
-      <p:grpSpPr>
-        <a:xfrm>
-          <a:off x="0" y="0"/>
-          <a:ext cx="0" cy="0"/>
-          <a:chOff x="0" y="0"/>
-          <a:chExt cx="0" cy="0"/>
-        </a:xfrm>
-      </p:grpSpPr>
-      <p:sp>
-        <p:nvSpPr>
-          <p:cNvPr id="2" name="タイトル 1">
-            <a:extLst>
-              <a:ext uri="{FF2B5EF4-FFF2-40B4-BE49-F238E27FC236}">
-                <a16:creationId xmlns:a16="http://schemas.microsoft.com/office/drawing/2014/main" id="{1BCADC17-7FEA-56C4-1A79-8342C121E22D}"/>
-              </a:ext>
-            </a:extLst>
-          </p:cNvPr>
-          <p:cNvSpPr>
-            <a:spLocks noGrp="1"/>
-          </p:cNvSpPr>
-          <p:nvPr>
-            <p:ph type="title"/>
-          </p:nvPr>
-        </p:nvSpPr>
-        <p:spPr/>
-        <p:txBody>
-          <a:bodyPr>
-            <a:normAutofit/>
-          </a:bodyPr>
-          <a:lstStyle/>
-          <a:p>
-            <a:r>
-              <a:rPr kumimoji="1" lang="en-US" altLang="ja-JP" dirty="0" err="1">
-                <a:latin typeface="+mn-lt"/>
-              </a:rPr>
-              <a:t>SnakeGame</a:t>
-            </a:r>
-            <a:r>
               <a:rPr kumimoji="1" lang="ja-JP" altLang="en-US" dirty="0">
                 <a:latin typeface="+mn-lt"/>
               </a:rPr>
-              <a:t>の考え方</a:t>
+              <a:t>マップ（空間）の考え方</a:t>
             </a:r>
           </a:p>
         </p:txBody>
@@ -8749,7 +7878,31 @@
               <a:rPr kumimoji="1" lang="ja-JP" altLang="en-US" dirty="0">
                 <a:latin typeface="+mn-lt"/>
               </a:rPr>
-              <a:t>のセルとして考えます</a:t>
+              <a:t>のセル（</a:t>
+            </a:r>
+            <a:r>
+              <a:rPr kumimoji="1" lang="en-US" altLang="ja-JP" dirty="0">
+                <a:latin typeface="+mn-lt"/>
+              </a:rPr>
+              <a:t>1</a:t>
+            </a:r>
+            <a:r>
+              <a:rPr kumimoji="1" lang="ja-JP" altLang="en-US" dirty="0">
+                <a:latin typeface="+mn-lt"/>
+              </a:rPr>
+              <a:t>セル</a:t>
+            </a:r>
+            <a:r>
+              <a:rPr kumimoji="1" lang="en-US" altLang="ja-JP" dirty="0">
+                <a:latin typeface="+mn-lt"/>
+              </a:rPr>
+              <a:t>20 × 20px</a:t>
+            </a:r>
+            <a:r>
+              <a:rPr kumimoji="1" lang="ja-JP" altLang="en-US" dirty="0">
+                <a:latin typeface="+mn-lt"/>
+              </a:rPr>
+              <a:t>）として考えます</a:t>
             </a:r>
             <a:endParaRPr kumimoji="1" lang="en-US" altLang="ja-JP" dirty="0">
               <a:latin typeface="+mn-lt"/>
@@ -8763,7 +7916,7 @@
               <a:rPr kumimoji="1" lang="ja-JP" altLang="en-US" dirty="0">
                 <a:latin typeface="+mn-lt"/>
               </a:rPr>
-              <a:t>そうすると壁や当たり判定等がやりやすくなるよ</a:t>
+              <a:t>そうすると壁や当たり判定等がやりやすくなります</a:t>
             </a:r>
             <a:endParaRPr kumimoji="1" lang="en-US" altLang="ja-JP" dirty="0">
               <a:latin typeface="+mn-lt"/>
@@ -8800,7 +7953,7 @@
 </p:sld>
 </file>
 
-<file path=ppt/slides/slide5.xml><?xml version="1.0" encoding="utf-8"?>
+<file path=ppt/slides/slide4.xml><?xml version="1.0" encoding="utf-8"?>
 <p:sld xmlns:a="http://schemas.openxmlformats.org/drawingml/2006/main" xmlns:r="http://schemas.openxmlformats.org/officeDocument/2006/relationships" xmlns:p="http://schemas.openxmlformats.org/presentationml/2006/main">
   <p:cSld>
     <p:spTree>
@@ -9678,7 +8831,7 @@
 </p:sld>
 </file>
 
-<file path=ppt/slides/slide6.xml><?xml version="1.0" encoding="utf-8"?>
+<file path=ppt/slides/slide5.xml><?xml version="1.0" encoding="utf-8"?>
 <p:sld xmlns:a="http://schemas.openxmlformats.org/drawingml/2006/main" xmlns:r="http://schemas.openxmlformats.org/officeDocument/2006/relationships" xmlns:p="http://schemas.openxmlformats.org/presentationml/2006/main">
   <p:cSld>
     <p:spTree>
@@ -9777,7 +8930,7 @@
             </a:pPr>
             <a:r>
               <a:rPr kumimoji="1" lang="ja-JP" altLang="en-US" dirty="0"/>
-              <a:t>マップデータ自体に通り道や壁描画指示を埋め込み、描画処理もクラス内で行えるようにします</a:t>
+              <a:t>マップデータ自体に通り道や壁描画指示を埋め込み、壁描画処理もクラス内で行えるようにします</a:t>
             </a:r>
             <a:endParaRPr kumimoji="1" lang="en-US" altLang="ja-JP" dirty="0"/>
           </a:p>
@@ -9822,7 +8975,7 @@
 </p:sld>
 </file>
 
-<file path=ppt/slides/slide7.xml><?xml version="1.0" encoding="utf-8"?>
+<file path=ppt/slides/slide6.xml><?xml version="1.0" encoding="utf-8"?>
 <p:sld xmlns:a="http://schemas.openxmlformats.org/drawingml/2006/main" xmlns:r="http://schemas.openxmlformats.org/officeDocument/2006/relationships" xmlns:p="http://schemas.openxmlformats.org/presentationml/2006/main">
   <p:cSld>
     <p:spTree>
@@ -9927,10 +9080,16 @@
               <a:buNone/>
             </a:pPr>
             <a:r>
+              <a:rPr kumimoji="1" lang="en-US" altLang="ja-JP" dirty="0">
+                <a:latin typeface="+mn-lt"/>
+              </a:rPr>
+              <a:t>【</a:t>
+            </a:r>
+            <a:r>
               <a:rPr kumimoji="1" lang="ja-JP" altLang="en-US" dirty="0">
                 <a:latin typeface="+mn-lt"/>
               </a:rPr>
-              <a:t>＞キーボード先行入力とは、キーボードの入力を記憶しておくことにより、　</a:t>
+              <a:t>キーボード先行入力とは、キーボードの入力を記憶しておくことにより、　</a:t>
             </a:r>
             <a:endParaRPr kumimoji="1" lang="en-US" altLang="ja-JP" dirty="0">
               <a:latin typeface="+mn-lt"/>
@@ -9946,9 +9105,12 @@
               </a:rPr>
               <a:t>　出来るタイミングで入力値を反映する方法の事</a:t>
             </a:r>
-            <a:endParaRPr kumimoji="1" lang="en-US" altLang="ja-JP" dirty="0">
-              <a:latin typeface="+mn-lt"/>
-            </a:endParaRPr>
+            <a:r>
+              <a:rPr kumimoji="1" lang="en-US" altLang="ja-JP" dirty="0">
+                <a:latin typeface="+mn-lt"/>
+              </a:rPr>
+              <a:t>】</a:t>
+            </a:r>
           </a:p>
           <a:p>
             <a:pPr marL="139700" indent="0">
@@ -9966,7 +9128,7 @@
               <a:rPr kumimoji="1" lang="ja-JP" altLang="en-US" dirty="0">
                 <a:latin typeface="+mn-lt"/>
               </a:rPr>
-              <a:t>このゲームの場合、壁で移動出来ない時のキー入力も記憶しておき、移動出来るタイミングで移動方向へ反映させています</a:t>
+              <a:t>このゲームの場合、壁で移動出来ない時のキー入力も記憶しておき、移動出来るタイミングで反映させています</a:t>
             </a:r>
             <a:endParaRPr kumimoji="1" lang="en-US" altLang="ja-JP" dirty="0">
               <a:latin typeface="+mn-lt"/>
@@ -10003,7 +9165,7 @@
 </p:sld>
 </file>
 
-<file path=ppt/slides/slide8.xml><?xml version="1.0" encoding="utf-8"?>
+<file path=ppt/slides/slide7.xml><?xml version="1.0" encoding="utf-8"?>
 <p:sld xmlns:a="http://schemas.openxmlformats.org/drawingml/2006/main" xmlns:r="http://schemas.openxmlformats.org/officeDocument/2006/relationships" xmlns:p="http://schemas.openxmlformats.org/presentationml/2006/main">
   <p:cSld>
     <p:spTree>
@@ -10066,8 +9228,44 @@
         </p:nvSpPr>
         <p:spPr/>
         <p:txBody>
-          <a:bodyPr/>
+          <a:bodyPr>
+            <a:normAutofit/>
+          </a:bodyPr>
           <a:lstStyle/>
+          <a:p>
+            <a:pPr marL="139700" indent="0">
+              <a:buNone/>
+            </a:pPr>
+            <a:r>
+              <a:rPr kumimoji="1" lang="ja-JP" altLang="en-US" dirty="0"/>
+              <a:t>マップデータ（</a:t>
+            </a:r>
+            <a:r>
+              <a:rPr kumimoji="1" lang="en-US" altLang="ja-JP" dirty="0" err="1"/>
+              <a:t>map.wallPos</a:t>
+            </a:r>
+            <a:r>
+              <a:rPr kumimoji="1" lang="ja-JP" altLang="en-US" dirty="0"/>
+              <a:t>）を参照すれば、道（</a:t>
+            </a:r>
+            <a:r>
+              <a:rPr kumimoji="1" lang="en-US" altLang="ja-JP" dirty="0"/>
+              <a:t>data=0</a:t>
+            </a:r>
+            <a:r>
+              <a:rPr kumimoji="1" lang="ja-JP" altLang="en-US" dirty="0"/>
+              <a:t>）か壁（</a:t>
+            </a:r>
+            <a:r>
+              <a:rPr kumimoji="1" lang="en-US" altLang="ja-JP" dirty="0"/>
+              <a:t>data!=0</a:t>
+            </a:r>
+            <a:r>
+              <a:rPr kumimoji="1" lang="ja-JP" altLang="en-US" dirty="0"/>
+              <a:t>）が判断出来ます</a:t>
+            </a:r>
+            <a:endParaRPr kumimoji="1" lang="en-US" altLang="ja-JP" dirty="0"/>
+          </a:p>
           <a:p>
             <a:pPr marL="139700" indent="0">
               <a:buNone/>
@@ -10082,43 +9280,17 @@
             </a:r>
             <a:r>
               <a:rPr kumimoji="1" lang="ja-JP" altLang="en-US" dirty="0"/>
-              <a:t>関数）にて次の移動先が道（</a:t>
-            </a:r>
-            <a:r>
-              <a:rPr kumimoji="1" lang="en-US" altLang="ja-JP" dirty="0"/>
-              <a:t>data=0</a:t>
-            </a:r>
+              <a:t>関数）にて次の移動先が道である場合は先行入力として移動方向を更新します</a:t>
+            </a:r>
+            <a:endParaRPr kumimoji="1" lang="en-US" altLang="ja-JP" dirty="0"/>
+          </a:p>
+          <a:p>
+            <a:pPr marL="139700" indent="0">
+              <a:buNone/>
+            </a:pPr>
             <a:r>
               <a:rPr kumimoji="1" lang="ja-JP" altLang="en-US" dirty="0"/>
-              <a:t>）である場合は</a:t>
-            </a:r>
-            <a:endParaRPr kumimoji="1" lang="en-US" altLang="ja-JP" dirty="0"/>
-          </a:p>
-          <a:p>
-            <a:pPr marL="139700" indent="0">
-              <a:buNone/>
-            </a:pPr>
-            <a:r>
-              <a:rPr kumimoji="1" lang="ja-JP" altLang="en-US" dirty="0"/>
-              <a:t>先行入力として移動方向を更新します</a:t>
-            </a:r>
-            <a:endParaRPr kumimoji="1" lang="en-US" altLang="ja-JP" dirty="0"/>
-          </a:p>
-          <a:p>
-            <a:pPr marL="139700" indent="0">
-              <a:buNone/>
-            </a:pPr>
-            <a:r>
-              <a:rPr kumimoji="1" lang="ja-JP" altLang="en-US" dirty="0"/>
-              <a:t>次に移動方向先が上記同様に道（</a:t>
-            </a:r>
-            <a:r>
-              <a:rPr kumimoji="1" lang="en-US" altLang="ja-JP" dirty="0"/>
-              <a:t>data=0</a:t>
-            </a:r>
-            <a:r>
-              <a:rPr kumimoji="1" lang="ja-JP" altLang="en-US" dirty="0"/>
-              <a:t>）の場合は自分位置を更新します</a:t>
+              <a:t>次に移動方向先が上記同様に道の場合は自分位置を更新します</a:t>
             </a:r>
             <a:endParaRPr kumimoji="1" lang="en-US" altLang="ja-JP" dirty="0"/>
           </a:p>
@@ -10134,6 +9306,86 @@
               <a:rPr kumimoji="1" lang="ja-JP" altLang="en-US" dirty="0"/>
               <a:t>段階にするのは一方向に常時移動させる為です</a:t>
             </a:r>
+            <a:endParaRPr kumimoji="1" lang="en-US" altLang="ja-JP" dirty="0"/>
+          </a:p>
+          <a:p>
+            <a:pPr marL="139700" indent="0">
+              <a:buNone/>
+            </a:pPr>
+            <a:endParaRPr kumimoji="1" lang="en-US" altLang="ja-JP" dirty="0"/>
+          </a:p>
+          <a:p>
+            <a:pPr marL="139700" indent="0">
+              <a:buNone/>
+            </a:pPr>
+            <a:r>
+              <a:rPr kumimoji="1" lang="ja-JP" altLang="en-US" dirty="0"/>
+              <a:t>位置移動が決定したら、画面を全て描き直してパラパラ漫画の様にアニメーションさせます</a:t>
+            </a:r>
+            <a:endParaRPr kumimoji="1" lang="en-US" altLang="ja-JP" dirty="0"/>
+          </a:p>
+          <a:p>
+            <a:pPr marL="139700" indent="0">
+              <a:buNone/>
+            </a:pPr>
+            <a:r>
+              <a:rPr kumimoji="1" lang="ja-JP" altLang="en-US" dirty="0"/>
+              <a:t>（</a:t>
+            </a:r>
+            <a:r>
+              <a:rPr kumimoji="1" lang="en-US" altLang="ja-JP" dirty="0" err="1"/>
+              <a:t>map.mapDraw</a:t>
+            </a:r>
+            <a:r>
+              <a:rPr kumimoji="1" lang="ja-JP" altLang="en-US" dirty="0"/>
+              <a:t>関数、</a:t>
+            </a:r>
+            <a:r>
+              <a:rPr kumimoji="1" lang="en-US" altLang="ja-JP" dirty="0" err="1"/>
+              <a:t>drawFood</a:t>
+            </a:r>
+            <a:r>
+              <a:rPr kumimoji="1" lang="ja-JP" altLang="en-US" dirty="0"/>
+              <a:t>関数、</a:t>
+            </a:r>
+            <a:r>
+              <a:rPr kumimoji="1" lang="en-US" altLang="ja-JP" dirty="0" err="1"/>
+              <a:t>drawMe</a:t>
+            </a:r>
+            <a:r>
+              <a:rPr kumimoji="1" lang="ja-JP" altLang="en-US" dirty="0"/>
+              <a:t>関数等）</a:t>
+            </a:r>
+            <a:endParaRPr lang="en-US" altLang="ja-JP" b="0" dirty="0">
+              <a:solidFill>
+                <a:srgbClr val="D4D4D4"/>
+              </a:solidFill>
+              <a:effectLst/>
+              <a:latin typeface="Consolas" panose="020B0609020204030204" pitchFamily="49" charset="0"/>
+            </a:endParaRPr>
+          </a:p>
+          <a:p>
+            <a:pPr marL="139700" indent="0">
+              <a:buNone/>
+            </a:pPr>
+            <a:endParaRPr kumimoji="1" lang="en-US" altLang="ja-JP" dirty="0"/>
+          </a:p>
+          <a:p>
+            <a:pPr marL="139700" indent="0">
+              <a:buNone/>
+            </a:pPr>
+            <a:endParaRPr lang="en-US" altLang="ja-JP" b="0" dirty="0">
+              <a:solidFill>
+                <a:srgbClr val="D4D4D4"/>
+              </a:solidFill>
+              <a:effectLst/>
+              <a:latin typeface="Consolas" panose="020B0609020204030204" pitchFamily="49" charset="0"/>
+            </a:endParaRPr>
+          </a:p>
+          <a:p>
+            <a:pPr marL="139700" indent="0">
+              <a:buNone/>
+            </a:pPr>
             <a:endParaRPr kumimoji="1" lang="en-US" altLang="ja-JP" dirty="0"/>
           </a:p>
           <a:p>
@@ -10157,7 +9409,7 @@
 </p:sld>
 </file>
 
-<file path=ppt/slides/slide9.xml><?xml version="1.0" encoding="utf-8"?>
+<file path=ppt/slides/slide8.xml><?xml version="1.0" encoding="utf-8"?>
 <p:sld xmlns:a="http://schemas.openxmlformats.org/drawingml/2006/main" xmlns:r="http://schemas.openxmlformats.org/officeDocument/2006/relationships" xmlns:p="http://schemas.openxmlformats.org/presentationml/2006/main">
   <p:cSld>
     <p:spTree>
@@ -10228,7 +9480,9 @@
         </p:nvSpPr>
         <p:spPr/>
         <p:txBody>
-          <a:bodyPr/>
+          <a:bodyPr>
+            <a:normAutofit/>
+          </a:bodyPr>
           <a:lstStyle/>
           <a:p>
             <a:pPr marL="139700" indent="0">
@@ -10281,6 +9535,14 @@
             <a:r>
               <a:rPr kumimoji="1" lang="en-US" altLang="ja-JP" dirty="0" err="1"/>
               <a:t>makeFood</a:t>
+            </a:r>
+            <a:r>
+              <a:rPr kumimoji="1" lang="ja-JP" altLang="en-US" dirty="0"/>
+              <a:t>関数）、描画（</a:t>
+            </a:r>
+            <a:r>
+              <a:rPr kumimoji="1" lang="en-US" altLang="ja-JP" dirty="0" err="1"/>
+              <a:t>drawFood</a:t>
             </a:r>
             <a:r>
               <a:rPr kumimoji="1" lang="ja-JP" altLang="en-US" dirty="0"/>
@@ -10333,6 +9595,738 @@
     <p:extLst>
       <p:ext uri="{BB962C8B-B14F-4D97-AF65-F5344CB8AC3E}">
         <p14:creationId xmlns:p14="http://schemas.microsoft.com/office/powerpoint/2010/main" val="931505700"/>
+      </p:ext>
+    </p:extLst>
+  </p:cSld>
+  <p:clrMapOvr>
+    <a:masterClrMapping/>
+  </p:clrMapOvr>
+</p:sld>
+</file>
+
+<file path=ppt/slides/slide9.xml><?xml version="1.0" encoding="utf-8"?>
+<p:sld xmlns:a="http://schemas.openxmlformats.org/drawingml/2006/main" xmlns:r="http://schemas.openxmlformats.org/officeDocument/2006/relationships" xmlns:p="http://schemas.openxmlformats.org/presentationml/2006/main">
+  <p:cSld>
+    <p:spTree>
+      <p:nvGrpSpPr>
+        <p:cNvPr id="1" name=""/>
+        <p:cNvGrpSpPr/>
+        <p:nvPr/>
+      </p:nvGrpSpPr>
+      <p:grpSpPr>
+        <a:xfrm>
+          <a:off x="0" y="0"/>
+          <a:ext cx="0" cy="0"/>
+          <a:chOff x="0" y="0"/>
+          <a:chExt cx="0" cy="0"/>
+        </a:xfrm>
+      </p:grpSpPr>
+      <p:sp>
+        <p:nvSpPr>
+          <p:cNvPr id="2" name="タイトル 1">
+            <a:extLst>
+              <a:ext uri="{FF2B5EF4-FFF2-40B4-BE49-F238E27FC236}">
+                <a16:creationId xmlns:a16="http://schemas.microsoft.com/office/drawing/2014/main" id="{87530C13-7087-F497-7F36-16699F1ED6BD}"/>
+              </a:ext>
+            </a:extLst>
+          </p:cNvPr>
+          <p:cNvSpPr>
+            <a:spLocks noGrp="1"/>
+          </p:cNvSpPr>
+          <p:nvPr>
+            <p:ph type="title"/>
+          </p:nvPr>
+        </p:nvSpPr>
+        <p:spPr/>
+        <p:txBody>
+          <a:bodyPr/>
+          <a:lstStyle/>
+          <a:p>
+            <a:r>
+              <a:rPr kumimoji="1" lang="ja-JP" altLang="en-US" dirty="0"/>
+              <a:t>餌位置の演算方法（</a:t>
+            </a:r>
+            <a:r>
+              <a:rPr kumimoji="1" lang="en-US" altLang="ja-JP" dirty="0" err="1"/>
+              <a:t>makeFood</a:t>
+            </a:r>
+            <a:r>
+              <a:rPr kumimoji="1" lang="ja-JP" altLang="en-US" dirty="0"/>
+              <a:t>関数）</a:t>
+            </a:r>
+          </a:p>
+        </p:txBody>
+      </p:sp>
+      <p:sp>
+        <p:nvSpPr>
+          <p:cNvPr id="3" name="テキスト プレースホルダー 2">
+            <a:extLst>
+              <a:ext uri="{FF2B5EF4-FFF2-40B4-BE49-F238E27FC236}">
+                <a16:creationId xmlns:a16="http://schemas.microsoft.com/office/drawing/2014/main" id="{047A61C8-14B4-1445-EC76-4892DCFE771D}"/>
+              </a:ext>
+            </a:extLst>
+          </p:cNvPr>
+          <p:cNvSpPr>
+            <a:spLocks noGrp="1"/>
+          </p:cNvSpPr>
+          <p:nvPr/>
+        </p:nvSpPr>
+        <p:spPr>
+          <a:xfrm>
+            <a:off x="628650" y="1268044"/>
+            <a:ext cx="7886700" cy="3263400"/>
+          </a:xfrm>
+          <a:prstGeom prst="rect">
+            <a:avLst/>
+          </a:prstGeom>
+          <a:noFill/>
+          <a:ln>
+            <a:noFill/>
+          </a:ln>
+        </p:spPr>
+        <p:txBody>
+          <a:bodyPr spcFirstLastPara="1" wrap="square" lIns="68575" tIns="34275" rIns="68575" bIns="34275" anchor="t" anchorCtr="0">
+            <a:normAutofit/>
+          </a:bodyPr>
+          <a:lstStyle>
+            <a:defPPr marR="0" lvl="0" algn="l" rtl="0">
+              <a:lnSpc>
+                <a:spcPct val="100000"/>
+              </a:lnSpc>
+              <a:spcBef>
+                <a:spcPts val="0"/>
+              </a:spcBef>
+              <a:spcAft>
+                <a:spcPts val="0"/>
+              </a:spcAft>
+            </a:defPPr>
+            <a:lvl1pPr marL="457200" marR="0" lvl="0" indent="-317500" algn="l" rtl="0">
+              <a:lnSpc>
+                <a:spcPct val="90000"/>
+              </a:lnSpc>
+              <a:spcBef>
+                <a:spcPts val="800"/>
+              </a:spcBef>
+              <a:spcAft>
+                <a:spcPts val="0"/>
+              </a:spcAft>
+              <a:buClr>
+                <a:schemeClr val="dk1"/>
+              </a:buClr>
+              <a:buSzPts val="1400"/>
+              <a:buFont typeface="Arial"/>
+              <a:buChar char="•"/>
+              <a:defRPr sz="1800" b="0" i="0" u="none" strike="noStrike" cap="none">
+                <a:solidFill>
+                  <a:schemeClr val="dk2"/>
+                </a:solidFill>
+                <a:latin typeface="Arial"/>
+                <a:ea typeface="Arial"/>
+                <a:cs typeface="Arial"/>
+                <a:sym typeface="Arial"/>
+              </a:defRPr>
+            </a:lvl1pPr>
+            <a:lvl2pPr marL="914400" marR="0" lvl="1" indent="-317500" algn="l" rtl="0">
+              <a:lnSpc>
+                <a:spcPct val="90000"/>
+              </a:lnSpc>
+              <a:spcBef>
+                <a:spcPts val="400"/>
+              </a:spcBef>
+              <a:spcAft>
+                <a:spcPts val="0"/>
+              </a:spcAft>
+              <a:buClr>
+                <a:schemeClr val="dk1"/>
+              </a:buClr>
+              <a:buSzPts val="1400"/>
+              <a:buFont typeface="Arial"/>
+              <a:buChar char="•"/>
+              <a:defRPr sz="1400" b="0" i="0" u="none" strike="noStrike" cap="none">
+                <a:solidFill>
+                  <a:schemeClr val="dk2"/>
+                </a:solidFill>
+                <a:latin typeface="Arial"/>
+                <a:ea typeface="Arial"/>
+                <a:cs typeface="Arial"/>
+                <a:sym typeface="Arial"/>
+              </a:defRPr>
+            </a:lvl2pPr>
+            <a:lvl3pPr marL="1371600" marR="0" lvl="2" indent="-317500" algn="l" rtl="0">
+              <a:lnSpc>
+                <a:spcPct val="90000"/>
+              </a:lnSpc>
+              <a:spcBef>
+                <a:spcPts val="400"/>
+              </a:spcBef>
+              <a:spcAft>
+                <a:spcPts val="0"/>
+              </a:spcAft>
+              <a:buClr>
+                <a:schemeClr val="dk1"/>
+              </a:buClr>
+              <a:buSzPts val="1400"/>
+              <a:buFont typeface="Arial"/>
+              <a:buChar char="•"/>
+              <a:defRPr sz="1400" b="0" i="0" u="none" strike="noStrike" cap="none">
+                <a:solidFill>
+                  <a:schemeClr val="dk2"/>
+                </a:solidFill>
+                <a:latin typeface="Arial"/>
+                <a:ea typeface="Arial"/>
+                <a:cs typeface="Arial"/>
+                <a:sym typeface="Arial"/>
+              </a:defRPr>
+            </a:lvl3pPr>
+            <a:lvl4pPr marL="1828800" marR="0" lvl="3" indent="-317500" algn="l" rtl="0">
+              <a:lnSpc>
+                <a:spcPct val="90000"/>
+              </a:lnSpc>
+              <a:spcBef>
+                <a:spcPts val="400"/>
+              </a:spcBef>
+              <a:spcAft>
+                <a:spcPts val="0"/>
+              </a:spcAft>
+              <a:buClr>
+                <a:schemeClr val="dk1"/>
+              </a:buClr>
+              <a:buSzPts val="1400"/>
+              <a:buFont typeface="Arial"/>
+              <a:buChar char="•"/>
+              <a:defRPr sz="1400" b="0" i="0" u="none" strike="noStrike" cap="none">
+                <a:solidFill>
+                  <a:schemeClr val="dk2"/>
+                </a:solidFill>
+                <a:latin typeface="Arial"/>
+                <a:ea typeface="Arial"/>
+                <a:cs typeface="Arial"/>
+                <a:sym typeface="Arial"/>
+              </a:defRPr>
+            </a:lvl4pPr>
+            <a:lvl5pPr marL="2286000" marR="0" lvl="4" indent="-317500" algn="l" rtl="0">
+              <a:lnSpc>
+                <a:spcPct val="90000"/>
+              </a:lnSpc>
+              <a:spcBef>
+                <a:spcPts val="400"/>
+              </a:spcBef>
+              <a:spcAft>
+                <a:spcPts val="0"/>
+              </a:spcAft>
+              <a:buClr>
+                <a:schemeClr val="dk1"/>
+              </a:buClr>
+              <a:buSzPts val="1400"/>
+              <a:buFont typeface="Arial"/>
+              <a:buChar char="•"/>
+              <a:defRPr sz="1400" b="0" i="0" u="none" strike="noStrike" cap="none">
+                <a:solidFill>
+                  <a:schemeClr val="dk2"/>
+                </a:solidFill>
+                <a:latin typeface="Arial"/>
+                <a:ea typeface="Arial"/>
+                <a:cs typeface="Arial"/>
+                <a:sym typeface="Arial"/>
+              </a:defRPr>
+            </a:lvl5pPr>
+            <a:lvl6pPr marL="2743200" marR="0" lvl="5" indent="-317500" algn="l" rtl="0">
+              <a:lnSpc>
+                <a:spcPct val="90000"/>
+              </a:lnSpc>
+              <a:spcBef>
+                <a:spcPts val="400"/>
+              </a:spcBef>
+              <a:spcAft>
+                <a:spcPts val="0"/>
+              </a:spcAft>
+              <a:buClr>
+                <a:schemeClr val="dk1"/>
+              </a:buClr>
+              <a:buSzPts val="1400"/>
+              <a:buFont typeface="Arial"/>
+              <a:buChar char="•"/>
+              <a:defRPr sz="1400" b="0" i="0" u="none" strike="noStrike" cap="none">
+                <a:solidFill>
+                  <a:schemeClr val="dk2"/>
+                </a:solidFill>
+                <a:latin typeface="Arial"/>
+                <a:ea typeface="Arial"/>
+                <a:cs typeface="Arial"/>
+                <a:sym typeface="Arial"/>
+              </a:defRPr>
+            </a:lvl6pPr>
+            <a:lvl7pPr marL="3200400" marR="0" lvl="6" indent="-317500" algn="l" rtl="0">
+              <a:lnSpc>
+                <a:spcPct val="90000"/>
+              </a:lnSpc>
+              <a:spcBef>
+                <a:spcPts val="400"/>
+              </a:spcBef>
+              <a:spcAft>
+                <a:spcPts val="0"/>
+              </a:spcAft>
+              <a:buClr>
+                <a:schemeClr val="dk1"/>
+              </a:buClr>
+              <a:buSzPts val="1400"/>
+              <a:buFont typeface="Arial"/>
+              <a:buChar char="•"/>
+              <a:defRPr sz="1400" b="0" i="0" u="none" strike="noStrike" cap="none">
+                <a:solidFill>
+                  <a:schemeClr val="dk2"/>
+                </a:solidFill>
+                <a:latin typeface="Arial"/>
+                <a:ea typeface="Arial"/>
+                <a:cs typeface="Arial"/>
+                <a:sym typeface="Arial"/>
+              </a:defRPr>
+            </a:lvl7pPr>
+            <a:lvl8pPr marL="3657600" marR="0" lvl="7" indent="-317500" algn="l" rtl="0">
+              <a:lnSpc>
+                <a:spcPct val="90000"/>
+              </a:lnSpc>
+              <a:spcBef>
+                <a:spcPts val="400"/>
+              </a:spcBef>
+              <a:spcAft>
+                <a:spcPts val="0"/>
+              </a:spcAft>
+              <a:buClr>
+                <a:schemeClr val="dk1"/>
+              </a:buClr>
+              <a:buSzPts val="1400"/>
+              <a:buFont typeface="Arial"/>
+              <a:buChar char="•"/>
+              <a:defRPr sz="1400" b="0" i="0" u="none" strike="noStrike" cap="none">
+                <a:solidFill>
+                  <a:schemeClr val="dk2"/>
+                </a:solidFill>
+                <a:latin typeface="Arial"/>
+                <a:ea typeface="Arial"/>
+                <a:cs typeface="Arial"/>
+                <a:sym typeface="Arial"/>
+              </a:defRPr>
+            </a:lvl8pPr>
+            <a:lvl9pPr marL="4114800" marR="0" lvl="8" indent="-317500" algn="l" rtl="0">
+              <a:lnSpc>
+                <a:spcPct val="90000"/>
+              </a:lnSpc>
+              <a:spcBef>
+                <a:spcPts val="400"/>
+              </a:spcBef>
+              <a:spcAft>
+                <a:spcPts val="0"/>
+              </a:spcAft>
+              <a:buClr>
+                <a:schemeClr val="dk1"/>
+              </a:buClr>
+              <a:buSzPts val="1400"/>
+              <a:buFont typeface="Arial"/>
+              <a:buChar char="•"/>
+              <a:defRPr sz="1400" b="0" i="0" u="none" strike="noStrike" cap="none">
+                <a:solidFill>
+                  <a:schemeClr val="dk2"/>
+                </a:solidFill>
+                <a:latin typeface="Arial"/>
+                <a:ea typeface="Arial"/>
+                <a:cs typeface="Arial"/>
+                <a:sym typeface="Arial"/>
+              </a:defRPr>
+            </a:lvl9pPr>
+          </a:lstStyle>
+          <a:p>
+            <a:pPr marL="139700" indent="0">
+              <a:buNone/>
+            </a:pPr>
+            <a:endParaRPr kumimoji="1" lang="en-US" altLang="ja-JP" dirty="0">
+              <a:latin typeface="+mn-lt"/>
+            </a:endParaRPr>
+          </a:p>
+          <a:p>
+            <a:pPr marL="139700" indent="0">
+              <a:buNone/>
+            </a:pPr>
+            <a:endParaRPr kumimoji="1" lang="en-US" altLang="ja-JP" dirty="0">
+              <a:latin typeface="+mn-lt"/>
+            </a:endParaRPr>
+          </a:p>
+          <a:p>
+            <a:pPr marL="139700" indent="0">
+              <a:buNone/>
+            </a:pPr>
+            <a:endParaRPr kumimoji="1" lang="en-US" altLang="ja-JP" dirty="0">
+              <a:latin typeface="+mn-lt"/>
+            </a:endParaRPr>
+          </a:p>
+        </p:txBody>
+      </p:sp>
+      <p:sp>
+        <p:nvSpPr>
+          <p:cNvPr id="4" name="テキスト プレースホルダー 2">
+            <a:extLst>
+              <a:ext uri="{FF2B5EF4-FFF2-40B4-BE49-F238E27FC236}">
+                <a16:creationId xmlns:a16="http://schemas.microsoft.com/office/drawing/2014/main" id="{047A61C8-14B4-1445-EC76-4892DCFE771D}"/>
+              </a:ext>
+            </a:extLst>
+          </p:cNvPr>
+          <p:cNvSpPr>
+            <a:spLocks noGrp="1"/>
+          </p:cNvSpPr>
+          <p:nvPr/>
+        </p:nvSpPr>
+        <p:spPr>
+          <a:xfrm>
+            <a:off x="628650" y="1502494"/>
+            <a:ext cx="7886700" cy="3263400"/>
+          </a:xfrm>
+          <a:prstGeom prst="rect">
+            <a:avLst/>
+          </a:prstGeom>
+          <a:noFill/>
+          <a:ln>
+            <a:noFill/>
+          </a:ln>
+        </p:spPr>
+        <p:txBody>
+          <a:bodyPr spcFirstLastPara="1" wrap="square" lIns="68575" tIns="34275" rIns="68575" bIns="34275" anchor="t" anchorCtr="0">
+            <a:normAutofit/>
+          </a:bodyPr>
+          <a:lstStyle>
+            <a:defPPr marR="0" lvl="0" algn="l" rtl="0">
+              <a:lnSpc>
+                <a:spcPct val="100000"/>
+              </a:lnSpc>
+              <a:spcBef>
+                <a:spcPts val="0"/>
+              </a:spcBef>
+              <a:spcAft>
+                <a:spcPts val="0"/>
+              </a:spcAft>
+            </a:defPPr>
+            <a:lvl1pPr marL="457200" marR="0" lvl="0" indent="-317500" algn="l" rtl="0">
+              <a:lnSpc>
+                <a:spcPct val="90000"/>
+              </a:lnSpc>
+              <a:spcBef>
+                <a:spcPts val="800"/>
+              </a:spcBef>
+              <a:spcAft>
+                <a:spcPts val="0"/>
+              </a:spcAft>
+              <a:buClr>
+                <a:schemeClr val="dk1"/>
+              </a:buClr>
+              <a:buSzPts val="1400"/>
+              <a:buFont typeface="Arial"/>
+              <a:buChar char="•"/>
+              <a:defRPr sz="1800" b="0" i="0" u="none" strike="noStrike" cap="none">
+                <a:solidFill>
+                  <a:schemeClr val="dk2"/>
+                </a:solidFill>
+                <a:latin typeface="Arial"/>
+                <a:ea typeface="Arial"/>
+                <a:cs typeface="Arial"/>
+                <a:sym typeface="Arial"/>
+              </a:defRPr>
+            </a:lvl1pPr>
+            <a:lvl2pPr marL="914400" marR="0" lvl="1" indent="-317500" algn="l" rtl="0">
+              <a:lnSpc>
+                <a:spcPct val="90000"/>
+              </a:lnSpc>
+              <a:spcBef>
+                <a:spcPts val="400"/>
+              </a:spcBef>
+              <a:spcAft>
+                <a:spcPts val="0"/>
+              </a:spcAft>
+              <a:buClr>
+                <a:schemeClr val="dk1"/>
+              </a:buClr>
+              <a:buSzPts val="1400"/>
+              <a:buFont typeface="Arial"/>
+              <a:buChar char="•"/>
+              <a:defRPr sz="1400" b="0" i="0" u="none" strike="noStrike" cap="none">
+                <a:solidFill>
+                  <a:schemeClr val="dk2"/>
+                </a:solidFill>
+                <a:latin typeface="Arial"/>
+                <a:ea typeface="Arial"/>
+                <a:cs typeface="Arial"/>
+                <a:sym typeface="Arial"/>
+              </a:defRPr>
+            </a:lvl2pPr>
+            <a:lvl3pPr marL="1371600" marR="0" lvl="2" indent="-317500" algn="l" rtl="0">
+              <a:lnSpc>
+                <a:spcPct val="90000"/>
+              </a:lnSpc>
+              <a:spcBef>
+                <a:spcPts val="400"/>
+              </a:spcBef>
+              <a:spcAft>
+                <a:spcPts val="0"/>
+              </a:spcAft>
+              <a:buClr>
+                <a:schemeClr val="dk1"/>
+              </a:buClr>
+              <a:buSzPts val="1400"/>
+              <a:buFont typeface="Arial"/>
+              <a:buChar char="•"/>
+              <a:defRPr sz="1400" b="0" i="0" u="none" strike="noStrike" cap="none">
+                <a:solidFill>
+                  <a:schemeClr val="dk2"/>
+                </a:solidFill>
+                <a:latin typeface="Arial"/>
+                <a:ea typeface="Arial"/>
+                <a:cs typeface="Arial"/>
+                <a:sym typeface="Arial"/>
+              </a:defRPr>
+            </a:lvl3pPr>
+            <a:lvl4pPr marL="1828800" marR="0" lvl="3" indent="-317500" algn="l" rtl="0">
+              <a:lnSpc>
+                <a:spcPct val="90000"/>
+              </a:lnSpc>
+              <a:spcBef>
+                <a:spcPts val="400"/>
+              </a:spcBef>
+              <a:spcAft>
+                <a:spcPts val="0"/>
+              </a:spcAft>
+              <a:buClr>
+                <a:schemeClr val="dk1"/>
+              </a:buClr>
+              <a:buSzPts val="1400"/>
+              <a:buFont typeface="Arial"/>
+              <a:buChar char="•"/>
+              <a:defRPr sz="1400" b="0" i="0" u="none" strike="noStrike" cap="none">
+                <a:solidFill>
+                  <a:schemeClr val="dk2"/>
+                </a:solidFill>
+                <a:latin typeface="Arial"/>
+                <a:ea typeface="Arial"/>
+                <a:cs typeface="Arial"/>
+                <a:sym typeface="Arial"/>
+              </a:defRPr>
+            </a:lvl4pPr>
+            <a:lvl5pPr marL="2286000" marR="0" lvl="4" indent="-317500" algn="l" rtl="0">
+              <a:lnSpc>
+                <a:spcPct val="90000"/>
+              </a:lnSpc>
+              <a:spcBef>
+                <a:spcPts val="400"/>
+              </a:spcBef>
+              <a:spcAft>
+                <a:spcPts val="0"/>
+              </a:spcAft>
+              <a:buClr>
+                <a:schemeClr val="dk1"/>
+              </a:buClr>
+              <a:buSzPts val="1400"/>
+              <a:buFont typeface="Arial"/>
+              <a:buChar char="•"/>
+              <a:defRPr sz="1400" b="0" i="0" u="none" strike="noStrike" cap="none">
+                <a:solidFill>
+                  <a:schemeClr val="dk2"/>
+                </a:solidFill>
+                <a:latin typeface="Arial"/>
+                <a:ea typeface="Arial"/>
+                <a:cs typeface="Arial"/>
+                <a:sym typeface="Arial"/>
+              </a:defRPr>
+            </a:lvl5pPr>
+            <a:lvl6pPr marL="2743200" marR="0" lvl="5" indent="-317500" algn="l" rtl="0">
+              <a:lnSpc>
+                <a:spcPct val="90000"/>
+              </a:lnSpc>
+              <a:spcBef>
+                <a:spcPts val="400"/>
+              </a:spcBef>
+              <a:spcAft>
+                <a:spcPts val="0"/>
+              </a:spcAft>
+              <a:buClr>
+                <a:schemeClr val="dk1"/>
+              </a:buClr>
+              <a:buSzPts val="1400"/>
+              <a:buFont typeface="Arial"/>
+              <a:buChar char="•"/>
+              <a:defRPr sz="1400" b="0" i="0" u="none" strike="noStrike" cap="none">
+                <a:solidFill>
+                  <a:schemeClr val="dk2"/>
+                </a:solidFill>
+                <a:latin typeface="Arial"/>
+                <a:ea typeface="Arial"/>
+                <a:cs typeface="Arial"/>
+                <a:sym typeface="Arial"/>
+              </a:defRPr>
+            </a:lvl6pPr>
+            <a:lvl7pPr marL="3200400" marR="0" lvl="6" indent="-317500" algn="l" rtl="0">
+              <a:lnSpc>
+                <a:spcPct val="90000"/>
+              </a:lnSpc>
+              <a:spcBef>
+                <a:spcPts val="400"/>
+              </a:spcBef>
+              <a:spcAft>
+                <a:spcPts val="0"/>
+              </a:spcAft>
+              <a:buClr>
+                <a:schemeClr val="dk1"/>
+              </a:buClr>
+              <a:buSzPts val="1400"/>
+              <a:buFont typeface="Arial"/>
+              <a:buChar char="•"/>
+              <a:defRPr sz="1400" b="0" i="0" u="none" strike="noStrike" cap="none">
+                <a:solidFill>
+                  <a:schemeClr val="dk2"/>
+                </a:solidFill>
+                <a:latin typeface="Arial"/>
+                <a:ea typeface="Arial"/>
+                <a:cs typeface="Arial"/>
+                <a:sym typeface="Arial"/>
+              </a:defRPr>
+            </a:lvl7pPr>
+            <a:lvl8pPr marL="3657600" marR="0" lvl="7" indent="-317500" algn="l" rtl="0">
+              <a:lnSpc>
+                <a:spcPct val="90000"/>
+              </a:lnSpc>
+              <a:spcBef>
+                <a:spcPts val="400"/>
+              </a:spcBef>
+              <a:spcAft>
+                <a:spcPts val="0"/>
+              </a:spcAft>
+              <a:buClr>
+                <a:schemeClr val="dk1"/>
+              </a:buClr>
+              <a:buSzPts val="1400"/>
+              <a:buFont typeface="Arial"/>
+              <a:buChar char="•"/>
+              <a:defRPr sz="1400" b="0" i="0" u="none" strike="noStrike" cap="none">
+                <a:solidFill>
+                  <a:schemeClr val="dk2"/>
+                </a:solidFill>
+                <a:latin typeface="Arial"/>
+                <a:ea typeface="Arial"/>
+                <a:cs typeface="Arial"/>
+                <a:sym typeface="Arial"/>
+              </a:defRPr>
+            </a:lvl8pPr>
+            <a:lvl9pPr marL="4114800" marR="0" lvl="8" indent="-317500" algn="l" rtl="0">
+              <a:lnSpc>
+                <a:spcPct val="90000"/>
+              </a:lnSpc>
+              <a:spcBef>
+                <a:spcPts val="400"/>
+              </a:spcBef>
+              <a:spcAft>
+                <a:spcPts val="0"/>
+              </a:spcAft>
+              <a:buClr>
+                <a:schemeClr val="dk1"/>
+              </a:buClr>
+              <a:buSzPts val="1400"/>
+              <a:buFont typeface="Arial"/>
+              <a:buChar char="•"/>
+              <a:defRPr sz="1400" b="0" i="0" u="none" strike="noStrike" cap="none">
+                <a:solidFill>
+                  <a:schemeClr val="dk2"/>
+                </a:solidFill>
+                <a:latin typeface="Arial"/>
+                <a:ea typeface="Arial"/>
+                <a:cs typeface="Arial"/>
+                <a:sym typeface="Arial"/>
+              </a:defRPr>
+            </a:lvl9pPr>
+          </a:lstStyle>
+          <a:p>
+            <a:pPr marL="139700" indent="0">
+              <a:buNone/>
+            </a:pPr>
+            <a:r>
+              <a:rPr kumimoji="1" lang="ja-JP" altLang="en-US" dirty="0">
+                <a:latin typeface="+mn-lt"/>
+              </a:rPr>
+              <a:t>餌の位置は壁や自分がいる位置には置けないので解決方法を考えます</a:t>
+            </a:r>
+            <a:endParaRPr kumimoji="1" lang="en-US" altLang="ja-JP" dirty="0">
+              <a:latin typeface="+mn-lt"/>
+            </a:endParaRPr>
+          </a:p>
+          <a:p>
+            <a:pPr marL="139700" indent="0">
+              <a:buNone/>
+            </a:pPr>
+            <a:r>
+              <a:rPr kumimoji="1" lang="ja-JP" altLang="en-US" dirty="0">
+                <a:latin typeface="+mn-lt"/>
+              </a:rPr>
+              <a:t>マップデータ中に通り道（</a:t>
+            </a:r>
+            <a:r>
+              <a:rPr kumimoji="1" lang="en-US" altLang="ja-JP" dirty="0">
+                <a:latin typeface="+mn-lt"/>
+              </a:rPr>
+              <a:t>data=0</a:t>
+            </a:r>
+            <a:r>
+              <a:rPr kumimoji="1" lang="ja-JP" altLang="en-US" dirty="0">
+                <a:latin typeface="+mn-lt"/>
+              </a:rPr>
+              <a:t>）が分かるので、自分を除いた通り道のみを抽出し、</a:t>
+            </a:r>
+            <a:r>
+              <a:rPr kumimoji="1" lang="en-US" altLang="ja-JP" dirty="0" err="1">
+                <a:latin typeface="+mn-lt"/>
+              </a:rPr>
+              <a:t>ramdom</a:t>
+            </a:r>
+            <a:r>
+              <a:rPr kumimoji="1" lang="ja-JP" altLang="en-US" dirty="0">
+                <a:latin typeface="+mn-lt"/>
+              </a:rPr>
+              <a:t>関数を用いて餌位置を計算します</a:t>
+            </a:r>
+            <a:endParaRPr kumimoji="1" lang="en-US" altLang="ja-JP" dirty="0">
+              <a:latin typeface="+mn-lt"/>
+            </a:endParaRPr>
+          </a:p>
+          <a:p>
+            <a:pPr marL="139700" indent="0">
+              <a:buNone/>
+            </a:pPr>
+            <a:r>
+              <a:rPr kumimoji="1" lang="ja-JP" altLang="en-US" dirty="0">
+                <a:latin typeface="+mn-lt"/>
+              </a:rPr>
+              <a:t>この方法だとマップデータを自由に編集しても動作します</a:t>
+            </a:r>
+            <a:endParaRPr kumimoji="1" lang="en-US" altLang="ja-JP" dirty="0">
+              <a:latin typeface="+mn-lt"/>
+            </a:endParaRPr>
+          </a:p>
+          <a:p>
+            <a:pPr marL="139700" indent="0">
+              <a:buNone/>
+            </a:pPr>
+            <a:endParaRPr kumimoji="1" lang="en-US" altLang="ja-JP" dirty="0">
+              <a:latin typeface="+mn-lt"/>
+            </a:endParaRPr>
+          </a:p>
+          <a:p>
+            <a:pPr marL="139700" indent="0">
+              <a:buNone/>
+            </a:pPr>
+            <a:endParaRPr kumimoji="1" lang="en-US" altLang="ja-JP" dirty="0">
+              <a:latin typeface="+mn-lt"/>
+            </a:endParaRPr>
+          </a:p>
+        </p:txBody>
+      </p:sp>
+    </p:spTree>
+    <p:extLst>
+      <p:ext uri="{BB962C8B-B14F-4D97-AF65-F5344CB8AC3E}">
+        <p14:creationId xmlns:p14="http://schemas.microsoft.com/office/powerpoint/2010/main" val="2847052971"/>
       </p:ext>
     </p:extLst>
   </p:cSld>

--- a/SnakeGame解説.pptx
+++ b/SnakeGame解説.pptx
@@ -7376,7 +7376,7 @@
             </a:r>
             <a:r>
               <a:rPr lang="ja-JP" altLang="en-US" sz="3200" dirty="0"/>
-              <a:t>解説（作成中）</a:t>
+              <a:t>解説</a:t>
             </a:r>
             <a:endParaRPr sz="3200" dirty="0"/>
           </a:p>
